--- a/Presentation/codeforhoodtech.pptx
+++ b/Presentation/codeforhoodtech.pptx
@@ -12,6 +12,7 @@
     <p:sldId id="261" r:id="rId6"/>
     <p:sldId id="259" r:id="rId7"/>
     <p:sldId id="262" r:id="rId8"/>
+    <p:sldId id="263" r:id="rId9"/>
   </p:sldIdLst>
   <p:sldSz cx="12192000" cy="6858000"/>
   <p:notesSz cx="6858000" cy="9144000"/>
@@ -5717,7 +5718,7 @@
           <a:noFill/>
           <a:extLst>
             <a:ext uri="{909E8E84-426E-40dd-AFC4-6F175D3DCCD1}">
-              <a14:hiddenFill xmlns="" xmlns:a14="http://schemas.microsoft.com/office/drawing/2010/main">
+              <a14:hiddenFill xmlns:a14="http://schemas.microsoft.com/office/drawing/2010/main" xmlns="">
                 <a:solidFill>
                   <a:srgbClr val="FFFFFF"/>
                 </a:solidFill>
@@ -5777,7 +5778,7 @@
             </a:ln>
             <a:extLst>
               <a:ext uri="{91240B29-F687-4f45-9708-019B960494DF}">
-                <a14:hiddenLine xmlns="" xmlns:a14="http://schemas.microsoft.com/office/drawing/2010/main" w="9525">
+                <a14:hiddenLine xmlns:a14="http://schemas.microsoft.com/office/drawing/2010/main" xmlns="" w="9525">
                   <a:solidFill>
                     <a:srgbClr val="000000"/>
                   </a:solidFill>
@@ -5867,7 +5868,7 @@
             </a:ln>
             <a:extLst>
               <a:ext uri="{91240B29-F687-4f45-9708-019B960494DF}">
-                <a14:hiddenLine xmlns="" xmlns:a14="http://schemas.microsoft.com/office/drawing/2010/main" w="9525">
+                <a14:hiddenLine xmlns:a14="http://schemas.microsoft.com/office/drawing/2010/main" xmlns="" w="9525">
                   <a:solidFill>
                     <a:srgbClr val="000000"/>
                   </a:solidFill>
@@ -5957,7 +5958,7 @@
             </a:ln>
             <a:extLst>
               <a:ext uri="{91240B29-F687-4f45-9708-019B960494DF}">
-                <a14:hiddenLine xmlns="" xmlns:a14="http://schemas.microsoft.com/office/drawing/2010/main" w="9525">
+                <a14:hiddenLine xmlns:a14="http://schemas.microsoft.com/office/drawing/2010/main" xmlns="" w="9525">
                   <a:solidFill>
                     <a:srgbClr val="000000"/>
                   </a:solidFill>
@@ -5991,7 +5992,7 @@
             </a:ln>
             <a:extLst>
               <a:ext uri="{91240B29-F687-4f45-9708-019B960494DF}">
-                <a14:hiddenLine xmlns="" xmlns:a14="http://schemas.microsoft.com/office/drawing/2010/main" w="9525">
+                <a14:hiddenLine xmlns:a14="http://schemas.microsoft.com/office/drawing/2010/main" xmlns="" w="9525">
                   <a:solidFill>
                     <a:srgbClr val="000000"/>
                   </a:solidFill>
@@ -6081,7 +6082,7 @@
             </a:ln>
             <a:extLst>
               <a:ext uri="{91240B29-F687-4f45-9708-019B960494DF}">
-                <a14:hiddenLine xmlns="" xmlns:a14="http://schemas.microsoft.com/office/drawing/2010/main" w="9525">
+                <a14:hiddenLine xmlns:a14="http://schemas.microsoft.com/office/drawing/2010/main" xmlns="" w="9525">
                   <a:solidFill>
                     <a:srgbClr val="000000"/>
                   </a:solidFill>
@@ -6143,7 +6144,7 @@
             </a:ln>
             <a:extLst>
               <a:ext uri="{91240B29-F687-4f45-9708-019B960494DF}">
-                <a14:hiddenLine xmlns="" xmlns:a14="http://schemas.microsoft.com/office/drawing/2010/main" w="9525">
+                <a14:hiddenLine xmlns:a14="http://schemas.microsoft.com/office/drawing/2010/main" xmlns="" w="9525">
                   <a:solidFill>
                     <a:srgbClr val="000000"/>
                   </a:solidFill>
@@ -6205,7 +6206,7 @@
             </a:ln>
             <a:extLst>
               <a:ext uri="{91240B29-F687-4f45-9708-019B960494DF}">
-                <a14:hiddenLine xmlns="" xmlns:a14="http://schemas.microsoft.com/office/drawing/2010/main" w="9525">
+                <a14:hiddenLine xmlns:a14="http://schemas.microsoft.com/office/drawing/2010/main" xmlns="" w="9525">
                   <a:solidFill>
                     <a:srgbClr val="000000"/>
                   </a:solidFill>
@@ -6295,7 +6296,7 @@
             </a:ln>
             <a:extLst>
               <a:ext uri="{91240B29-F687-4f45-9708-019B960494DF}">
-                <a14:hiddenLine xmlns="" xmlns:a14="http://schemas.microsoft.com/office/drawing/2010/main" w="9525">
+                <a14:hiddenLine xmlns:a14="http://schemas.microsoft.com/office/drawing/2010/main" xmlns="" w="9525">
                   <a:solidFill>
                     <a:srgbClr val="000000"/>
                   </a:solidFill>
@@ -6357,7 +6358,7 @@
             </a:ln>
             <a:extLst>
               <a:ext uri="{91240B29-F687-4f45-9708-019B960494DF}">
-                <a14:hiddenLine xmlns="" xmlns:a14="http://schemas.microsoft.com/office/drawing/2010/main" w="9525">
+                <a14:hiddenLine xmlns:a14="http://schemas.microsoft.com/office/drawing/2010/main" xmlns="" w="9525">
                   <a:solidFill>
                     <a:srgbClr val="000000"/>
                   </a:solidFill>
@@ -6419,7 +6420,7 @@
             </a:ln>
             <a:extLst>
               <a:ext uri="{91240B29-F687-4f45-9708-019B960494DF}">
-                <a14:hiddenLine xmlns="" xmlns:a14="http://schemas.microsoft.com/office/drawing/2010/main" w="9525">
+                <a14:hiddenLine xmlns:a14="http://schemas.microsoft.com/office/drawing/2010/main" xmlns="" w="9525">
                   <a:solidFill>
                     <a:srgbClr val="000000"/>
                   </a:solidFill>
@@ -6509,7 +6510,7 @@
             </a:ln>
             <a:extLst>
               <a:ext uri="{91240B29-F687-4f45-9708-019B960494DF}">
-                <a14:hiddenLine xmlns="" xmlns:a14="http://schemas.microsoft.com/office/drawing/2010/main" w="9525">
+                <a14:hiddenLine xmlns:a14="http://schemas.microsoft.com/office/drawing/2010/main" xmlns="" w="9525">
                   <a:solidFill>
                     <a:srgbClr val="000000"/>
                   </a:solidFill>
@@ -6599,7 +6600,7 @@
             </a:ln>
             <a:extLst>
               <a:ext uri="{91240B29-F687-4f45-9708-019B960494DF}">
-                <a14:hiddenLine xmlns="" xmlns:a14="http://schemas.microsoft.com/office/drawing/2010/main" w="9525">
+                <a14:hiddenLine xmlns:a14="http://schemas.microsoft.com/office/drawing/2010/main" xmlns="" w="9525">
                   <a:solidFill>
                     <a:srgbClr val="000000"/>
                   </a:solidFill>
@@ -6661,7 +6662,7 @@
             </a:ln>
             <a:extLst>
               <a:ext uri="{91240B29-F687-4f45-9708-019B960494DF}">
-                <a14:hiddenLine xmlns="" xmlns:a14="http://schemas.microsoft.com/office/drawing/2010/main" w="9525">
+                <a14:hiddenLine xmlns:a14="http://schemas.microsoft.com/office/drawing/2010/main" xmlns="" w="9525">
                   <a:solidFill>
                     <a:srgbClr val="000000"/>
                   </a:solidFill>
@@ -6771,7 +6772,7 @@
             </a:ln>
             <a:extLst>
               <a:ext uri="{91240B29-F687-4f45-9708-019B960494DF}">
-                <a14:hiddenLine xmlns="" xmlns:a14="http://schemas.microsoft.com/office/drawing/2010/main" w="9525">
+                <a14:hiddenLine xmlns:a14="http://schemas.microsoft.com/office/drawing/2010/main" xmlns="" w="9525">
                   <a:solidFill>
                     <a:srgbClr val="000000"/>
                   </a:solidFill>
@@ -6833,7 +6834,7 @@
             </a:ln>
             <a:extLst>
               <a:ext uri="{91240B29-F687-4f45-9708-019B960494DF}">
-                <a14:hiddenLine xmlns="" xmlns:a14="http://schemas.microsoft.com/office/drawing/2010/main" w="9525">
+                <a14:hiddenLine xmlns:a14="http://schemas.microsoft.com/office/drawing/2010/main" xmlns="" w="9525">
                   <a:solidFill>
                     <a:srgbClr val="000000"/>
                   </a:solidFill>
@@ -6923,7 +6924,7 @@
             </a:ln>
             <a:extLst>
               <a:ext uri="{91240B29-F687-4f45-9708-019B960494DF}">
-                <a14:hiddenLine xmlns="" xmlns:a14="http://schemas.microsoft.com/office/drawing/2010/main" w="9525">
+                <a14:hiddenLine xmlns:a14="http://schemas.microsoft.com/office/drawing/2010/main" xmlns="" w="9525">
                   <a:solidFill>
                     <a:srgbClr val="000000"/>
                   </a:solidFill>
@@ -7013,7 +7014,7 @@
             </a:ln>
             <a:extLst>
               <a:ext uri="{91240B29-F687-4f45-9708-019B960494DF}">
-                <a14:hiddenLine xmlns="" xmlns:a14="http://schemas.microsoft.com/office/drawing/2010/main" w="9525">
+                <a14:hiddenLine xmlns:a14="http://schemas.microsoft.com/office/drawing/2010/main" xmlns="" w="9525">
                   <a:solidFill>
                     <a:srgbClr val="000000"/>
                   </a:solidFill>
@@ -7075,7 +7076,7 @@
             </a:ln>
             <a:extLst>
               <a:ext uri="{91240B29-F687-4f45-9708-019B960494DF}">
-                <a14:hiddenLine xmlns="" xmlns:a14="http://schemas.microsoft.com/office/drawing/2010/main" w="9525">
+                <a14:hiddenLine xmlns:a14="http://schemas.microsoft.com/office/drawing/2010/main" xmlns="" w="9525">
                   <a:solidFill>
                     <a:srgbClr val="000000"/>
                   </a:solidFill>
@@ -7165,7 +7166,7 @@
             </a:ln>
             <a:extLst>
               <a:ext uri="{91240B29-F687-4f45-9708-019B960494DF}">
-                <a14:hiddenLine xmlns="" xmlns:a14="http://schemas.microsoft.com/office/drawing/2010/main" w="9525">
+                <a14:hiddenLine xmlns:a14="http://schemas.microsoft.com/office/drawing/2010/main" xmlns="" w="9525">
                   <a:solidFill>
                     <a:srgbClr val="000000"/>
                   </a:solidFill>
@@ -7255,7 +7256,7 @@
             </a:ln>
             <a:extLst>
               <a:ext uri="{91240B29-F687-4f45-9708-019B960494DF}">
-                <a14:hiddenLine xmlns="" xmlns:a14="http://schemas.microsoft.com/office/drawing/2010/main" w="9525">
+                <a14:hiddenLine xmlns:a14="http://schemas.microsoft.com/office/drawing/2010/main" xmlns="" w="9525">
                   <a:solidFill>
                     <a:srgbClr val="000000"/>
                   </a:solidFill>
@@ -7311,7 +7312,7 @@
             </a:ln>
             <a:extLst>
               <a:ext uri="{91240B29-F687-4f45-9708-019B960494DF}">
-                <a14:hiddenLine xmlns="" xmlns:a14="http://schemas.microsoft.com/office/drawing/2010/main" w="9525">
+                <a14:hiddenLine xmlns:a14="http://schemas.microsoft.com/office/drawing/2010/main" xmlns="" w="9525">
                   <a:solidFill>
                     <a:srgbClr val="000000"/>
                   </a:solidFill>
@@ -7401,7 +7402,7 @@
             </a:ln>
             <a:extLst>
               <a:ext uri="{91240B29-F687-4f45-9708-019B960494DF}">
-                <a14:hiddenLine xmlns="" xmlns:a14="http://schemas.microsoft.com/office/drawing/2010/main" w="9525">
+                <a14:hiddenLine xmlns:a14="http://schemas.microsoft.com/office/drawing/2010/main" xmlns="" w="9525">
                   <a:solidFill>
                     <a:srgbClr val="000000"/>
                   </a:solidFill>
@@ -7457,7 +7458,7 @@
             </a:ln>
             <a:extLst>
               <a:ext uri="{91240B29-F687-4f45-9708-019B960494DF}">
-                <a14:hiddenLine xmlns="" xmlns:a14="http://schemas.microsoft.com/office/drawing/2010/main" w="9525">
+                <a14:hiddenLine xmlns:a14="http://schemas.microsoft.com/office/drawing/2010/main" xmlns="" w="9525">
                   <a:solidFill>
                     <a:srgbClr val="000000"/>
                   </a:solidFill>
@@ -7547,7 +7548,7 @@
             </a:ln>
             <a:extLst>
               <a:ext uri="{91240B29-F687-4f45-9708-019B960494DF}">
-                <a14:hiddenLine xmlns="" xmlns:a14="http://schemas.microsoft.com/office/drawing/2010/main" w="9525">
+                <a14:hiddenLine xmlns:a14="http://schemas.microsoft.com/office/drawing/2010/main" xmlns="" w="9525">
                   <a:solidFill>
                     <a:srgbClr val="000000"/>
                   </a:solidFill>
@@ -7615,7 +7616,7 @@
             </a:ln>
             <a:extLst>
               <a:ext uri="{91240B29-F687-4f45-9708-019B960494DF}">
-                <a14:hiddenLine xmlns="" xmlns:a14="http://schemas.microsoft.com/office/drawing/2010/main" w="9525">
+                <a14:hiddenLine xmlns:a14="http://schemas.microsoft.com/office/drawing/2010/main" xmlns="" w="9525">
                   <a:solidFill>
                     <a:srgbClr val="000000"/>
                   </a:solidFill>
@@ -7705,7 +7706,7 @@
             </a:ln>
             <a:extLst>
               <a:ext uri="{91240B29-F687-4f45-9708-019B960494DF}">
-                <a14:hiddenLine xmlns="" xmlns:a14="http://schemas.microsoft.com/office/drawing/2010/main" w="9525">
+                <a14:hiddenLine xmlns:a14="http://schemas.microsoft.com/office/drawing/2010/main" xmlns="" w="9525">
                   <a:solidFill>
                     <a:srgbClr val="000000"/>
                   </a:solidFill>
@@ -7773,7 +7774,7 @@
             </a:ln>
             <a:extLst>
               <a:ext uri="{91240B29-F687-4f45-9708-019B960494DF}">
-                <a14:hiddenLine xmlns="" xmlns:a14="http://schemas.microsoft.com/office/drawing/2010/main" w="9525">
+                <a14:hiddenLine xmlns:a14="http://schemas.microsoft.com/office/drawing/2010/main" xmlns="" w="9525">
                   <a:solidFill>
                     <a:srgbClr val="000000"/>
                   </a:solidFill>
@@ -7863,7 +7864,7 @@
             </a:ln>
             <a:extLst>
               <a:ext uri="{91240B29-F687-4f45-9708-019B960494DF}">
-                <a14:hiddenLine xmlns="" xmlns:a14="http://schemas.microsoft.com/office/drawing/2010/main" w="9525">
+                <a14:hiddenLine xmlns:a14="http://schemas.microsoft.com/office/drawing/2010/main" xmlns="" w="9525">
                   <a:solidFill>
                     <a:srgbClr val="000000"/>
                   </a:solidFill>
@@ -7897,7 +7898,7 @@
             </a:ln>
             <a:extLst>
               <a:ext uri="{91240B29-F687-4f45-9708-019B960494DF}">
-                <a14:hiddenLine xmlns="" xmlns:a14="http://schemas.microsoft.com/office/drawing/2010/main" w="9525">
+                <a14:hiddenLine xmlns:a14="http://schemas.microsoft.com/office/drawing/2010/main" xmlns="" w="9525">
                   <a:solidFill>
                     <a:srgbClr val="000000"/>
                   </a:solidFill>
@@ -7987,7 +7988,7 @@
             </a:ln>
             <a:extLst>
               <a:ext uri="{91240B29-F687-4f45-9708-019B960494DF}">
-                <a14:hiddenLine xmlns="" xmlns:a14="http://schemas.microsoft.com/office/drawing/2010/main" w="9525">
+                <a14:hiddenLine xmlns:a14="http://schemas.microsoft.com/office/drawing/2010/main" xmlns="" w="9525">
                   <a:solidFill>
                     <a:srgbClr val="000000"/>
                   </a:solidFill>
@@ -8049,7 +8050,7 @@
             </a:ln>
             <a:extLst>
               <a:ext uri="{91240B29-F687-4f45-9708-019B960494DF}">
-                <a14:hiddenLine xmlns="" xmlns:a14="http://schemas.microsoft.com/office/drawing/2010/main" w="9525">
+                <a14:hiddenLine xmlns:a14="http://schemas.microsoft.com/office/drawing/2010/main" xmlns="" w="9525">
                   <a:solidFill>
                     <a:srgbClr val="000000"/>
                   </a:solidFill>
@@ -8111,7 +8112,7 @@
             </a:ln>
             <a:extLst>
               <a:ext uri="{91240B29-F687-4f45-9708-019B960494DF}">
-                <a14:hiddenLine xmlns="" xmlns:a14="http://schemas.microsoft.com/office/drawing/2010/main" w="9525">
+                <a14:hiddenLine xmlns:a14="http://schemas.microsoft.com/office/drawing/2010/main" xmlns="" w="9525">
                   <a:solidFill>
                     <a:srgbClr val="000000"/>
                   </a:solidFill>
@@ -8201,7 +8202,7 @@
             </a:ln>
             <a:extLst>
               <a:ext uri="{91240B29-F687-4f45-9708-019B960494DF}">
-                <a14:hiddenLine xmlns="" xmlns:a14="http://schemas.microsoft.com/office/drawing/2010/main" w="9525">
+                <a14:hiddenLine xmlns:a14="http://schemas.microsoft.com/office/drawing/2010/main" xmlns="" w="9525">
                   <a:solidFill>
                     <a:srgbClr val="000000"/>
                   </a:solidFill>
@@ -8269,7 +8270,7 @@
             </a:ln>
             <a:extLst>
               <a:ext uri="{91240B29-F687-4f45-9708-019B960494DF}">
-                <a14:hiddenLine xmlns="" xmlns:a14="http://schemas.microsoft.com/office/drawing/2010/main" w="9525">
+                <a14:hiddenLine xmlns:a14="http://schemas.microsoft.com/office/drawing/2010/main" xmlns="" w="9525">
                   <a:solidFill>
                     <a:srgbClr val="000000"/>
                   </a:solidFill>
@@ -8331,7 +8332,7 @@
             </a:ln>
             <a:extLst>
               <a:ext uri="{91240B29-F687-4f45-9708-019B960494DF}">
-                <a14:hiddenLine xmlns="" xmlns:a14="http://schemas.microsoft.com/office/drawing/2010/main" w="9525">
+                <a14:hiddenLine xmlns:a14="http://schemas.microsoft.com/office/drawing/2010/main" xmlns="" w="9525">
                   <a:solidFill>
                     <a:srgbClr val="000000"/>
                   </a:solidFill>
@@ -8421,7 +8422,7 @@
             </a:ln>
             <a:extLst>
               <a:ext uri="{91240B29-F687-4f45-9708-019B960494DF}">
-                <a14:hiddenLine xmlns="" xmlns:a14="http://schemas.microsoft.com/office/drawing/2010/main" w="9525">
+                <a14:hiddenLine xmlns:a14="http://schemas.microsoft.com/office/drawing/2010/main" xmlns="" w="9525">
                   <a:solidFill>
                     <a:srgbClr val="000000"/>
                   </a:solidFill>
@@ -8483,7 +8484,7 @@
             </a:ln>
             <a:extLst>
               <a:ext uri="{91240B29-F687-4f45-9708-019B960494DF}">
-                <a14:hiddenLine xmlns="" xmlns:a14="http://schemas.microsoft.com/office/drawing/2010/main" w="9525">
+                <a14:hiddenLine xmlns:a14="http://schemas.microsoft.com/office/drawing/2010/main" xmlns="" w="9525">
                   <a:solidFill>
                     <a:srgbClr val="000000"/>
                   </a:solidFill>
@@ -8573,7 +8574,7 @@
             </a:ln>
             <a:extLst>
               <a:ext uri="{91240B29-F687-4f45-9708-019B960494DF}">
-                <a14:hiddenLine xmlns="" xmlns:a14="http://schemas.microsoft.com/office/drawing/2010/main" w="9525">
+                <a14:hiddenLine xmlns:a14="http://schemas.microsoft.com/office/drawing/2010/main" xmlns="" w="9525">
                   <a:solidFill>
                     <a:srgbClr val="000000"/>
                   </a:solidFill>
@@ -8635,7 +8636,7 @@
             </a:ln>
             <a:extLst>
               <a:ext uri="{91240B29-F687-4f45-9708-019B960494DF}">
-                <a14:hiddenLine xmlns="" xmlns:a14="http://schemas.microsoft.com/office/drawing/2010/main" w="9525">
+                <a14:hiddenLine xmlns:a14="http://schemas.microsoft.com/office/drawing/2010/main" xmlns="" w="9525">
                   <a:solidFill>
                     <a:srgbClr val="000000"/>
                   </a:solidFill>
@@ -8725,7 +8726,7 @@
             </a:ln>
             <a:extLst>
               <a:ext uri="{91240B29-F687-4f45-9708-019B960494DF}">
-                <a14:hiddenLine xmlns="" xmlns:a14="http://schemas.microsoft.com/office/drawing/2010/main" w="9525">
+                <a14:hiddenLine xmlns:a14="http://schemas.microsoft.com/office/drawing/2010/main" xmlns="" w="9525">
                   <a:solidFill>
                     <a:srgbClr val="000000"/>
                   </a:solidFill>
@@ -8759,7 +8760,7 @@
             </a:ln>
             <a:extLst>
               <a:ext uri="{91240B29-F687-4f45-9708-019B960494DF}">
-                <a14:hiddenLine xmlns="" xmlns:a14="http://schemas.microsoft.com/office/drawing/2010/main" w="9525">
+                <a14:hiddenLine xmlns:a14="http://schemas.microsoft.com/office/drawing/2010/main" xmlns="" w="9525">
                   <a:solidFill>
                     <a:srgbClr val="000000"/>
                   </a:solidFill>
@@ -8824,7 +8825,7 @@
             </a:ln>
             <a:extLst>
               <a:ext uri="{91240B29-F687-4f45-9708-019B960494DF}">
-                <a14:hiddenLine xmlns="" xmlns:a14="http://schemas.microsoft.com/office/drawing/2010/main" w="9525">
+                <a14:hiddenLine xmlns:a14="http://schemas.microsoft.com/office/drawing/2010/main" xmlns="" w="9525">
                   <a:solidFill>
                     <a:srgbClr val="000000"/>
                   </a:solidFill>
@@ -8914,7 +8915,7 @@
             </a:ln>
             <a:extLst>
               <a:ext uri="{91240B29-F687-4f45-9708-019B960494DF}">
-                <a14:hiddenLine xmlns="" xmlns:a14="http://schemas.microsoft.com/office/drawing/2010/main" w="9525">
+                <a14:hiddenLine xmlns:a14="http://schemas.microsoft.com/office/drawing/2010/main" xmlns="" w="9525">
                   <a:solidFill>
                     <a:srgbClr val="000000"/>
                   </a:solidFill>
@@ -8976,7 +8977,7 @@
             </a:ln>
             <a:extLst>
               <a:ext uri="{91240B29-F687-4f45-9708-019B960494DF}">
-                <a14:hiddenLine xmlns="" xmlns:a14="http://schemas.microsoft.com/office/drawing/2010/main" w="9525">
+                <a14:hiddenLine xmlns:a14="http://schemas.microsoft.com/office/drawing/2010/main" xmlns="" w="9525">
                   <a:solidFill>
                     <a:srgbClr val="000000"/>
                   </a:solidFill>
@@ -9066,7 +9067,7 @@
             </a:ln>
             <a:extLst>
               <a:ext uri="{91240B29-F687-4f45-9708-019B960494DF}">
-                <a14:hiddenLine xmlns="" xmlns:a14="http://schemas.microsoft.com/office/drawing/2010/main" w="9525">
+                <a14:hiddenLine xmlns:a14="http://schemas.microsoft.com/office/drawing/2010/main" xmlns="" w="9525">
                   <a:solidFill>
                     <a:srgbClr val="000000"/>
                   </a:solidFill>
@@ -9156,7 +9157,7 @@
             </a:ln>
             <a:extLst>
               <a:ext uri="{91240B29-F687-4f45-9708-019B960494DF}">
-                <a14:hiddenLine xmlns="" xmlns:a14="http://schemas.microsoft.com/office/drawing/2010/main" w="9525">
+                <a14:hiddenLine xmlns:a14="http://schemas.microsoft.com/office/drawing/2010/main" xmlns="" w="9525">
                   <a:solidFill>
                     <a:srgbClr val="000000"/>
                   </a:solidFill>
@@ -9221,7 +9222,7 @@
             </a:ln>
             <a:extLst>
               <a:ext uri="{91240B29-F687-4f45-9708-019B960494DF}">
-                <a14:hiddenLine xmlns="" xmlns:a14="http://schemas.microsoft.com/office/drawing/2010/main" w="9525">
+                <a14:hiddenLine xmlns:a14="http://schemas.microsoft.com/office/drawing/2010/main" xmlns="" w="9525">
                   <a:solidFill>
                     <a:srgbClr val="000000"/>
                   </a:solidFill>
@@ -9283,7 +9284,7 @@
             </a:ln>
             <a:extLst>
               <a:ext uri="{91240B29-F687-4f45-9708-019B960494DF}">
-                <a14:hiddenLine xmlns="" xmlns:a14="http://schemas.microsoft.com/office/drawing/2010/main" w="9525">
+                <a14:hiddenLine xmlns:a14="http://schemas.microsoft.com/office/drawing/2010/main" xmlns="" w="9525">
                   <a:solidFill>
                     <a:srgbClr val="000000"/>
                   </a:solidFill>
@@ -9373,7 +9374,7 @@
             </a:ln>
             <a:extLst>
               <a:ext uri="{91240B29-F687-4f45-9708-019B960494DF}">
-                <a14:hiddenLine xmlns="" xmlns:a14="http://schemas.microsoft.com/office/drawing/2010/main" w="9525">
+                <a14:hiddenLine xmlns:a14="http://schemas.microsoft.com/office/drawing/2010/main" xmlns="" w="9525">
                   <a:solidFill>
                     <a:srgbClr val="000000"/>
                   </a:solidFill>
@@ -9463,7 +9464,7 @@
             </a:ln>
             <a:extLst>
               <a:ext uri="{91240B29-F687-4f45-9708-019B960494DF}">
-                <a14:hiddenLine xmlns="" xmlns:a14="http://schemas.microsoft.com/office/drawing/2010/main" w="9525">
+                <a14:hiddenLine xmlns:a14="http://schemas.microsoft.com/office/drawing/2010/main" xmlns="" w="9525">
                   <a:solidFill>
                     <a:srgbClr val="000000"/>
                   </a:solidFill>
@@ -9525,7 +9526,7 @@
             </a:ln>
             <a:extLst>
               <a:ext uri="{91240B29-F687-4f45-9708-019B960494DF}">
-                <a14:hiddenLine xmlns="" xmlns:a14="http://schemas.microsoft.com/office/drawing/2010/main" w="9525">
+                <a14:hiddenLine xmlns:a14="http://schemas.microsoft.com/office/drawing/2010/main" xmlns="" w="9525">
                   <a:solidFill>
                     <a:srgbClr val="000000"/>
                   </a:solidFill>
@@ -9645,7 +9646,7 @@
             </a:ln>
             <a:extLst>
               <a:ext uri="{91240B29-F687-4f45-9708-019B960494DF}">
-                <a14:hiddenLine xmlns="" xmlns:a14="http://schemas.microsoft.com/office/drawing/2010/main" w="9525">
+                <a14:hiddenLine xmlns:a14="http://schemas.microsoft.com/office/drawing/2010/main" xmlns="" w="9525">
                   <a:solidFill>
                     <a:srgbClr val="000000"/>
                   </a:solidFill>
@@ -9713,7 +9714,7 @@
             </a:ln>
             <a:extLst>
               <a:ext uri="{91240B29-F687-4f45-9708-019B960494DF}">
-                <a14:hiddenLine xmlns="" xmlns:a14="http://schemas.microsoft.com/office/drawing/2010/main" w="9525">
+                <a14:hiddenLine xmlns:a14="http://schemas.microsoft.com/office/drawing/2010/main" xmlns="" w="9525">
                   <a:solidFill>
                     <a:srgbClr val="000000"/>
                   </a:solidFill>
@@ -9803,7 +9804,7 @@
             </a:ln>
             <a:extLst>
               <a:ext uri="{91240B29-F687-4f45-9708-019B960494DF}">
-                <a14:hiddenLine xmlns="" xmlns:a14="http://schemas.microsoft.com/office/drawing/2010/main" w="9525">
+                <a14:hiddenLine xmlns:a14="http://schemas.microsoft.com/office/drawing/2010/main" xmlns="" w="9525">
                   <a:solidFill>
                     <a:srgbClr val="000000"/>
                   </a:solidFill>
@@ -14525,7 +14526,7 @@
           <a:noFill/>
           <a:extLst>
             <a:ext uri="{909E8E84-426E-40dd-AFC4-6F175D3DCCD1}">
-              <a14:hiddenFill xmlns="" xmlns:a14="http://schemas.microsoft.com/office/drawing/2010/main">
+              <a14:hiddenFill xmlns:a14="http://schemas.microsoft.com/office/drawing/2010/main" xmlns="">
                 <a:solidFill>
                   <a:srgbClr val="FFFFFF"/>
                 </a:solidFill>
@@ -14599,7 +14600,7 @@
               </a:ln>
               <a:extLst>
                 <a:ext uri="{91240B29-F687-4f45-9708-019B960494DF}">
-                  <a14:hiddenLine xmlns="" xmlns:a14="http://schemas.microsoft.com/office/drawing/2010/main" w="9525">
+                  <a14:hiddenLine xmlns:a14="http://schemas.microsoft.com/office/drawing/2010/main" xmlns="" w="9525">
                     <a:solidFill>
                       <a:srgbClr val="000000"/>
                     </a:solidFill>
@@ -14689,7 +14690,7 @@
               </a:ln>
               <a:extLst>
                 <a:ext uri="{91240B29-F687-4f45-9708-019B960494DF}">
-                  <a14:hiddenLine xmlns="" xmlns:a14="http://schemas.microsoft.com/office/drawing/2010/main" w="9525">
+                  <a14:hiddenLine xmlns:a14="http://schemas.microsoft.com/office/drawing/2010/main" xmlns="" w="9525">
                     <a:solidFill>
                       <a:srgbClr val="000000"/>
                     </a:solidFill>
@@ -14779,7 +14780,7 @@
               </a:ln>
               <a:extLst>
                 <a:ext uri="{91240B29-F687-4f45-9708-019B960494DF}">
-                  <a14:hiddenLine xmlns="" xmlns:a14="http://schemas.microsoft.com/office/drawing/2010/main" w="9525">
+                  <a14:hiddenLine xmlns:a14="http://schemas.microsoft.com/office/drawing/2010/main" xmlns="" w="9525">
                     <a:solidFill>
                       <a:srgbClr val="000000"/>
                     </a:solidFill>
@@ -14841,7 +14842,7 @@
               </a:ln>
               <a:extLst>
                 <a:ext uri="{91240B29-F687-4f45-9708-019B960494DF}">
-                  <a14:hiddenLine xmlns="" xmlns:a14="http://schemas.microsoft.com/office/drawing/2010/main" w="9525">
+                  <a14:hiddenLine xmlns:a14="http://schemas.microsoft.com/office/drawing/2010/main" xmlns="" w="9525">
                     <a:solidFill>
                       <a:srgbClr val="000000"/>
                     </a:solidFill>
@@ -14931,7 +14932,7 @@
               </a:ln>
               <a:extLst>
                 <a:ext uri="{91240B29-F687-4f45-9708-019B960494DF}">
-                  <a14:hiddenLine xmlns="" xmlns:a14="http://schemas.microsoft.com/office/drawing/2010/main" w="9525">
+                  <a14:hiddenLine xmlns:a14="http://schemas.microsoft.com/office/drawing/2010/main" xmlns="" w="9525">
                     <a:solidFill>
                       <a:srgbClr val="000000"/>
                     </a:solidFill>
@@ -14993,7 +14994,7 @@
               </a:ln>
               <a:extLst>
                 <a:ext uri="{91240B29-F687-4f45-9708-019B960494DF}">
-                  <a14:hiddenLine xmlns="" xmlns:a14="http://schemas.microsoft.com/office/drawing/2010/main" w="9525">
+                  <a14:hiddenLine xmlns:a14="http://schemas.microsoft.com/office/drawing/2010/main" xmlns="" w="9525">
                     <a:solidFill>
                       <a:srgbClr val="000000"/>
                     </a:solidFill>
@@ -15055,7 +15056,7 @@
               </a:ln>
               <a:extLst>
                 <a:ext uri="{91240B29-F687-4f45-9708-019B960494DF}">
-                  <a14:hiddenLine xmlns="" xmlns:a14="http://schemas.microsoft.com/office/drawing/2010/main" w="9525">
+                  <a14:hiddenLine xmlns:a14="http://schemas.microsoft.com/office/drawing/2010/main" xmlns="" w="9525">
                     <a:solidFill>
                       <a:srgbClr val="000000"/>
                     </a:solidFill>
@@ -15145,7 +15146,7 @@
               </a:ln>
               <a:extLst>
                 <a:ext uri="{91240B29-F687-4f45-9708-019B960494DF}">
-                  <a14:hiddenLine xmlns="" xmlns:a14="http://schemas.microsoft.com/office/drawing/2010/main" w="9525">
+                  <a14:hiddenLine xmlns:a14="http://schemas.microsoft.com/office/drawing/2010/main" xmlns="" w="9525">
                     <a:solidFill>
                       <a:srgbClr val="000000"/>
                     </a:solidFill>
@@ -15235,7 +15236,7 @@
               </a:ln>
               <a:extLst>
                 <a:ext uri="{91240B29-F687-4f45-9708-019B960494DF}">
-                  <a14:hiddenLine xmlns="" xmlns:a14="http://schemas.microsoft.com/office/drawing/2010/main" w="9525">
+                  <a14:hiddenLine xmlns:a14="http://schemas.microsoft.com/office/drawing/2010/main" xmlns="" w="9525">
                     <a:solidFill>
                       <a:srgbClr val="000000"/>
                     </a:solidFill>
@@ -15297,7 +15298,7 @@
               </a:ln>
               <a:extLst>
                 <a:ext uri="{91240B29-F687-4f45-9708-019B960494DF}">
-                  <a14:hiddenLine xmlns="" xmlns:a14="http://schemas.microsoft.com/office/drawing/2010/main" w="9525">
+                  <a14:hiddenLine xmlns:a14="http://schemas.microsoft.com/office/drawing/2010/main" xmlns="" w="9525">
                     <a:solidFill>
                       <a:srgbClr val="000000"/>
                     </a:solidFill>
@@ -15407,7 +15408,7 @@
               </a:ln>
               <a:extLst>
                 <a:ext uri="{91240B29-F687-4f45-9708-019B960494DF}">
-                  <a14:hiddenLine xmlns="" xmlns:a14="http://schemas.microsoft.com/office/drawing/2010/main" w="9525">
+                  <a14:hiddenLine xmlns:a14="http://schemas.microsoft.com/office/drawing/2010/main" xmlns="" w="9525">
                     <a:solidFill>
                       <a:srgbClr val="000000"/>
                     </a:solidFill>
@@ -15491,7 +15492,7 @@
               </a:ln>
               <a:extLst>
                 <a:ext uri="{91240B29-F687-4f45-9708-019B960494DF}">
-                  <a14:hiddenLine xmlns="" xmlns:a14="http://schemas.microsoft.com/office/drawing/2010/main" w="9525">
+                  <a14:hiddenLine xmlns:a14="http://schemas.microsoft.com/office/drawing/2010/main" xmlns="" w="9525">
                     <a:solidFill>
                       <a:srgbClr val="000000"/>
                     </a:solidFill>
@@ -15553,7 +15554,7 @@
               </a:ln>
               <a:extLst>
                 <a:ext uri="{91240B29-F687-4f45-9708-019B960494DF}">
-                  <a14:hiddenLine xmlns="" xmlns:a14="http://schemas.microsoft.com/office/drawing/2010/main" w="9525">
+                  <a14:hiddenLine xmlns:a14="http://schemas.microsoft.com/office/drawing/2010/main" xmlns="" w="9525">
                     <a:solidFill>
                       <a:srgbClr val="000000"/>
                     </a:solidFill>
@@ -15615,7 +15616,7 @@
               </a:ln>
               <a:extLst>
                 <a:ext uri="{91240B29-F687-4f45-9708-019B960494DF}">
-                  <a14:hiddenLine xmlns="" xmlns:a14="http://schemas.microsoft.com/office/drawing/2010/main" w="9525">
+                  <a14:hiddenLine xmlns:a14="http://schemas.microsoft.com/office/drawing/2010/main" xmlns="" w="9525">
                     <a:solidFill>
                       <a:srgbClr val="000000"/>
                     </a:solidFill>
@@ -15705,7 +15706,7 @@
               </a:ln>
               <a:extLst>
                 <a:ext uri="{91240B29-F687-4f45-9708-019B960494DF}">
-                  <a14:hiddenLine xmlns="" xmlns:a14="http://schemas.microsoft.com/office/drawing/2010/main" w="9525">
+                  <a14:hiddenLine xmlns:a14="http://schemas.microsoft.com/office/drawing/2010/main" xmlns="" w="9525">
                     <a:solidFill>
                       <a:srgbClr val="000000"/>
                     </a:solidFill>
@@ -15739,7 +15740,7 @@
               </a:ln>
               <a:extLst>
                 <a:ext uri="{91240B29-F687-4f45-9708-019B960494DF}">
-                  <a14:hiddenLine xmlns="" xmlns:a14="http://schemas.microsoft.com/office/drawing/2010/main" w="9525">
+                  <a14:hiddenLine xmlns:a14="http://schemas.microsoft.com/office/drawing/2010/main" xmlns="" w="9525">
                     <a:solidFill>
                       <a:srgbClr val="000000"/>
                     </a:solidFill>
@@ -15804,7 +15805,7 @@
               </a:ln>
               <a:extLst>
                 <a:ext uri="{91240B29-F687-4f45-9708-019B960494DF}">
-                  <a14:hiddenLine xmlns="" xmlns:a14="http://schemas.microsoft.com/office/drawing/2010/main" w="9525">
+                  <a14:hiddenLine xmlns:a14="http://schemas.microsoft.com/office/drawing/2010/main" xmlns="" w="9525">
                     <a:solidFill>
                       <a:srgbClr val="000000"/>
                     </a:solidFill>
@@ -15894,7 +15895,7 @@
               </a:ln>
               <a:extLst>
                 <a:ext uri="{91240B29-F687-4f45-9708-019B960494DF}">
-                  <a14:hiddenLine xmlns="" xmlns:a14="http://schemas.microsoft.com/office/drawing/2010/main" w="9525">
+                  <a14:hiddenLine xmlns:a14="http://schemas.microsoft.com/office/drawing/2010/main" xmlns="" w="9525">
                     <a:solidFill>
                       <a:srgbClr val="000000"/>
                     </a:solidFill>
@@ -15956,7 +15957,7 @@
               </a:ln>
               <a:extLst>
                 <a:ext uri="{91240B29-F687-4f45-9708-019B960494DF}">
-                  <a14:hiddenLine xmlns="" xmlns:a14="http://schemas.microsoft.com/office/drawing/2010/main" w="9525">
+                  <a14:hiddenLine xmlns:a14="http://schemas.microsoft.com/office/drawing/2010/main" xmlns="" w="9525">
                     <a:solidFill>
                       <a:srgbClr val="000000"/>
                     </a:solidFill>
@@ -16046,7 +16047,7 @@
               </a:ln>
               <a:extLst>
                 <a:ext uri="{91240B29-F687-4f45-9708-019B960494DF}">
-                  <a14:hiddenLine xmlns="" xmlns:a14="http://schemas.microsoft.com/office/drawing/2010/main" w="9525">
+                  <a14:hiddenLine xmlns:a14="http://schemas.microsoft.com/office/drawing/2010/main" xmlns="" w="9525">
                     <a:solidFill>
                       <a:srgbClr val="000000"/>
                     </a:solidFill>
@@ -16111,7 +16112,7 @@
               </a:ln>
               <a:extLst>
                 <a:ext uri="{91240B29-F687-4f45-9708-019B960494DF}">
-                  <a14:hiddenLine xmlns="" xmlns:a14="http://schemas.microsoft.com/office/drawing/2010/main" w="9525">
+                  <a14:hiddenLine xmlns:a14="http://schemas.microsoft.com/office/drawing/2010/main" xmlns="" w="9525">
                     <a:solidFill>
                       <a:srgbClr val="000000"/>
                     </a:solidFill>
@@ -16173,7 +16174,7 @@
               </a:ln>
               <a:extLst>
                 <a:ext uri="{91240B29-F687-4f45-9708-019B960494DF}">
-                  <a14:hiddenLine xmlns="" xmlns:a14="http://schemas.microsoft.com/office/drawing/2010/main" w="9525">
+                  <a14:hiddenLine xmlns:a14="http://schemas.microsoft.com/office/drawing/2010/main" xmlns="" w="9525">
                     <a:solidFill>
                       <a:srgbClr val="000000"/>
                     </a:solidFill>
@@ -16263,7 +16264,7 @@
               </a:ln>
               <a:extLst>
                 <a:ext uri="{91240B29-F687-4f45-9708-019B960494DF}">
-                  <a14:hiddenLine xmlns="" xmlns:a14="http://schemas.microsoft.com/office/drawing/2010/main" w="9525">
+                  <a14:hiddenLine xmlns:a14="http://schemas.microsoft.com/office/drawing/2010/main" xmlns="" w="9525">
                     <a:solidFill>
                       <a:srgbClr val="000000"/>
                     </a:solidFill>
@@ -16353,7 +16354,7 @@
               </a:ln>
               <a:extLst>
                 <a:ext uri="{91240B29-F687-4f45-9708-019B960494DF}">
-                  <a14:hiddenLine xmlns="" xmlns:a14="http://schemas.microsoft.com/office/drawing/2010/main" w="9525">
+                  <a14:hiddenLine xmlns:a14="http://schemas.microsoft.com/office/drawing/2010/main" xmlns="" w="9525">
                     <a:solidFill>
                       <a:srgbClr val="000000"/>
                     </a:solidFill>
@@ -16418,7 +16419,7 @@
               </a:ln>
               <a:extLst>
                 <a:ext uri="{91240B29-F687-4f45-9708-019B960494DF}">
-                  <a14:hiddenLine xmlns="" xmlns:a14="http://schemas.microsoft.com/office/drawing/2010/main" w="9525">
+                  <a14:hiddenLine xmlns:a14="http://schemas.microsoft.com/office/drawing/2010/main" xmlns="" w="9525">
                     <a:solidFill>
                       <a:srgbClr val="000000"/>
                     </a:solidFill>
@@ -16538,7 +16539,7 @@
               </a:ln>
               <a:extLst>
                 <a:ext uri="{91240B29-F687-4f45-9708-019B960494DF}">
-                  <a14:hiddenLine xmlns="" xmlns:a14="http://schemas.microsoft.com/office/drawing/2010/main" w="9525">
+                  <a14:hiddenLine xmlns:a14="http://schemas.microsoft.com/office/drawing/2010/main" xmlns="" w="9525">
                     <a:solidFill>
                       <a:srgbClr val="000000"/>
                     </a:solidFill>
@@ -16636,7 +16637,7 @@
               </a:ln>
               <a:extLst>
                 <a:ext uri="{91240B29-F687-4f45-9708-019B960494DF}">
-                  <a14:hiddenLine xmlns="" xmlns:a14="http://schemas.microsoft.com/office/drawing/2010/main" w="9525">
+                  <a14:hiddenLine xmlns:a14="http://schemas.microsoft.com/office/drawing/2010/main" xmlns="" w="9525">
                     <a:solidFill>
                       <a:srgbClr val="000000"/>
                     </a:solidFill>
@@ -16751,7 +16752,7 @@
               </a:ln>
               <a:extLst>
                 <a:ext uri="{91240B29-F687-4f45-9708-019B960494DF}">
-                  <a14:hiddenLine xmlns="" xmlns:a14="http://schemas.microsoft.com/office/drawing/2010/main" w="9525">
+                  <a14:hiddenLine xmlns:a14="http://schemas.microsoft.com/office/drawing/2010/main" xmlns="" w="9525">
                     <a:solidFill>
                       <a:srgbClr val="000000"/>
                     </a:solidFill>
@@ -16841,7 +16842,7 @@
               </a:ln>
               <a:extLst>
                 <a:ext uri="{91240B29-F687-4f45-9708-019B960494DF}">
-                  <a14:hiddenLine xmlns="" xmlns:a14="http://schemas.microsoft.com/office/drawing/2010/main" w="9525">
+                  <a14:hiddenLine xmlns:a14="http://schemas.microsoft.com/office/drawing/2010/main" xmlns="" w="9525">
                     <a:solidFill>
                       <a:srgbClr val="000000"/>
                     </a:solidFill>
@@ -16906,7 +16907,7 @@
               </a:ln>
               <a:extLst>
                 <a:ext uri="{91240B29-F687-4f45-9708-019B960494DF}">
-                  <a14:hiddenLine xmlns="" xmlns:a14="http://schemas.microsoft.com/office/drawing/2010/main" w="9525">
+                  <a14:hiddenLine xmlns:a14="http://schemas.microsoft.com/office/drawing/2010/main" xmlns="" w="9525">
                     <a:solidFill>
                       <a:srgbClr val="000000"/>
                     </a:solidFill>
@@ -16996,7 +16997,7 @@
               </a:ln>
               <a:extLst>
                 <a:ext uri="{91240B29-F687-4f45-9708-019B960494DF}">
-                  <a14:hiddenLine xmlns="" xmlns:a14="http://schemas.microsoft.com/office/drawing/2010/main" w="9525">
+                  <a14:hiddenLine xmlns:a14="http://schemas.microsoft.com/office/drawing/2010/main" xmlns="" w="9525">
                     <a:solidFill>
                       <a:srgbClr val="000000"/>
                     </a:solidFill>
@@ -17064,7 +17065,7 @@
               </a:ln>
               <a:extLst>
                 <a:ext uri="{91240B29-F687-4f45-9708-019B960494DF}">
-                  <a14:hiddenLine xmlns="" xmlns:a14="http://schemas.microsoft.com/office/drawing/2010/main" w="9525">
+                  <a14:hiddenLine xmlns:a14="http://schemas.microsoft.com/office/drawing/2010/main" xmlns="" w="9525">
                     <a:solidFill>
                       <a:srgbClr val="000000"/>
                     </a:solidFill>
@@ -17154,7 +17155,7 @@
               </a:ln>
               <a:extLst>
                 <a:ext uri="{91240B29-F687-4f45-9708-019B960494DF}">
-                  <a14:hiddenLine xmlns="" xmlns:a14="http://schemas.microsoft.com/office/drawing/2010/main" w="9525">
+                  <a14:hiddenLine xmlns:a14="http://schemas.microsoft.com/office/drawing/2010/main" xmlns="" w="9525">
                     <a:solidFill>
                       <a:srgbClr val="000000"/>
                     </a:solidFill>
@@ -17222,7 +17223,7 @@
               </a:ln>
               <a:extLst>
                 <a:ext uri="{91240B29-F687-4f45-9708-019B960494DF}">
-                  <a14:hiddenLine xmlns="" xmlns:a14="http://schemas.microsoft.com/office/drawing/2010/main" w="9525">
+                  <a14:hiddenLine xmlns:a14="http://schemas.microsoft.com/office/drawing/2010/main" xmlns="" w="9525">
                     <a:solidFill>
                       <a:srgbClr val="000000"/>
                     </a:solidFill>
@@ -17312,7 +17313,7 @@
               </a:ln>
               <a:extLst>
                 <a:ext uri="{91240B29-F687-4f45-9708-019B960494DF}">
-                  <a14:hiddenLine xmlns="" xmlns:a14="http://schemas.microsoft.com/office/drawing/2010/main" w="9525">
+                  <a14:hiddenLine xmlns:a14="http://schemas.microsoft.com/office/drawing/2010/main" xmlns="" w="9525">
                     <a:solidFill>
                       <a:srgbClr val="000000"/>
                     </a:solidFill>
@@ -17346,7 +17347,7 @@
               </a:ln>
               <a:extLst>
                 <a:ext uri="{91240B29-F687-4f45-9708-019B960494DF}">
-                  <a14:hiddenLine xmlns="" xmlns:a14="http://schemas.microsoft.com/office/drawing/2010/main" w="9525">
+                  <a14:hiddenLine xmlns:a14="http://schemas.microsoft.com/office/drawing/2010/main" xmlns="" w="9525">
                     <a:solidFill>
                       <a:srgbClr val="000000"/>
                     </a:solidFill>
@@ -18013,7 +18014,7 @@
           <a:noFill/>
           <a:extLst>
             <a:ext uri="{909E8E84-426E-40dd-AFC4-6F175D3DCCD1}">
-              <a14:hiddenFill xmlns:a14="http://schemas.microsoft.com/office/drawing/2010/main" xmlns:p14="http://schemas.microsoft.com/office/powerpoint/2010/main" xmlns="">
+              <a14:hiddenFill xmlns="" xmlns:p14="http://schemas.microsoft.com/office/powerpoint/2010/main" xmlns:a14="http://schemas.microsoft.com/office/drawing/2010/main">
                 <a:solidFill>
                   <a:srgbClr val="FFFFFF"/>
                 </a:solidFill>
@@ -18099,7 +18100,7 @@
             </a:ln>
             <a:extLst>
               <a:ext uri="{91240B29-F687-4f45-9708-019B960494DF}">
-                <a14:hiddenLine xmlns:a14="http://schemas.microsoft.com/office/drawing/2010/main" xmlns:p14="http://schemas.microsoft.com/office/powerpoint/2010/main" xmlns="" w="9525">
+                <a14:hiddenLine xmlns="" xmlns:p14="http://schemas.microsoft.com/office/powerpoint/2010/main" xmlns:a14="http://schemas.microsoft.com/office/drawing/2010/main" w="9525">
                   <a:solidFill>
                     <a:srgbClr val="000000"/>
                   </a:solidFill>
@@ -18201,7 +18202,7 @@
             </a:ln>
             <a:extLst>
               <a:ext uri="{91240B29-F687-4f45-9708-019B960494DF}">
-                <a14:hiddenLine xmlns:a14="http://schemas.microsoft.com/office/drawing/2010/main" xmlns:p14="http://schemas.microsoft.com/office/powerpoint/2010/main" xmlns="" w="9525">
+                <a14:hiddenLine xmlns="" xmlns:p14="http://schemas.microsoft.com/office/powerpoint/2010/main" xmlns:a14="http://schemas.microsoft.com/office/drawing/2010/main" w="9525">
                   <a:solidFill>
                     <a:srgbClr val="000000"/>
                   </a:solidFill>
@@ -18303,7 +18304,7 @@
             </a:ln>
             <a:extLst>
               <a:ext uri="{91240B29-F687-4f45-9708-019B960494DF}">
-                <a14:hiddenLine xmlns:a14="http://schemas.microsoft.com/office/drawing/2010/main" xmlns:p14="http://schemas.microsoft.com/office/powerpoint/2010/main" xmlns="" w="9525">
+                <a14:hiddenLine xmlns="" xmlns:p14="http://schemas.microsoft.com/office/powerpoint/2010/main" xmlns:a14="http://schemas.microsoft.com/office/drawing/2010/main" w="9525">
                   <a:solidFill>
                     <a:srgbClr val="000000"/>
                   </a:solidFill>
@@ -18349,7 +18350,7 @@
             </a:ln>
             <a:extLst>
               <a:ext uri="{91240B29-F687-4f45-9708-019B960494DF}">
-                <a14:hiddenLine xmlns:a14="http://schemas.microsoft.com/office/drawing/2010/main" xmlns:p14="http://schemas.microsoft.com/office/powerpoint/2010/main" xmlns="" w="9525">
+                <a14:hiddenLine xmlns="" xmlns:p14="http://schemas.microsoft.com/office/powerpoint/2010/main" xmlns:a14="http://schemas.microsoft.com/office/drawing/2010/main" w="9525">
                   <a:solidFill>
                     <a:srgbClr val="000000"/>
                   </a:solidFill>
@@ -18451,7 +18452,7 @@
             </a:ln>
             <a:extLst>
               <a:ext uri="{91240B29-F687-4f45-9708-019B960494DF}">
-                <a14:hiddenLine xmlns:a14="http://schemas.microsoft.com/office/drawing/2010/main" xmlns:p14="http://schemas.microsoft.com/office/powerpoint/2010/main" xmlns="" w="9525">
+                <a14:hiddenLine xmlns="" xmlns:p14="http://schemas.microsoft.com/office/powerpoint/2010/main" xmlns:a14="http://schemas.microsoft.com/office/drawing/2010/main" w="9525">
                   <a:solidFill>
                     <a:srgbClr val="000000"/>
                   </a:solidFill>
@@ -18525,7 +18526,7 @@
             </a:ln>
             <a:extLst>
               <a:ext uri="{91240B29-F687-4f45-9708-019B960494DF}">
-                <a14:hiddenLine xmlns:a14="http://schemas.microsoft.com/office/drawing/2010/main" xmlns:p14="http://schemas.microsoft.com/office/powerpoint/2010/main" xmlns="" w="9525">
+                <a14:hiddenLine xmlns="" xmlns:p14="http://schemas.microsoft.com/office/powerpoint/2010/main" xmlns:a14="http://schemas.microsoft.com/office/drawing/2010/main" w="9525">
                   <a:solidFill>
                     <a:srgbClr val="000000"/>
                   </a:solidFill>
@@ -18599,7 +18600,7 @@
             </a:ln>
             <a:extLst>
               <a:ext uri="{91240B29-F687-4f45-9708-019B960494DF}">
-                <a14:hiddenLine xmlns:a14="http://schemas.microsoft.com/office/drawing/2010/main" xmlns:p14="http://schemas.microsoft.com/office/powerpoint/2010/main" xmlns="" w="9525">
+                <a14:hiddenLine xmlns="" xmlns:p14="http://schemas.microsoft.com/office/powerpoint/2010/main" xmlns:a14="http://schemas.microsoft.com/office/drawing/2010/main" w="9525">
                   <a:solidFill>
                     <a:srgbClr val="000000"/>
                   </a:solidFill>
@@ -18701,7 +18702,7 @@
             </a:ln>
             <a:extLst>
               <a:ext uri="{91240B29-F687-4f45-9708-019B960494DF}">
-                <a14:hiddenLine xmlns:a14="http://schemas.microsoft.com/office/drawing/2010/main" xmlns:p14="http://schemas.microsoft.com/office/powerpoint/2010/main" xmlns="" w="9525">
+                <a14:hiddenLine xmlns="" xmlns:p14="http://schemas.microsoft.com/office/powerpoint/2010/main" xmlns:a14="http://schemas.microsoft.com/office/drawing/2010/main" w="9525">
                   <a:solidFill>
                     <a:srgbClr val="000000"/>
                   </a:solidFill>
@@ -18775,7 +18776,7 @@
             </a:ln>
             <a:extLst>
               <a:ext uri="{91240B29-F687-4f45-9708-019B960494DF}">
-                <a14:hiddenLine xmlns:a14="http://schemas.microsoft.com/office/drawing/2010/main" xmlns:p14="http://schemas.microsoft.com/office/powerpoint/2010/main" xmlns="" w="9525">
+                <a14:hiddenLine xmlns="" xmlns:p14="http://schemas.microsoft.com/office/powerpoint/2010/main" xmlns:a14="http://schemas.microsoft.com/office/drawing/2010/main" w="9525">
                   <a:solidFill>
                     <a:srgbClr val="000000"/>
                   </a:solidFill>
@@ -18849,7 +18850,7 @@
             </a:ln>
             <a:extLst>
               <a:ext uri="{91240B29-F687-4f45-9708-019B960494DF}">
-                <a14:hiddenLine xmlns:a14="http://schemas.microsoft.com/office/drawing/2010/main" xmlns:p14="http://schemas.microsoft.com/office/powerpoint/2010/main" xmlns="" w="9525">
+                <a14:hiddenLine xmlns="" xmlns:p14="http://schemas.microsoft.com/office/powerpoint/2010/main" xmlns:a14="http://schemas.microsoft.com/office/drawing/2010/main" w="9525">
                   <a:solidFill>
                     <a:srgbClr val="000000"/>
                   </a:solidFill>
@@ -18951,7 +18952,7 @@
             </a:ln>
             <a:extLst>
               <a:ext uri="{91240B29-F687-4f45-9708-019B960494DF}">
-                <a14:hiddenLine xmlns:a14="http://schemas.microsoft.com/office/drawing/2010/main" xmlns:p14="http://schemas.microsoft.com/office/powerpoint/2010/main" xmlns="" w="9525">
+                <a14:hiddenLine xmlns="" xmlns:p14="http://schemas.microsoft.com/office/powerpoint/2010/main" xmlns:a14="http://schemas.microsoft.com/office/drawing/2010/main" w="9525">
                   <a:solidFill>
                     <a:srgbClr val="000000"/>
                   </a:solidFill>
@@ -19053,7 +19054,7 @@
             </a:ln>
             <a:extLst>
               <a:ext uri="{91240B29-F687-4f45-9708-019B960494DF}">
-                <a14:hiddenLine xmlns:a14="http://schemas.microsoft.com/office/drawing/2010/main" xmlns:p14="http://schemas.microsoft.com/office/powerpoint/2010/main" xmlns="" w="9525">
+                <a14:hiddenLine xmlns="" xmlns:p14="http://schemas.microsoft.com/office/powerpoint/2010/main" xmlns:a14="http://schemas.microsoft.com/office/drawing/2010/main" w="9525">
                   <a:solidFill>
                     <a:srgbClr val="000000"/>
                   </a:solidFill>
@@ -19127,7 +19128,7 @@
             </a:ln>
             <a:extLst>
               <a:ext uri="{91240B29-F687-4f45-9708-019B960494DF}">
-                <a14:hiddenLine xmlns:a14="http://schemas.microsoft.com/office/drawing/2010/main" xmlns:p14="http://schemas.microsoft.com/office/powerpoint/2010/main" xmlns="" w="9525">
+                <a14:hiddenLine xmlns="" xmlns:p14="http://schemas.microsoft.com/office/powerpoint/2010/main" xmlns:a14="http://schemas.microsoft.com/office/drawing/2010/main" w="9525">
                   <a:solidFill>
                     <a:srgbClr val="000000"/>
                   </a:solidFill>
@@ -19249,7 +19250,7 @@
             </a:ln>
             <a:extLst>
               <a:ext uri="{91240B29-F687-4f45-9708-019B960494DF}">
-                <a14:hiddenLine xmlns:a14="http://schemas.microsoft.com/office/drawing/2010/main" xmlns:p14="http://schemas.microsoft.com/office/powerpoint/2010/main" xmlns="" w="9525">
+                <a14:hiddenLine xmlns="" xmlns:p14="http://schemas.microsoft.com/office/powerpoint/2010/main" xmlns:a14="http://schemas.microsoft.com/office/drawing/2010/main" w="9525">
                   <a:solidFill>
                     <a:srgbClr val="000000"/>
                   </a:solidFill>
@@ -19323,7 +19324,7 @@
             </a:ln>
             <a:extLst>
               <a:ext uri="{91240B29-F687-4f45-9708-019B960494DF}">
-                <a14:hiddenLine xmlns:a14="http://schemas.microsoft.com/office/drawing/2010/main" xmlns:p14="http://schemas.microsoft.com/office/powerpoint/2010/main" xmlns="" w="9525">
+                <a14:hiddenLine xmlns="" xmlns:p14="http://schemas.microsoft.com/office/powerpoint/2010/main" xmlns:a14="http://schemas.microsoft.com/office/drawing/2010/main" w="9525">
                   <a:solidFill>
                     <a:srgbClr val="000000"/>
                   </a:solidFill>
@@ -19425,7 +19426,7 @@
             </a:ln>
             <a:extLst>
               <a:ext uri="{91240B29-F687-4f45-9708-019B960494DF}">
-                <a14:hiddenLine xmlns:a14="http://schemas.microsoft.com/office/drawing/2010/main" xmlns:p14="http://schemas.microsoft.com/office/powerpoint/2010/main" xmlns="" w="9525">
+                <a14:hiddenLine xmlns="" xmlns:p14="http://schemas.microsoft.com/office/powerpoint/2010/main" xmlns:a14="http://schemas.microsoft.com/office/drawing/2010/main" w="9525">
                   <a:solidFill>
                     <a:srgbClr val="000000"/>
                   </a:solidFill>
@@ -19527,7 +19528,7 @@
             </a:ln>
             <a:extLst>
               <a:ext uri="{91240B29-F687-4f45-9708-019B960494DF}">
-                <a14:hiddenLine xmlns:a14="http://schemas.microsoft.com/office/drawing/2010/main" xmlns:p14="http://schemas.microsoft.com/office/powerpoint/2010/main" xmlns="" w="9525">
+                <a14:hiddenLine xmlns="" xmlns:p14="http://schemas.microsoft.com/office/powerpoint/2010/main" xmlns:a14="http://schemas.microsoft.com/office/drawing/2010/main" w="9525">
                   <a:solidFill>
                     <a:srgbClr val="000000"/>
                   </a:solidFill>
@@ -19601,7 +19602,7 @@
             </a:ln>
             <a:extLst>
               <a:ext uri="{91240B29-F687-4f45-9708-019B960494DF}">
-                <a14:hiddenLine xmlns:a14="http://schemas.microsoft.com/office/drawing/2010/main" xmlns:p14="http://schemas.microsoft.com/office/powerpoint/2010/main" xmlns="" w="9525">
+                <a14:hiddenLine xmlns="" xmlns:p14="http://schemas.microsoft.com/office/powerpoint/2010/main" xmlns:a14="http://schemas.microsoft.com/office/drawing/2010/main" w="9525">
                   <a:solidFill>
                     <a:srgbClr val="000000"/>
                   </a:solidFill>
@@ -19703,7 +19704,7 @@
             </a:ln>
             <a:extLst>
               <a:ext uri="{91240B29-F687-4f45-9708-019B960494DF}">
-                <a14:hiddenLine xmlns:a14="http://schemas.microsoft.com/office/drawing/2010/main" xmlns:p14="http://schemas.microsoft.com/office/powerpoint/2010/main" xmlns="" w="9525">
+                <a14:hiddenLine xmlns="" xmlns:p14="http://schemas.microsoft.com/office/powerpoint/2010/main" xmlns:a14="http://schemas.microsoft.com/office/drawing/2010/main" w="9525">
                   <a:solidFill>
                     <a:srgbClr val="000000"/>
                   </a:solidFill>
@@ -19805,7 +19806,7 @@
             </a:ln>
             <a:extLst>
               <a:ext uri="{91240B29-F687-4f45-9708-019B960494DF}">
-                <a14:hiddenLine xmlns:a14="http://schemas.microsoft.com/office/drawing/2010/main" xmlns:p14="http://schemas.microsoft.com/office/powerpoint/2010/main" xmlns="" w="9525">
+                <a14:hiddenLine xmlns="" xmlns:p14="http://schemas.microsoft.com/office/powerpoint/2010/main" xmlns:a14="http://schemas.microsoft.com/office/drawing/2010/main" w="9525">
                   <a:solidFill>
                     <a:srgbClr val="000000"/>
                   </a:solidFill>
@@ -19873,7 +19874,7 @@
             </a:ln>
             <a:extLst>
               <a:ext uri="{91240B29-F687-4f45-9708-019B960494DF}">
-                <a14:hiddenLine xmlns:a14="http://schemas.microsoft.com/office/drawing/2010/main" xmlns:p14="http://schemas.microsoft.com/office/powerpoint/2010/main" xmlns="" w="9525">
+                <a14:hiddenLine xmlns="" xmlns:p14="http://schemas.microsoft.com/office/powerpoint/2010/main" xmlns:a14="http://schemas.microsoft.com/office/drawing/2010/main" w="9525">
                   <a:solidFill>
                     <a:srgbClr val="000000"/>
                   </a:solidFill>
@@ -19975,7 +19976,7 @@
             </a:ln>
             <a:extLst>
               <a:ext uri="{91240B29-F687-4f45-9708-019B960494DF}">
-                <a14:hiddenLine xmlns:a14="http://schemas.microsoft.com/office/drawing/2010/main" xmlns:p14="http://schemas.microsoft.com/office/powerpoint/2010/main" xmlns="" w="9525">
+                <a14:hiddenLine xmlns="" xmlns:p14="http://schemas.microsoft.com/office/powerpoint/2010/main" xmlns:a14="http://schemas.microsoft.com/office/drawing/2010/main" w="9525">
                   <a:solidFill>
                     <a:srgbClr val="000000"/>
                   </a:solidFill>
@@ -20043,7 +20044,7 @@
             </a:ln>
             <a:extLst>
               <a:ext uri="{91240B29-F687-4f45-9708-019B960494DF}">
-                <a14:hiddenLine xmlns:a14="http://schemas.microsoft.com/office/drawing/2010/main" xmlns:p14="http://schemas.microsoft.com/office/powerpoint/2010/main" xmlns="" w="9525">
+                <a14:hiddenLine xmlns="" xmlns:p14="http://schemas.microsoft.com/office/powerpoint/2010/main" xmlns:a14="http://schemas.microsoft.com/office/drawing/2010/main" w="9525">
                   <a:solidFill>
                     <a:srgbClr val="000000"/>
                   </a:solidFill>
@@ -20145,7 +20146,7 @@
             </a:ln>
             <a:extLst>
               <a:ext uri="{91240B29-F687-4f45-9708-019B960494DF}">
-                <a14:hiddenLine xmlns:a14="http://schemas.microsoft.com/office/drawing/2010/main" xmlns:p14="http://schemas.microsoft.com/office/powerpoint/2010/main" xmlns="" w="9525">
+                <a14:hiddenLine xmlns="" xmlns:p14="http://schemas.microsoft.com/office/powerpoint/2010/main" xmlns:a14="http://schemas.microsoft.com/office/drawing/2010/main" w="9525">
                   <a:solidFill>
                     <a:srgbClr val="000000"/>
                   </a:solidFill>
@@ -20225,7 +20226,7 @@
             </a:ln>
             <a:extLst>
               <a:ext uri="{91240B29-F687-4f45-9708-019B960494DF}">
-                <a14:hiddenLine xmlns:a14="http://schemas.microsoft.com/office/drawing/2010/main" xmlns:p14="http://schemas.microsoft.com/office/powerpoint/2010/main" xmlns="" w="9525">
+                <a14:hiddenLine xmlns="" xmlns:p14="http://schemas.microsoft.com/office/powerpoint/2010/main" xmlns:a14="http://schemas.microsoft.com/office/drawing/2010/main" w="9525">
                   <a:solidFill>
                     <a:srgbClr val="000000"/>
                   </a:solidFill>
@@ -20327,7 +20328,7 @@
             </a:ln>
             <a:extLst>
               <a:ext uri="{91240B29-F687-4f45-9708-019B960494DF}">
-                <a14:hiddenLine xmlns:a14="http://schemas.microsoft.com/office/drawing/2010/main" xmlns:p14="http://schemas.microsoft.com/office/powerpoint/2010/main" xmlns="" w="9525">
+                <a14:hiddenLine xmlns="" xmlns:p14="http://schemas.microsoft.com/office/powerpoint/2010/main" xmlns:a14="http://schemas.microsoft.com/office/drawing/2010/main" w="9525">
                   <a:solidFill>
                     <a:srgbClr val="000000"/>
                   </a:solidFill>
@@ -20407,7 +20408,7 @@
             </a:ln>
             <a:extLst>
               <a:ext uri="{91240B29-F687-4f45-9708-019B960494DF}">
-                <a14:hiddenLine xmlns:a14="http://schemas.microsoft.com/office/drawing/2010/main" xmlns:p14="http://schemas.microsoft.com/office/powerpoint/2010/main" xmlns="" w="9525">
+                <a14:hiddenLine xmlns="" xmlns:p14="http://schemas.microsoft.com/office/powerpoint/2010/main" xmlns:a14="http://schemas.microsoft.com/office/drawing/2010/main" w="9525">
                   <a:solidFill>
                     <a:srgbClr val="000000"/>
                   </a:solidFill>
@@ -20509,7 +20510,7 @@
             </a:ln>
             <a:extLst>
               <a:ext uri="{91240B29-F687-4f45-9708-019B960494DF}">
-                <a14:hiddenLine xmlns:a14="http://schemas.microsoft.com/office/drawing/2010/main" xmlns:p14="http://schemas.microsoft.com/office/powerpoint/2010/main" xmlns="" w="9525">
+                <a14:hiddenLine xmlns="" xmlns:p14="http://schemas.microsoft.com/office/powerpoint/2010/main" xmlns:a14="http://schemas.microsoft.com/office/drawing/2010/main" w="9525">
                   <a:solidFill>
                     <a:srgbClr val="000000"/>
                   </a:solidFill>
@@ -20555,7 +20556,7 @@
             </a:ln>
             <a:extLst>
               <a:ext uri="{91240B29-F687-4f45-9708-019B960494DF}">
-                <a14:hiddenLine xmlns:a14="http://schemas.microsoft.com/office/drawing/2010/main" xmlns:p14="http://schemas.microsoft.com/office/powerpoint/2010/main" xmlns="" w="9525">
+                <a14:hiddenLine xmlns="" xmlns:p14="http://schemas.microsoft.com/office/powerpoint/2010/main" xmlns:a14="http://schemas.microsoft.com/office/drawing/2010/main" w="9525">
                   <a:solidFill>
                     <a:srgbClr val="000000"/>
                   </a:solidFill>
@@ -20657,7 +20658,7 @@
             </a:ln>
             <a:extLst>
               <a:ext uri="{91240B29-F687-4f45-9708-019B960494DF}">
-                <a14:hiddenLine xmlns:a14="http://schemas.microsoft.com/office/drawing/2010/main" xmlns:p14="http://schemas.microsoft.com/office/powerpoint/2010/main" xmlns="" w="9525">
+                <a14:hiddenLine xmlns="" xmlns:p14="http://schemas.microsoft.com/office/powerpoint/2010/main" xmlns:a14="http://schemas.microsoft.com/office/drawing/2010/main" w="9525">
                   <a:solidFill>
                     <a:srgbClr val="000000"/>
                   </a:solidFill>
@@ -20731,7 +20732,7 @@
             </a:ln>
             <a:extLst>
               <a:ext uri="{91240B29-F687-4f45-9708-019B960494DF}">
-                <a14:hiddenLine xmlns:a14="http://schemas.microsoft.com/office/drawing/2010/main" xmlns:p14="http://schemas.microsoft.com/office/powerpoint/2010/main" xmlns="" w="9525">
+                <a14:hiddenLine xmlns="" xmlns:p14="http://schemas.microsoft.com/office/powerpoint/2010/main" xmlns:a14="http://schemas.microsoft.com/office/drawing/2010/main" w="9525">
                   <a:solidFill>
                     <a:srgbClr val="000000"/>
                   </a:solidFill>
@@ -20805,7 +20806,7 @@
             </a:ln>
             <a:extLst>
               <a:ext uri="{91240B29-F687-4f45-9708-019B960494DF}">
-                <a14:hiddenLine xmlns:a14="http://schemas.microsoft.com/office/drawing/2010/main" xmlns:p14="http://schemas.microsoft.com/office/powerpoint/2010/main" xmlns="" w="9525">
+                <a14:hiddenLine xmlns="" xmlns:p14="http://schemas.microsoft.com/office/powerpoint/2010/main" xmlns:a14="http://schemas.microsoft.com/office/drawing/2010/main" w="9525">
                   <a:solidFill>
                     <a:srgbClr val="000000"/>
                   </a:solidFill>
@@ -20907,7 +20908,7 @@
             </a:ln>
             <a:extLst>
               <a:ext uri="{91240B29-F687-4f45-9708-019B960494DF}">
-                <a14:hiddenLine xmlns:a14="http://schemas.microsoft.com/office/drawing/2010/main" xmlns:p14="http://schemas.microsoft.com/office/powerpoint/2010/main" xmlns="" w="9525">
+                <a14:hiddenLine xmlns="" xmlns:p14="http://schemas.microsoft.com/office/powerpoint/2010/main" xmlns:a14="http://schemas.microsoft.com/office/drawing/2010/main" w="9525">
                   <a:solidFill>
                     <a:srgbClr val="000000"/>
                   </a:solidFill>
@@ -20987,7 +20988,7 @@
             </a:ln>
             <a:extLst>
               <a:ext uri="{91240B29-F687-4f45-9708-019B960494DF}">
-                <a14:hiddenLine xmlns:a14="http://schemas.microsoft.com/office/drawing/2010/main" xmlns:p14="http://schemas.microsoft.com/office/powerpoint/2010/main" xmlns="" w="9525">
+                <a14:hiddenLine xmlns="" xmlns:p14="http://schemas.microsoft.com/office/powerpoint/2010/main" xmlns:a14="http://schemas.microsoft.com/office/drawing/2010/main" w="9525">
                   <a:solidFill>
                     <a:srgbClr val="000000"/>
                   </a:solidFill>
@@ -21061,7 +21062,7 @@
             </a:ln>
             <a:extLst>
               <a:ext uri="{91240B29-F687-4f45-9708-019B960494DF}">
-                <a14:hiddenLine xmlns:a14="http://schemas.microsoft.com/office/drawing/2010/main" xmlns:p14="http://schemas.microsoft.com/office/powerpoint/2010/main" xmlns="" w="9525">
+                <a14:hiddenLine xmlns="" xmlns:p14="http://schemas.microsoft.com/office/powerpoint/2010/main" xmlns:a14="http://schemas.microsoft.com/office/drawing/2010/main" w="9525">
                   <a:solidFill>
                     <a:srgbClr val="000000"/>
                   </a:solidFill>
@@ -21163,7 +21164,7 @@
             </a:ln>
             <a:extLst>
               <a:ext uri="{91240B29-F687-4f45-9708-019B960494DF}">
-                <a14:hiddenLine xmlns:a14="http://schemas.microsoft.com/office/drawing/2010/main" xmlns:p14="http://schemas.microsoft.com/office/powerpoint/2010/main" xmlns="" w="9525">
+                <a14:hiddenLine xmlns="" xmlns:p14="http://schemas.microsoft.com/office/powerpoint/2010/main" xmlns:a14="http://schemas.microsoft.com/office/drawing/2010/main" w="9525">
                   <a:solidFill>
                     <a:srgbClr val="000000"/>
                   </a:solidFill>
@@ -21237,7 +21238,7 @@
             </a:ln>
             <a:extLst>
               <a:ext uri="{91240B29-F687-4f45-9708-019B960494DF}">
-                <a14:hiddenLine xmlns:a14="http://schemas.microsoft.com/office/drawing/2010/main" xmlns:p14="http://schemas.microsoft.com/office/powerpoint/2010/main" xmlns="" w="9525">
+                <a14:hiddenLine xmlns="" xmlns:p14="http://schemas.microsoft.com/office/powerpoint/2010/main" xmlns:a14="http://schemas.microsoft.com/office/drawing/2010/main" w="9525">
                   <a:solidFill>
                     <a:srgbClr val="000000"/>
                   </a:solidFill>
@@ -21339,7 +21340,7 @@
             </a:ln>
             <a:extLst>
               <a:ext uri="{91240B29-F687-4f45-9708-019B960494DF}">
-                <a14:hiddenLine xmlns:a14="http://schemas.microsoft.com/office/drawing/2010/main" xmlns:p14="http://schemas.microsoft.com/office/powerpoint/2010/main" xmlns="" w="9525">
+                <a14:hiddenLine xmlns="" xmlns:p14="http://schemas.microsoft.com/office/powerpoint/2010/main" xmlns:a14="http://schemas.microsoft.com/office/drawing/2010/main" w="9525">
                   <a:solidFill>
                     <a:srgbClr val="000000"/>
                   </a:solidFill>
@@ -21413,7 +21414,7 @@
             </a:ln>
             <a:extLst>
               <a:ext uri="{91240B29-F687-4f45-9708-019B960494DF}">
-                <a14:hiddenLine xmlns:a14="http://schemas.microsoft.com/office/drawing/2010/main" xmlns:p14="http://schemas.microsoft.com/office/powerpoint/2010/main" xmlns="" w="9525">
+                <a14:hiddenLine xmlns="" xmlns:p14="http://schemas.microsoft.com/office/powerpoint/2010/main" xmlns:a14="http://schemas.microsoft.com/office/drawing/2010/main" w="9525">
                   <a:solidFill>
                     <a:srgbClr val="000000"/>
                   </a:solidFill>
@@ -21515,7 +21516,7 @@
             </a:ln>
             <a:extLst>
               <a:ext uri="{91240B29-F687-4f45-9708-019B960494DF}">
-                <a14:hiddenLine xmlns:a14="http://schemas.microsoft.com/office/drawing/2010/main" xmlns:p14="http://schemas.microsoft.com/office/powerpoint/2010/main" xmlns="" w="9525">
+                <a14:hiddenLine xmlns="" xmlns:p14="http://schemas.microsoft.com/office/powerpoint/2010/main" xmlns:a14="http://schemas.microsoft.com/office/drawing/2010/main" w="9525">
                   <a:solidFill>
                     <a:srgbClr val="000000"/>
                   </a:solidFill>
@@ -21561,7 +21562,7 @@
             </a:ln>
             <a:extLst>
               <a:ext uri="{91240B29-F687-4f45-9708-019B960494DF}">
-                <a14:hiddenLine xmlns:a14="http://schemas.microsoft.com/office/drawing/2010/main" xmlns:p14="http://schemas.microsoft.com/office/powerpoint/2010/main" xmlns="" w="9525">
+                <a14:hiddenLine xmlns="" xmlns:p14="http://schemas.microsoft.com/office/powerpoint/2010/main" xmlns:a14="http://schemas.microsoft.com/office/drawing/2010/main" w="9525">
                   <a:solidFill>
                     <a:srgbClr val="000000"/>
                   </a:solidFill>
@@ -21638,7 +21639,7 @@
             </a:ln>
             <a:extLst>
               <a:ext uri="{91240B29-F687-4f45-9708-019B960494DF}">
-                <a14:hiddenLine xmlns:a14="http://schemas.microsoft.com/office/drawing/2010/main" xmlns:p14="http://schemas.microsoft.com/office/powerpoint/2010/main" xmlns="" w="9525">
+                <a14:hiddenLine xmlns="" xmlns:p14="http://schemas.microsoft.com/office/powerpoint/2010/main" xmlns:a14="http://schemas.microsoft.com/office/drawing/2010/main" w="9525">
                   <a:solidFill>
                     <a:srgbClr val="000000"/>
                   </a:solidFill>
@@ -21740,7 +21741,7 @@
             </a:ln>
             <a:extLst>
               <a:ext uri="{91240B29-F687-4f45-9708-019B960494DF}">
-                <a14:hiddenLine xmlns:a14="http://schemas.microsoft.com/office/drawing/2010/main" xmlns:p14="http://schemas.microsoft.com/office/powerpoint/2010/main" xmlns="" w="9525">
+                <a14:hiddenLine xmlns="" xmlns:p14="http://schemas.microsoft.com/office/powerpoint/2010/main" xmlns:a14="http://schemas.microsoft.com/office/drawing/2010/main" w="9525">
                   <a:solidFill>
                     <a:srgbClr val="000000"/>
                   </a:solidFill>
@@ -21814,7 +21815,7 @@
             </a:ln>
             <a:extLst>
               <a:ext uri="{91240B29-F687-4f45-9708-019B960494DF}">
-                <a14:hiddenLine xmlns:a14="http://schemas.microsoft.com/office/drawing/2010/main" xmlns:p14="http://schemas.microsoft.com/office/powerpoint/2010/main" xmlns="" w="9525">
+                <a14:hiddenLine xmlns="" xmlns:p14="http://schemas.microsoft.com/office/powerpoint/2010/main" xmlns:a14="http://schemas.microsoft.com/office/drawing/2010/main" w="9525">
                   <a:solidFill>
                     <a:srgbClr val="000000"/>
                   </a:solidFill>
@@ -21916,7 +21917,7 @@
             </a:ln>
             <a:extLst>
               <a:ext uri="{91240B29-F687-4f45-9708-019B960494DF}">
-                <a14:hiddenLine xmlns:a14="http://schemas.microsoft.com/office/drawing/2010/main" xmlns:p14="http://schemas.microsoft.com/office/powerpoint/2010/main" xmlns="" w="9525">
+                <a14:hiddenLine xmlns="" xmlns:p14="http://schemas.microsoft.com/office/powerpoint/2010/main" xmlns:a14="http://schemas.microsoft.com/office/drawing/2010/main" w="9525">
                   <a:solidFill>
                     <a:srgbClr val="000000"/>
                   </a:solidFill>
@@ -22018,7 +22019,7 @@
             </a:ln>
             <a:extLst>
               <a:ext uri="{91240B29-F687-4f45-9708-019B960494DF}">
-                <a14:hiddenLine xmlns:a14="http://schemas.microsoft.com/office/drawing/2010/main" xmlns:p14="http://schemas.microsoft.com/office/powerpoint/2010/main" xmlns="" w="9525">
+                <a14:hiddenLine xmlns="" xmlns:p14="http://schemas.microsoft.com/office/powerpoint/2010/main" xmlns:a14="http://schemas.microsoft.com/office/drawing/2010/main" w="9525">
                   <a:solidFill>
                     <a:srgbClr val="000000"/>
                   </a:solidFill>
@@ -22095,7 +22096,7 @@
             </a:ln>
             <a:extLst>
               <a:ext uri="{91240B29-F687-4f45-9708-019B960494DF}">
-                <a14:hiddenLine xmlns:a14="http://schemas.microsoft.com/office/drawing/2010/main" xmlns:p14="http://schemas.microsoft.com/office/powerpoint/2010/main" xmlns="" w="9525">
+                <a14:hiddenLine xmlns="" xmlns:p14="http://schemas.microsoft.com/office/powerpoint/2010/main" xmlns:a14="http://schemas.microsoft.com/office/drawing/2010/main" w="9525">
                   <a:solidFill>
                     <a:srgbClr val="000000"/>
                   </a:solidFill>
@@ -22169,7 +22170,7 @@
             </a:ln>
             <a:extLst>
               <a:ext uri="{91240B29-F687-4f45-9708-019B960494DF}">
-                <a14:hiddenLine xmlns:a14="http://schemas.microsoft.com/office/drawing/2010/main" xmlns:p14="http://schemas.microsoft.com/office/powerpoint/2010/main" xmlns="" w="9525">
+                <a14:hiddenLine xmlns="" xmlns:p14="http://schemas.microsoft.com/office/powerpoint/2010/main" xmlns:a14="http://schemas.microsoft.com/office/drawing/2010/main" w="9525">
                   <a:solidFill>
                     <a:srgbClr val="000000"/>
                   </a:solidFill>
@@ -22271,7 +22272,7 @@
             </a:ln>
             <a:extLst>
               <a:ext uri="{91240B29-F687-4f45-9708-019B960494DF}">
-                <a14:hiddenLine xmlns:a14="http://schemas.microsoft.com/office/drawing/2010/main" xmlns:p14="http://schemas.microsoft.com/office/powerpoint/2010/main" xmlns="" w="9525">
+                <a14:hiddenLine xmlns="" xmlns:p14="http://schemas.microsoft.com/office/powerpoint/2010/main" xmlns:a14="http://schemas.microsoft.com/office/drawing/2010/main" w="9525">
                   <a:solidFill>
                     <a:srgbClr val="000000"/>
                   </a:solidFill>
@@ -22373,7 +22374,7 @@
             </a:ln>
             <a:extLst>
               <a:ext uri="{91240B29-F687-4f45-9708-019B960494DF}">
-                <a14:hiddenLine xmlns:a14="http://schemas.microsoft.com/office/drawing/2010/main" xmlns:p14="http://schemas.microsoft.com/office/powerpoint/2010/main" xmlns="" w="9525">
+                <a14:hiddenLine xmlns="" xmlns:p14="http://schemas.microsoft.com/office/powerpoint/2010/main" xmlns:a14="http://schemas.microsoft.com/office/drawing/2010/main" w="9525">
                   <a:solidFill>
                     <a:srgbClr val="000000"/>
                   </a:solidFill>
@@ -22447,7 +22448,7 @@
             </a:ln>
             <a:extLst>
               <a:ext uri="{91240B29-F687-4f45-9708-019B960494DF}">
-                <a14:hiddenLine xmlns:a14="http://schemas.microsoft.com/office/drawing/2010/main" xmlns:p14="http://schemas.microsoft.com/office/powerpoint/2010/main" xmlns="" w="9525">
+                <a14:hiddenLine xmlns="" xmlns:p14="http://schemas.microsoft.com/office/powerpoint/2010/main" xmlns:a14="http://schemas.microsoft.com/office/drawing/2010/main" w="9525">
                   <a:solidFill>
                     <a:srgbClr val="000000"/>
                   </a:solidFill>
@@ -22579,7 +22580,7 @@
             </a:ln>
             <a:extLst>
               <a:ext uri="{91240B29-F687-4f45-9708-019B960494DF}">
-                <a14:hiddenLine xmlns:a14="http://schemas.microsoft.com/office/drawing/2010/main" xmlns:p14="http://schemas.microsoft.com/office/powerpoint/2010/main" xmlns="" w="9525">
+                <a14:hiddenLine xmlns="" xmlns:p14="http://schemas.microsoft.com/office/powerpoint/2010/main" xmlns:a14="http://schemas.microsoft.com/office/drawing/2010/main" w="9525">
                   <a:solidFill>
                     <a:srgbClr val="000000"/>
                   </a:solidFill>
@@ -22659,7 +22660,7 @@
             </a:ln>
             <a:extLst>
               <a:ext uri="{91240B29-F687-4f45-9708-019B960494DF}">
-                <a14:hiddenLine xmlns:a14="http://schemas.microsoft.com/office/drawing/2010/main" xmlns:p14="http://schemas.microsoft.com/office/powerpoint/2010/main" xmlns="" w="9525">
+                <a14:hiddenLine xmlns="" xmlns:p14="http://schemas.microsoft.com/office/powerpoint/2010/main" xmlns:a14="http://schemas.microsoft.com/office/drawing/2010/main" w="9525">
                   <a:solidFill>
                     <a:srgbClr val="000000"/>
                   </a:solidFill>
@@ -22761,7 +22762,7 @@
             </a:ln>
             <a:extLst>
               <a:ext uri="{91240B29-F687-4f45-9708-019B960494DF}">
-                <a14:hiddenLine xmlns:a14="http://schemas.microsoft.com/office/drawing/2010/main" xmlns:p14="http://schemas.microsoft.com/office/powerpoint/2010/main" xmlns="" w="9525">
+                <a14:hiddenLine xmlns="" xmlns:p14="http://schemas.microsoft.com/office/powerpoint/2010/main" xmlns:a14="http://schemas.microsoft.com/office/drawing/2010/main" w="9525">
                   <a:solidFill>
                     <a:srgbClr val="000000"/>
                   </a:solidFill>
@@ -23110,7 +23111,7 @@
             <a:noFill/>
             <a:extLst>
               <a:ext uri="{909E8E84-426E-40dd-AFC4-6F175D3DCCD1}">
-                <a14:hiddenFill xmlns="" xmlns:p14="http://schemas.microsoft.com/office/powerpoint/2010/main" xmlns:a14="http://schemas.microsoft.com/office/drawing/2010/main">
+                <a14:hiddenFill xmlns:a14="http://schemas.microsoft.com/office/drawing/2010/main" xmlns:p14="http://schemas.microsoft.com/office/powerpoint/2010/main" xmlns="">
                   <a:solidFill>
                     <a:srgbClr val="FFFFFF"/>
                   </a:solidFill>
@@ -25326,7 +25327,7 @@
           <a:noFill/>
           <a:extLst>
             <a:ext uri="{909E8E84-426E-40dd-AFC4-6F175D3DCCD1}">
-              <a14:hiddenFill xmlns="" xmlns:p14="http://schemas.microsoft.com/office/powerpoint/2010/main" xmlns:a14="http://schemas.microsoft.com/office/drawing/2010/main">
+              <a14:hiddenFill xmlns:a14="http://schemas.microsoft.com/office/drawing/2010/main" xmlns:p14="http://schemas.microsoft.com/office/powerpoint/2010/main" xmlns="">
                 <a:solidFill>
                   <a:srgbClr val="FFFFFF"/>
                 </a:solidFill>
@@ -25461,7 +25462,7 @@
             </a:ln>
             <a:extLst>
               <a:ext uri="{91240B29-F687-4f45-9708-019B960494DF}">
-                <a14:hiddenLine xmlns="" xmlns:p14="http://schemas.microsoft.com/office/powerpoint/2010/main" xmlns:a14="http://schemas.microsoft.com/office/drawing/2010/main" w="9525">
+                <a14:hiddenLine xmlns:a14="http://schemas.microsoft.com/office/drawing/2010/main" xmlns:p14="http://schemas.microsoft.com/office/powerpoint/2010/main" xmlns="" w="9525">
                   <a:solidFill>
                     <a:srgbClr val="000000"/>
                   </a:solidFill>
@@ -25563,7 +25564,7 @@
             </a:ln>
             <a:extLst>
               <a:ext uri="{91240B29-F687-4f45-9708-019B960494DF}">
-                <a14:hiddenLine xmlns="" xmlns:p14="http://schemas.microsoft.com/office/powerpoint/2010/main" xmlns:a14="http://schemas.microsoft.com/office/drawing/2010/main" w="9525">
+                <a14:hiddenLine xmlns:a14="http://schemas.microsoft.com/office/drawing/2010/main" xmlns:p14="http://schemas.microsoft.com/office/powerpoint/2010/main" xmlns="" w="9525">
                   <a:solidFill>
                     <a:srgbClr val="000000"/>
                   </a:solidFill>
@@ -25665,7 +25666,7 @@
             </a:ln>
             <a:extLst>
               <a:ext uri="{91240B29-F687-4f45-9708-019B960494DF}">
-                <a14:hiddenLine xmlns="" xmlns:p14="http://schemas.microsoft.com/office/powerpoint/2010/main" xmlns:a14="http://schemas.microsoft.com/office/drawing/2010/main" w="9525">
+                <a14:hiddenLine xmlns:a14="http://schemas.microsoft.com/office/drawing/2010/main" xmlns:p14="http://schemas.microsoft.com/office/powerpoint/2010/main" xmlns="" w="9525">
                   <a:solidFill>
                     <a:srgbClr val="000000"/>
                   </a:solidFill>
@@ -25739,7 +25740,7 @@
             </a:ln>
             <a:extLst>
               <a:ext uri="{91240B29-F687-4f45-9708-019B960494DF}">
-                <a14:hiddenLine xmlns="" xmlns:p14="http://schemas.microsoft.com/office/powerpoint/2010/main" xmlns:a14="http://schemas.microsoft.com/office/drawing/2010/main" w="9525">
+                <a14:hiddenLine xmlns:a14="http://schemas.microsoft.com/office/drawing/2010/main" xmlns:p14="http://schemas.microsoft.com/office/powerpoint/2010/main" xmlns="" w="9525">
                   <a:solidFill>
                     <a:srgbClr val="000000"/>
                   </a:solidFill>
@@ -25841,7 +25842,7 @@
             </a:ln>
             <a:extLst>
               <a:ext uri="{91240B29-F687-4f45-9708-019B960494DF}">
-                <a14:hiddenLine xmlns="" xmlns:p14="http://schemas.microsoft.com/office/powerpoint/2010/main" xmlns:a14="http://schemas.microsoft.com/office/drawing/2010/main" w="9525">
+                <a14:hiddenLine xmlns:a14="http://schemas.microsoft.com/office/drawing/2010/main" xmlns:p14="http://schemas.microsoft.com/office/powerpoint/2010/main" xmlns="" w="9525">
                   <a:solidFill>
                     <a:srgbClr val="000000"/>
                   </a:solidFill>
@@ -25915,7 +25916,7 @@
             </a:ln>
             <a:extLst>
               <a:ext uri="{91240B29-F687-4f45-9708-019B960494DF}">
-                <a14:hiddenLine xmlns="" xmlns:p14="http://schemas.microsoft.com/office/powerpoint/2010/main" xmlns:a14="http://schemas.microsoft.com/office/drawing/2010/main" w="9525">
+                <a14:hiddenLine xmlns:a14="http://schemas.microsoft.com/office/drawing/2010/main" xmlns:p14="http://schemas.microsoft.com/office/powerpoint/2010/main" xmlns="" w="9525">
                   <a:solidFill>
                     <a:srgbClr val="000000"/>
                   </a:solidFill>
@@ -25989,7 +25990,7 @@
             </a:ln>
             <a:extLst>
               <a:ext uri="{91240B29-F687-4f45-9708-019B960494DF}">
-                <a14:hiddenLine xmlns="" xmlns:p14="http://schemas.microsoft.com/office/powerpoint/2010/main" xmlns:a14="http://schemas.microsoft.com/office/drawing/2010/main" w="9525">
+                <a14:hiddenLine xmlns:a14="http://schemas.microsoft.com/office/drawing/2010/main" xmlns:p14="http://schemas.microsoft.com/office/powerpoint/2010/main" xmlns="" w="9525">
                   <a:solidFill>
                     <a:srgbClr val="000000"/>
                   </a:solidFill>
@@ -26091,7 +26092,7 @@
             </a:ln>
             <a:extLst>
               <a:ext uri="{91240B29-F687-4f45-9708-019B960494DF}">
-                <a14:hiddenLine xmlns="" xmlns:p14="http://schemas.microsoft.com/office/powerpoint/2010/main" xmlns:a14="http://schemas.microsoft.com/office/drawing/2010/main" w="9525">
+                <a14:hiddenLine xmlns:a14="http://schemas.microsoft.com/office/drawing/2010/main" xmlns:p14="http://schemas.microsoft.com/office/powerpoint/2010/main" xmlns="" w="9525">
                   <a:solidFill>
                     <a:srgbClr val="000000"/>
                   </a:solidFill>
@@ -26193,7 +26194,7 @@
             </a:ln>
             <a:extLst>
               <a:ext uri="{91240B29-F687-4f45-9708-019B960494DF}">
-                <a14:hiddenLine xmlns="" xmlns:p14="http://schemas.microsoft.com/office/powerpoint/2010/main" xmlns:a14="http://schemas.microsoft.com/office/drawing/2010/main" w="9525">
+                <a14:hiddenLine xmlns:a14="http://schemas.microsoft.com/office/drawing/2010/main" xmlns:p14="http://schemas.microsoft.com/office/powerpoint/2010/main" xmlns="" w="9525">
                   <a:solidFill>
                     <a:srgbClr val="000000"/>
                   </a:solidFill>
@@ -26267,7 +26268,7 @@
             </a:ln>
             <a:extLst>
               <a:ext uri="{91240B29-F687-4f45-9708-019B960494DF}">
-                <a14:hiddenLine xmlns="" xmlns:p14="http://schemas.microsoft.com/office/powerpoint/2010/main" xmlns:a14="http://schemas.microsoft.com/office/drawing/2010/main" w="9525">
+                <a14:hiddenLine xmlns:a14="http://schemas.microsoft.com/office/drawing/2010/main" xmlns:p14="http://schemas.microsoft.com/office/powerpoint/2010/main" xmlns="" w="9525">
                   <a:solidFill>
                     <a:srgbClr val="000000"/>
                   </a:solidFill>
@@ -26389,7 +26390,7 @@
             </a:ln>
             <a:extLst>
               <a:ext uri="{91240B29-F687-4f45-9708-019B960494DF}">
-                <a14:hiddenLine xmlns="" xmlns:p14="http://schemas.microsoft.com/office/powerpoint/2010/main" xmlns:a14="http://schemas.microsoft.com/office/drawing/2010/main" w="9525">
+                <a14:hiddenLine xmlns:a14="http://schemas.microsoft.com/office/drawing/2010/main" xmlns:p14="http://schemas.microsoft.com/office/powerpoint/2010/main" xmlns="" w="9525">
                   <a:solidFill>
                     <a:srgbClr val="000000"/>
                   </a:solidFill>
@@ -26497,7 +26498,7 @@
             </a:ln>
             <a:extLst>
               <a:ext uri="{91240B29-F687-4f45-9708-019B960494DF}">
-                <a14:hiddenLine xmlns="" xmlns:p14="http://schemas.microsoft.com/office/powerpoint/2010/main" xmlns:a14="http://schemas.microsoft.com/office/drawing/2010/main" w="9525">
+                <a14:hiddenLine xmlns:a14="http://schemas.microsoft.com/office/drawing/2010/main" xmlns:p14="http://schemas.microsoft.com/office/powerpoint/2010/main" xmlns="" w="9525">
                   <a:solidFill>
                     <a:srgbClr val="000000"/>
                   </a:solidFill>
@@ -26571,7 +26572,7 @@
             </a:ln>
             <a:extLst>
               <a:ext uri="{91240B29-F687-4f45-9708-019B960494DF}">
-                <a14:hiddenLine xmlns="" xmlns:p14="http://schemas.microsoft.com/office/powerpoint/2010/main" xmlns:a14="http://schemas.microsoft.com/office/drawing/2010/main" w="9525">
+                <a14:hiddenLine xmlns:a14="http://schemas.microsoft.com/office/drawing/2010/main" xmlns:p14="http://schemas.microsoft.com/office/powerpoint/2010/main" xmlns="" w="9525">
                   <a:solidFill>
                     <a:srgbClr val="000000"/>
                   </a:solidFill>
@@ -26645,7 +26646,7 @@
             </a:ln>
             <a:extLst>
               <a:ext uri="{91240B29-F687-4f45-9708-019B960494DF}">
-                <a14:hiddenLine xmlns="" xmlns:p14="http://schemas.microsoft.com/office/powerpoint/2010/main" xmlns:a14="http://schemas.microsoft.com/office/drawing/2010/main" w="9525">
+                <a14:hiddenLine xmlns:a14="http://schemas.microsoft.com/office/drawing/2010/main" xmlns:p14="http://schemas.microsoft.com/office/powerpoint/2010/main" xmlns="" w="9525">
                   <a:solidFill>
                     <a:srgbClr val="000000"/>
                   </a:solidFill>
@@ -26747,7 +26748,7 @@
             </a:ln>
             <a:extLst>
               <a:ext uri="{91240B29-F687-4f45-9708-019B960494DF}">
-                <a14:hiddenLine xmlns="" xmlns:p14="http://schemas.microsoft.com/office/powerpoint/2010/main" xmlns:a14="http://schemas.microsoft.com/office/drawing/2010/main" w="9525">
+                <a14:hiddenLine xmlns:a14="http://schemas.microsoft.com/office/drawing/2010/main" xmlns:p14="http://schemas.microsoft.com/office/powerpoint/2010/main" xmlns="" w="9525">
                   <a:solidFill>
                     <a:srgbClr val="000000"/>
                   </a:solidFill>
@@ -26793,7 +26794,7 @@
             </a:ln>
             <a:extLst>
               <a:ext uri="{91240B29-F687-4f45-9708-019B960494DF}">
-                <a14:hiddenLine xmlns="" xmlns:p14="http://schemas.microsoft.com/office/powerpoint/2010/main" xmlns:a14="http://schemas.microsoft.com/office/drawing/2010/main" w="9525">
+                <a14:hiddenLine xmlns:a14="http://schemas.microsoft.com/office/drawing/2010/main" xmlns:p14="http://schemas.microsoft.com/office/powerpoint/2010/main" xmlns="" w="9525">
                   <a:solidFill>
                     <a:srgbClr val="000000"/>
                   </a:solidFill>
@@ -26870,7 +26871,7 @@
             </a:ln>
             <a:extLst>
               <a:ext uri="{91240B29-F687-4f45-9708-019B960494DF}">
-                <a14:hiddenLine xmlns="" xmlns:p14="http://schemas.microsoft.com/office/powerpoint/2010/main" xmlns:a14="http://schemas.microsoft.com/office/drawing/2010/main" w="9525">
+                <a14:hiddenLine xmlns:a14="http://schemas.microsoft.com/office/drawing/2010/main" xmlns:p14="http://schemas.microsoft.com/office/powerpoint/2010/main" xmlns="" w="9525">
                   <a:solidFill>
                     <a:srgbClr val="000000"/>
                   </a:solidFill>
@@ -26972,7 +26973,7 @@
             </a:ln>
             <a:extLst>
               <a:ext uri="{91240B29-F687-4f45-9708-019B960494DF}">
-                <a14:hiddenLine xmlns="" xmlns:p14="http://schemas.microsoft.com/office/powerpoint/2010/main" xmlns:a14="http://schemas.microsoft.com/office/drawing/2010/main" w="9525">
+                <a14:hiddenLine xmlns:a14="http://schemas.microsoft.com/office/drawing/2010/main" xmlns:p14="http://schemas.microsoft.com/office/powerpoint/2010/main" xmlns="" w="9525">
                   <a:solidFill>
                     <a:srgbClr val="000000"/>
                   </a:solidFill>
@@ -27046,7 +27047,7 @@
             </a:ln>
             <a:extLst>
               <a:ext uri="{91240B29-F687-4f45-9708-019B960494DF}">
-                <a14:hiddenLine xmlns="" xmlns:p14="http://schemas.microsoft.com/office/powerpoint/2010/main" xmlns:a14="http://schemas.microsoft.com/office/drawing/2010/main" w="9525">
+                <a14:hiddenLine xmlns:a14="http://schemas.microsoft.com/office/drawing/2010/main" xmlns:p14="http://schemas.microsoft.com/office/powerpoint/2010/main" xmlns="" w="9525">
                   <a:solidFill>
                     <a:srgbClr val="000000"/>
                   </a:solidFill>
@@ -27148,7 +27149,7 @@
             </a:ln>
             <a:extLst>
               <a:ext uri="{91240B29-F687-4f45-9708-019B960494DF}">
-                <a14:hiddenLine xmlns="" xmlns:p14="http://schemas.microsoft.com/office/powerpoint/2010/main" xmlns:a14="http://schemas.microsoft.com/office/drawing/2010/main" w="9525">
+                <a14:hiddenLine xmlns:a14="http://schemas.microsoft.com/office/drawing/2010/main" xmlns:p14="http://schemas.microsoft.com/office/powerpoint/2010/main" xmlns="" w="9525">
                   <a:solidFill>
                     <a:srgbClr val="000000"/>
                   </a:solidFill>
@@ -27225,7 +27226,7 @@
             </a:ln>
             <a:extLst>
               <a:ext uri="{91240B29-F687-4f45-9708-019B960494DF}">
-                <a14:hiddenLine xmlns="" xmlns:p14="http://schemas.microsoft.com/office/powerpoint/2010/main" xmlns:a14="http://schemas.microsoft.com/office/drawing/2010/main" w="9525">
+                <a14:hiddenLine xmlns:a14="http://schemas.microsoft.com/office/drawing/2010/main" xmlns:p14="http://schemas.microsoft.com/office/powerpoint/2010/main" xmlns="" w="9525">
                   <a:solidFill>
                     <a:srgbClr val="000000"/>
                   </a:solidFill>
@@ -27299,7 +27300,7 @@
             </a:ln>
             <a:extLst>
               <a:ext uri="{91240B29-F687-4f45-9708-019B960494DF}">
-                <a14:hiddenLine xmlns="" xmlns:p14="http://schemas.microsoft.com/office/powerpoint/2010/main" xmlns:a14="http://schemas.microsoft.com/office/drawing/2010/main" w="9525">
+                <a14:hiddenLine xmlns:a14="http://schemas.microsoft.com/office/drawing/2010/main" xmlns:p14="http://schemas.microsoft.com/office/powerpoint/2010/main" xmlns="" w="9525">
                   <a:solidFill>
                     <a:srgbClr val="000000"/>
                   </a:solidFill>
@@ -27401,7 +27402,7 @@
             </a:ln>
             <a:extLst>
               <a:ext uri="{91240B29-F687-4f45-9708-019B960494DF}">
-                <a14:hiddenLine xmlns="" xmlns:p14="http://schemas.microsoft.com/office/powerpoint/2010/main" xmlns:a14="http://schemas.microsoft.com/office/drawing/2010/main" w="9525">
+                <a14:hiddenLine xmlns:a14="http://schemas.microsoft.com/office/drawing/2010/main" xmlns:p14="http://schemas.microsoft.com/office/powerpoint/2010/main" xmlns="" w="9525">
                   <a:solidFill>
                     <a:srgbClr val="000000"/>
                   </a:solidFill>
@@ -27503,7 +27504,7 @@
             </a:ln>
             <a:extLst>
               <a:ext uri="{91240B29-F687-4f45-9708-019B960494DF}">
-                <a14:hiddenLine xmlns="" xmlns:p14="http://schemas.microsoft.com/office/powerpoint/2010/main" xmlns:a14="http://schemas.microsoft.com/office/drawing/2010/main" w="9525">
+                <a14:hiddenLine xmlns:a14="http://schemas.microsoft.com/office/drawing/2010/main" xmlns:p14="http://schemas.microsoft.com/office/powerpoint/2010/main" xmlns="" w="9525">
                   <a:solidFill>
                     <a:srgbClr val="000000"/>
                   </a:solidFill>
@@ -27580,7 +27581,7 @@
             </a:ln>
             <a:extLst>
               <a:ext uri="{91240B29-F687-4f45-9708-019B960494DF}">
-                <a14:hiddenLine xmlns="" xmlns:p14="http://schemas.microsoft.com/office/powerpoint/2010/main" xmlns:a14="http://schemas.microsoft.com/office/drawing/2010/main" w="9525">
+                <a14:hiddenLine xmlns:a14="http://schemas.microsoft.com/office/drawing/2010/main" xmlns:p14="http://schemas.microsoft.com/office/powerpoint/2010/main" xmlns="" w="9525">
                   <a:solidFill>
                     <a:srgbClr val="000000"/>
                   </a:solidFill>
@@ -27712,7 +27713,7 @@
             </a:ln>
             <a:extLst>
               <a:ext uri="{91240B29-F687-4f45-9708-019B960494DF}">
-                <a14:hiddenLine xmlns="" xmlns:p14="http://schemas.microsoft.com/office/powerpoint/2010/main" xmlns:a14="http://schemas.microsoft.com/office/drawing/2010/main" w="9525">
+                <a14:hiddenLine xmlns:a14="http://schemas.microsoft.com/office/drawing/2010/main" xmlns:p14="http://schemas.microsoft.com/office/powerpoint/2010/main" xmlns="" w="9525">
                   <a:solidFill>
                     <a:srgbClr val="000000"/>
                   </a:solidFill>
@@ -27911,7 +27912,7 @@
           <a:noFill/>
           <a:extLst>
             <a:ext uri="{909E8E84-426E-40dd-AFC4-6F175D3DCCD1}">
-              <a14:hiddenFill xmlns="" xmlns:p14="http://schemas.microsoft.com/office/powerpoint/2010/main" xmlns:dgm="http://schemas.openxmlformats.org/drawingml/2006/diagram" xmlns:a14="http://schemas.microsoft.com/office/drawing/2010/main">
+              <a14:hiddenFill xmlns:a14="http://schemas.microsoft.com/office/drawing/2010/main" xmlns:dgm="http://schemas.openxmlformats.org/drawingml/2006/diagram" xmlns:p14="http://schemas.microsoft.com/office/powerpoint/2010/main" xmlns="">
                 <a:solidFill>
                   <a:srgbClr val="FFFFFF"/>
                 </a:solidFill>
@@ -27997,7 +27998,7 @@
             </a:ln>
             <a:extLst>
               <a:ext uri="{91240B29-F687-4f45-9708-019B960494DF}">
-                <a14:hiddenLine xmlns="" xmlns:p14="http://schemas.microsoft.com/office/powerpoint/2010/main" xmlns:dgm="http://schemas.openxmlformats.org/drawingml/2006/diagram" xmlns:a14="http://schemas.microsoft.com/office/drawing/2010/main" w="9525">
+                <a14:hiddenLine xmlns:a14="http://schemas.microsoft.com/office/drawing/2010/main" xmlns:dgm="http://schemas.openxmlformats.org/drawingml/2006/diagram" xmlns:p14="http://schemas.microsoft.com/office/powerpoint/2010/main" xmlns="" w="9525">
                   <a:solidFill>
                     <a:srgbClr val="000000"/>
                   </a:solidFill>
@@ -28099,7 +28100,7 @@
             </a:ln>
             <a:extLst>
               <a:ext uri="{91240B29-F687-4f45-9708-019B960494DF}">
-                <a14:hiddenLine xmlns="" xmlns:p14="http://schemas.microsoft.com/office/powerpoint/2010/main" xmlns:dgm="http://schemas.openxmlformats.org/drawingml/2006/diagram" xmlns:a14="http://schemas.microsoft.com/office/drawing/2010/main" w="9525">
+                <a14:hiddenLine xmlns:a14="http://schemas.microsoft.com/office/drawing/2010/main" xmlns:dgm="http://schemas.openxmlformats.org/drawingml/2006/diagram" xmlns:p14="http://schemas.microsoft.com/office/powerpoint/2010/main" xmlns="" w="9525">
                   <a:solidFill>
                     <a:srgbClr val="000000"/>
                   </a:solidFill>
@@ -28201,7 +28202,7 @@
             </a:ln>
             <a:extLst>
               <a:ext uri="{91240B29-F687-4f45-9708-019B960494DF}">
-                <a14:hiddenLine xmlns="" xmlns:p14="http://schemas.microsoft.com/office/powerpoint/2010/main" xmlns:dgm="http://schemas.openxmlformats.org/drawingml/2006/diagram" xmlns:a14="http://schemas.microsoft.com/office/drawing/2010/main" w="9525">
+                <a14:hiddenLine xmlns:a14="http://schemas.microsoft.com/office/drawing/2010/main" xmlns:dgm="http://schemas.openxmlformats.org/drawingml/2006/diagram" xmlns:p14="http://schemas.microsoft.com/office/powerpoint/2010/main" xmlns="" w="9525">
                   <a:solidFill>
                     <a:srgbClr val="000000"/>
                   </a:solidFill>
@@ -28275,7 +28276,7 @@
             </a:ln>
             <a:extLst>
               <a:ext uri="{91240B29-F687-4f45-9708-019B960494DF}">
-                <a14:hiddenLine xmlns="" xmlns:p14="http://schemas.microsoft.com/office/powerpoint/2010/main" xmlns:dgm="http://schemas.openxmlformats.org/drawingml/2006/diagram" xmlns:a14="http://schemas.microsoft.com/office/drawing/2010/main" w="9525">
+                <a14:hiddenLine xmlns:a14="http://schemas.microsoft.com/office/drawing/2010/main" xmlns:dgm="http://schemas.openxmlformats.org/drawingml/2006/diagram" xmlns:p14="http://schemas.microsoft.com/office/powerpoint/2010/main" xmlns="" w="9525">
                   <a:solidFill>
                     <a:srgbClr val="000000"/>
                   </a:solidFill>
@@ -28377,7 +28378,7 @@
             </a:ln>
             <a:extLst>
               <a:ext uri="{91240B29-F687-4f45-9708-019B960494DF}">
-                <a14:hiddenLine xmlns="" xmlns:p14="http://schemas.microsoft.com/office/powerpoint/2010/main" xmlns:dgm="http://schemas.openxmlformats.org/drawingml/2006/diagram" xmlns:a14="http://schemas.microsoft.com/office/drawing/2010/main" w="9525">
+                <a14:hiddenLine xmlns:a14="http://schemas.microsoft.com/office/drawing/2010/main" xmlns:dgm="http://schemas.openxmlformats.org/drawingml/2006/diagram" xmlns:p14="http://schemas.microsoft.com/office/powerpoint/2010/main" xmlns="" w="9525">
                   <a:solidFill>
                     <a:srgbClr val="000000"/>
                   </a:solidFill>
@@ -28451,7 +28452,7 @@
             </a:ln>
             <a:extLst>
               <a:ext uri="{91240B29-F687-4f45-9708-019B960494DF}">
-                <a14:hiddenLine xmlns="" xmlns:p14="http://schemas.microsoft.com/office/powerpoint/2010/main" xmlns:dgm="http://schemas.openxmlformats.org/drawingml/2006/diagram" xmlns:a14="http://schemas.microsoft.com/office/drawing/2010/main" w="9525">
+                <a14:hiddenLine xmlns:a14="http://schemas.microsoft.com/office/drawing/2010/main" xmlns:dgm="http://schemas.openxmlformats.org/drawingml/2006/diagram" xmlns:p14="http://schemas.microsoft.com/office/powerpoint/2010/main" xmlns="" w="9525">
                   <a:solidFill>
                     <a:srgbClr val="000000"/>
                   </a:solidFill>
@@ -28525,7 +28526,7 @@
             </a:ln>
             <a:extLst>
               <a:ext uri="{91240B29-F687-4f45-9708-019B960494DF}">
-                <a14:hiddenLine xmlns="" xmlns:p14="http://schemas.microsoft.com/office/powerpoint/2010/main" xmlns:dgm="http://schemas.openxmlformats.org/drawingml/2006/diagram" xmlns:a14="http://schemas.microsoft.com/office/drawing/2010/main" w="9525">
+                <a14:hiddenLine xmlns:a14="http://schemas.microsoft.com/office/drawing/2010/main" xmlns:dgm="http://schemas.openxmlformats.org/drawingml/2006/diagram" xmlns:p14="http://schemas.microsoft.com/office/powerpoint/2010/main" xmlns="" w="9525">
                   <a:solidFill>
                     <a:srgbClr val="000000"/>
                   </a:solidFill>
@@ -28627,7 +28628,7 @@
             </a:ln>
             <a:extLst>
               <a:ext uri="{91240B29-F687-4f45-9708-019B960494DF}">
-                <a14:hiddenLine xmlns="" xmlns:p14="http://schemas.microsoft.com/office/powerpoint/2010/main" xmlns:dgm="http://schemas.openxmlformats.org/drawingml/2006/diagram" xmlns:a14="http://schemas.microsoft.com/office/drawing/2010/main" w="9525">
+                <a14:hiddenLine xmlns:a14="http://schemas.microsoft.com/office/drawing/2010/main" xmlns:dgm="http://schemas.openxmlformats.org/drawingml/2006/diagram" xmlns:p14="http://schemas.microsoft.com/office/powerpoint/2010/main" xmlns="" w="9525">
                   <a:solidFill>
                     <a:srgbClr val="000000"/>
                   </a:solidFill>
@@ -28729,7 +28730,7 @@
             </a:ln>
             <a:extLst>
               <a:ext uri="{91240B29-F687-4f45-9708-019B960494DF}">
-                <a14:hiddenLine xmlns="" xmlns:p14="http://schemas.microsoft.com/office/powerpoint/2010/main" xmlns:dgm="http://schemas.openxmlformats.org/drawingml/2006/diagram" xmlns:a14="http://schemas.microsoft.com/office/drawing/2010/main" w="9525">
+                <a14:hiddenLine xmlns:a14="http://schemas.microsoft.com/office/drawing/2010/main" xmlns:dgm="http://schemas.openxmlformats.org/drawingml/2006/diagram" xmlns:p14="http://schemas.microsoft.com/office/powerpoint/2010/main" xmlns="" w="9525">
                   <a:solidFill>
                     <a:srgbClr val="000000"/>
                   </a:solidFill>
@@ -28803,7 +28804,7 @@
             </a:ln>
             <a:extLst>
               <a:ext uri="{91240B29-F687-4f45-9708-019B960494DF}">
-                <a14:hiddenLine xmlns="" xmlns:p14="http://schemas.microsoft.com/office/powerpoint/2010/main" xmlns:dgm="http://schemas.openxmlformats.org/drawingml/2006/diagram" xmlns:a14="http://schemas.microsoft.com/office/drawing/2010/main" w="9525">
+                <a14:hiddenLine xmlns:a14="http://schemas.microsoft.com/office/drawing/2010/main" xmlns:dgm="http://schemas.openxmlformats.org/drawingml/2006/diagram" xmlns:p14="http://schemas.microsoft.com/office/powerpoint/2010/main" xmlns="" w="9525">
                   <a:solidFill>
                     <a:srgbClr val="000000"/>
                   </a:solidFill>
@@ -28925,7 +28926,7 @@
             </a:ln>
             <a:extLst>
               <a:ext uri="{91240B29-F687-4f45-9708-019B960494DF}">
-                <a14:hiddenLine xmlns="" xmlns:p14="http://schemas.microsoft.com/office/powerpoint/2010/main" xmlns:dgm="http://schemas.openxmlformats.org/drawingml/2006/diagram" xmlns:a14="http://schemas.microsoft.com/office/drawing/2010/main" w="9525">
+                <a14:hiddenLine xmlns:a14="http://schemas.microsoft.com/office/drawing/2010/main" xmlns:dgm="http://schemas.openxmlformats.org/drawingml/2006/diagram" xmlns:p14="http://schemas.microsoft.com/office/powerpoint/2010/main" xmlns="" w="9525">
                   <a:solidFill>
                     <a:srgbClr val="000000"/>
                   </a:solidFill>
@@ -29033,7 +29034,7 @@
             </a:ln>
             <a:extLst>
               <a:ext uri="{91240B29-F687-4f45-9708-019B960494DF}">
-                <a14:hiddenLine xmlns="" xmlns:p14="http://schemas.microsoft.com/office/powerpoint/2010/main" xmlns:dgm="http://schemas.openxmlformats.org/drawingml/2006/diagram" xmlns:a14="http://schemas.microsoft.com/office/drawing/2010/main" w="9525">
+                <a14:hiddenLine xmlns:a14="http://schemas.microsoft.com/office/drawing/2010/main" xmlns:dgm="http://schemas.openxmlformats.org/drawingml/2006/diagram" xmlns:p14="http://schemas.microsoft.com/office/powerpoint/2010/main" xmlns="" w="9525">
                   <a:solidFill>
                     <a:srgbClr val="000000"/>
                   </a:solidFill>
@@ -29107,7 +29108,7 @@
             </a:ln>
             <a:extLst>
               <a:ext uri="{91240B29-F687-4f45-9708-019B960494DF}">
-                <a14:hiddenLine xmlns="" xmlns:p14="http://schemas.microsoft.com/office/powerpoint/2010/main" xmlns:dgm="http://schemas.openxmlformats.org/drawingml/2006/diagram" xmlns:a14="http://schemas.microsoft.com/office/drawing/2010/main" w="9525">
+                <a14:hiddenLine xmlns:a14="http://schemas.microsoft.com/office/drawing/2010/main" xmlns:dgm="http://schemas.openxmlformats.org/drawingml/2006/diagram" xmlns:p14="http://schemas.microsoft.com/office/powerpoint/2010/main" xmlns="" w="9525">
                   <a:solidFill>
                     <a:srgbClr val="000000"/>
                   </a:solidFill>
@@ -29181,7 +29182,7 @@
             </a:ln>
             <a:extLst>
               <a:ext uri="{91240B29-F687-4f45-9708-019B960494DF}">
-                <a14:hiddenLine xmlns="" xmlns:p14="http://schemas.microsoft.com/office/powerpoint/2010/main" xmlns:dgm="http://schemas.openxmlformats.org/drawingml/2006/diagram" xmlns:a14="http://schemas.microsoft.com/office/drawing/2010/main" w="9525">
+                <a14:hiddenLine xmlns:a14="http://schemas.microsoft.com/office/drawing/2010/main" xmlns:dgm="http://schemas.openxmlformats.org/drawingml/2006/diagram" xmlns:p14="http://schemas.microsoft.com/office/powerpoint/2010/main" xmlns="" w="9525">
                   <a:solidFill>
                     <a:srgbClr val="000000"/>
                   </a:solidFill>
@@ -29283,7 +29284,7 @@
             </a:ln>
             <a:extLst>
               <a:ext uri="{91240B29-F687-4f45-9708-019B960494DF}">
-                <a14:hiddenLine xmlns="" xmlns:p14="http://schemas.microsoft.com/office/powerpoint/2010/main" xmlns:dgm="http://schemas.openxmlformats.org/drawingml/2006/diagram" xmlns:a14="http://schemas.microsoft.com/office/drawing/2010/main" w="9525">
+                <a14:hiddenLine xmlns:a14="http://schemas.microsoft.com/office/drawing/2010/main" xmlns:dgm="http://schemas.openxmlformats.org/drawingml/2006/diagram" xmlns:p14="http://schemas.microsoft.com/office/powerpoint/2010/main" xmlns="" w="9525">
                   <a:solidFill>
                     <a:srgbClr val="000000"/>
                   </a:solidFill>
@@ -29329,7 +29330,7 @@
             </a:ln>
             <a:extLst>
               <a:ext uri="{91240B29-F687-4f45-9708-019B960494DF}">
-                <a14:hiddenLine xmlns="" xmlns:p14="http://schemas.microsoft.com/office/powerpoint/2010/main" xmlns:dgm="http://schemas.openxmlformats.org/drawingml/2006/diagram" xmlns:a14="http://schemas.microsoft.com/office/drawing/2010/main" w="9525">
+                <a14:hiddenLine xmlns:a14="http://schemas.microsoft.com/office/drawing/2010/main" xmlns:dgm="http://schemas.openxmlformats.org/drawingml/2006/diagram" xmlns:p14="http://schemas.microsoft.com/office/powerpoint/2010/main" xmlns="" w="9525">
                   <a:solidFill>
                     <a:srgbClr val="000000"/>
                   </a:solidFill>
@@ -29406,7 +29407,7 @@
             </a:ln>
             <a:extLst>
               <a:ext uri="{91240B29-F687-4f45-9708-019B960494DF}">
-                <a14:hiddenLine xmlns="" xmlns:p14="http://schemas.microsoft.com/office/powerpoint/2010/main" xmlns:dgm="http://schemas.openxmlformats.org/drawingml/2006/diagram" xmlns:a14="http://schemas.microsoft.com/office/drawing/2010/main" w="9525">
+                <a14:hiddenLine xmlns:a14="http://schemas.microsoft.com/office/drawing/2010/main" xmlns:dgm="http://schemas.openxmlformats.org/drawingml/2006/diagram" xmlns:p14="http://schemas.microsoft.com/office/powerpoint/2010/main" xmlns="" w="9525">
                   <a:solidFill>
                     <a:srgbClr val="000000"/>
                   </a:solidFill>
@@ -29508,7 +29509,7 @@
             </a:ln>
             <a:extLst>
               <a:ext uri="{91240B29-F687-4f45-9708-019B960494DF}">
-                <a14:hiddenLine xmlns="" xmlns:p14="http://schemas.microsoft.com/office/powerpoint/2010/main" xmlns:dgm="http://schemas.openxmlformats.org/drawingml/2006/diagram" xmlns:a14="http://schemas.microsoft.com/office/drawing/2010/main" w="9525">
+                <a14:hiddenLine xmlns:a14="http://schemas.microsoft.com/office/drawing/2010/main" xmlns:dgm="http://schemas.openxmlformats.org/drawingml/2006/diagram" xmlns:p14="http://schemas.microsoft.com/office/powerpoint/2010/main" xmlns="" w="9525">
                   <a:solidFill>
                     <a:srgbClr val="000000"/>
                   </a:solidFill>
@@ -29582,7 +29583,7 @@
             </a:ln>
             <a:extLst>
               <a:ext uri="{91240B29-F687-4f45-9708-019B960494DF}">
-                <a14:hiddenLine xmlns="" xmlns:p14="http://schemas.microsoft.com/office/powerpoint/2010/main" xmlns:dgm="http://schemas.openxmlformats.org/drawingml/2006/diagram" xmlns:a14="http://schemas.microsoft.com/office/drawing/2010/main" w="9525">
+                <a14:hiddenLine xmlns:a14="http://schemas.microsoft.com/office/drawing/2010/main" xmlns:dgm="http://schemas.openxmlformats.org/drawingml/2006/diagram" xmlns:p14="http://schemas.microsoft.com/office/powerpoint/2010/main" xmlns="" w="9525">
                   <a:solidFill>
                     <a:srgbClr val="000000"/>
                   </a:solidFill>
@@ -29684,7 +29685,7 @@
             </a:ln>
             <a:extLst>
               <a:ext uri="{91240B29-F687-4f45-9708-019B960494DF}">
-                <a14:hiddenLine xmlns="" xmlns:p14="http://schemas.microsoft.com/office/powerpoint/2010/main" xmlns:dgm="http://schemas.openxmlformats.org/drawingml/2006/diagram" xmlns:a14="http://schemas.microsoft.com/office/drawing/2010/main" w="9525">
+                <a14:hiddenLine xmlns:a14="http://schemas.microsoft.com/office/drawing/2010/main" xmlns:dgm="http://schemas.openxmlformats.org/drawingml/2006/diagram" xmlns:p14="http://schemas.microsoft.com/office/powerpoint/2010/main" xmlns="" w="9525">
                   <a:solidFill>
                     <a:srgbClr val="000000"/>
                   </a:solidFill>
@@ -29761,7 +29762,7 @@
             </a:ln>
             <a:extLst>
               <a:ext uri="{91240B29-F687-4f45-9708-019B960494DF}">
-                <a14:hiddenLine xmlns="" xmlns:p14="http://schemas.microsoft.com/office/powerpoint/2010/main" xmlns:dgm="http://schemas.openxmlformats.org/drawingml/2006/diagram" xmlns:a14="http://schemas.microsoft.com/office/drawing/2010/main" w="9525">
+                <a14:hiddenLine xmlns:a14="http://schemas.microsoft.com/office/drawing/2010/main" xmlns:dgm="http://schemas.openxmlformats.org/drawingml/2006/diagram" xmlns:p14="http://schemas.microsoft.com/office/powerpoint/2010/main" xmlns="" w="9525">
                   <a:solidFill>
                     <a:srgbClr val="000000"/>
                   </a:solidFill>
@@ -29835,7 +29836,7 @@
             </a:ln>
             <a:extLst>
               <a:ext uri="{91240B29-F687-4f45-9708-019B960494DF}">
-                <a14:hiddenLine xmlns="" xmlns:p14="http://schemas.microsoft.com/office/powerpoint/2010/main" xmlns:dgm="http://schemas.openxmlformats.org/drawingml/2006/diagram" xmlns:a14="http://schemas.microsoft.com/office/drawing/2010/main" w="9525">
+                <a14:hiddenLine xmlns:a14="http://schemas.microsoft.com/office/drawing/2010/main" xmlns:dgm="http://schemas.openxmlformats.org/drawingml/2006/diagram" xmlns:p14="http://schemas.microsoft.com/office/powerpoint/2010/main" xmlns="" w="9525">
                   <a:solidFill>
                     <a:srgbClr val="000000"/>
                   </a:solidFill>
@@ -29937,7 +29938,7 @@
             </a:ln>
             <a:extLst>
               <a:ext uri="{91240B29-F687-4f45-9708-019B960494DF}">
-                <a14:hiddenLine xmlns="" xmlns:p14="http://schemas.microsoft.com/office/powerpoint/2010/main" xmlns:dgm="http://schemas.openxmlformats.org/drawingml/2006/diagram" xmlns:a14="http://schemas.microsoft.com/office/drawing/2010/main" w="9525">
+                <a14:hiddenLine xmlns:a14="http://schemas.microsoft.com/office/drawing/2010/main" xmlns:dgm="http://schemas.openxmlformats.org/drawingml/2006/diagram" xmlns:p14="http://schemas.microsoft.com/office/powerpoint/2010/main" xmlns="" w="9525">
                   <a:solidFill>
                     <a:srgbClr val="000000"/>
                   </a:solidFill>
@@ -30039,7 +30040,7 @@
             </a:ln>
             <a:extLst>
               <a:ext uri="{91240B29-F687-4f45-9708-019B960494DF}">
-                <a14:hiddenLine xmlns="" xmlns:p14="http://schemas.microsoft.com/office/powerpoint/2010/main" xmlns:dgm="http://schemas.openxmlformats.org/drawingml/2006/diagram" xmlns:a14="http://schemas.microsoft.com/office/drawing/2010/main" w="9525">
+                <a14:hiddenLine xmlns:a14="http://schemas.microsoft.com/office/drawing/2010/main" xmlns:dgm="http://schemas.openxmlformats.org/drawingml/2006/diagram" xmlns:p14="http://schemas.microsoft.com/office/powerpoint/2010/main" xmlns="" w="9525">
                   <a:solidFill>
                     <a:srgbClr val="000000"/>
                   </a:solidFill>
@@ -30116,7 +30117,7 @@
             </a:ln>
             <a:extLst>
               <a:ext uri="{91240B29-F687-4f45-9708-019B960494DF}">
-                <a14:hiddenLine xmlns="" xmlns:p14="http://schemas.microsoft.com/office/powerpoint/2010/main" xmlns:dgm="http://schemas.openxmlformats.org/drawingml/2006/diagram" xmlns:a14="http://schemas.microsoft.com/office/drawing/2010/main" w="9525">
+                <a14:hiddenLine xmlns:a14="http://schemas.microsoft.com/office/drawing/2010/main" xmlns:dgm="http://schemas.openxmlformats.org/drawingml/2006/diagram" xmlns:p14="http://schemas.microsoft.com/office/powerpoint/2010/main" xmlns="" w="9525">
                   <a:solidFill>
                     <a:srgbClr val="000000"/>
                   </a:solidFill>
@@ -30248,7 +30249,7 @@
             </a:ln>
             <a:extLst>
               <a:ext uri="{91240B29-F687-4f45-9708-019B960494DF}">
-                <a14:hiddenLine xmlns="" xmlns:p14="http://schemas.microsoft.com/office/powerpoint/2010/main" xmlns:dgm="http://schemas.openxmlformats.org/drawingml/2006/diagram" xmlns:a14="http://schemas.microsoft.com/office/drawing/2010/main" w="9525">
+                <a14:hiddenLine xmlns:a14="http://schemas.microsoft.com/office/drawing/2010/main" xmlns:dgm="http://schemas.openxmlformats.org/drawingml/2006/diagram" xmlns:p14="http://schemas.microsoft.com/office/powerpoint/2010/main" xmlns="" w="9525">
                   <a:solidFill>
                     <a:srgbClr val="000000"/>
                   </a:solidFill>
@@ -30370,7 +30371,7 @@
             </a:ln>
             <a:extLst>
               <a:ext uri="{91240B29-F687-4f45-9708-019B960494DF}">
-                <a14:hiddenLine xmlns="" xmlns:p14="http://schemas.microsoft.com/office/powerpoint/2010/main" xmlns:dgm="http://schemas.openxmlformats.org/drawingml/2006/diagram" xmlns:a14="http://schemas.microsoft.com/office/drawing/2010/main" w="9525">
+                <a14:hiddenLine xmlns:a14="http://schemas.microsoft.com/office/drawing/2010/main" xmlns:dgm="http://schemas.openxmlformats.org/drawingml/2006/diagram" xmlns:p14="http://schemas.microsoft.com/office/powerpoint/2010/main" xmlns="" w="9525">
                   <a:solidFill>
                     <a:srgbClr val="000000"/>
                   </a:solidFill>
@@ -30497,7 +30498,7 @@
             </a:ln>
             <a:extLst>
               <a:ext uri="{91240B29-F687-4f45-9708-019B960494DF}">
-                <a14:hiddenLine xmlns="" xmlns:p14="http://schemas.microsoft.com/office/powerpoint/2010/main" xmlns:dgm="http://schemas.openxmlformats.org/drawingml/2006/diagram" xmlns:a14="http://schemas.microsoft.com/office/drawing/2010/main" w="9525">
+                <a14:hiddenLine xmlns:a14="http://schemas.microsoft.com/office/drawing/2010/main" xmlns:dgm="http://schemas.openxmlformats.org/drawingml/2006/diagram" xmlns:p14="http://schemas.microsoft.com/office/powerpoint/2010/main" xmlns="" w="9525">
                   <a:solidFill>
                     <a:srgbClr val="000000"/>
                   </a:solidFill>
@@ -30599,7 +30600,7 @@
             </a:ln>
             <a:extLst>
               <a:ext uri="{91240B29-F687-4f45-9708-019B960494DF}">
-                <a14:hiddenLine xmlns="" xmlns:p14="http://schemas.microsoft.com/office/powerpoint/2010/main" xmlns:dgm="http://schemas.openxmlformats.org/drawingml/2006/diagram" xmlns:a14="http://schemas.microsoft.com/office/drawing/2010/main" w="9525">
+                <a14:hiddenLine xmlns:a14="http://schemas.microsoft.com/office/drawing/2010/main" xmlns:dgm="http://schemas.openxmlformats.org/drawingml/2006/diagram" xmlns:p14="http://schemas.microsoft.com/office/powerpoint/2010/main" xmlns="" w="9525">
                   <a:solidFill>
                     <a:srgbClr val="000000"/>
                   </a:solidFill>
@@ -30676,7 +30677,7 @@
             </a:ln>
             <a:extLst>
               <a:ext uri="{91240B29-F687-4f45-9708-019B960494DF}">
-                <a14:hiddenLine xmlns="" xmlns:p14="http://schemas.microsoft.com/office/powerpoint/2010/main" xmlns:dgm="http://schemas.openxmlformats.org/drawingml/2006/diagram" xmlns:a14="http://schemas.microsoft.com/office/drawing/2010/main" w="9525">
+                <a14:hiddenLine xmlns:a14="http://schemas.microsoft.com/office/drawing/2010/main" xmlns:dgm="http://schemas.openxmlformats.org/drawingml/2006/diagram" xmlns:p14="http://schemas.microsoft.com/office/powerpoint/2010/main" xmlns="" w="9525">
                   <a:solidFill>
                     <a:srgbClr val="000000"/>
                   </a:solidFill>
@@ -30778,7 +30779,7 @@
             </a:ln>
             <a:extLst>
               <a:ext uri="{91240B29-F687-4f45-9708-019B960494DF}">
-                <a14:hiddenLine xmlns="" xmlns:p14="http://schemas.microsoft.com/office/powerpoint/2010/main" xmlns:dgm="http://schemas.openxmlformats.org/drawingml/2006/diagram" xmlns:a14="http://schemas.microsoft.com/office/drawing/2010/main" w="9525">
+                <a14:hiddenLine xmlns:a14="http://schemas.microsoft.com/office/drawing/2010/main" xmlns:dgm="http://schemas.openxmlformats.org/drawingml/2006/diagram" xmlns:p14="http://schemas.microsoft.com/office/powerpoint/2010/main" xmlns="" w="9525">
                   <a:solidFill>
                     <a:srgbClr val="000000"/>
                   </a:solidFill>
@@ -30858,7 +30859,7 @@
             </a:ln>
             <a:extLst>
               <a:ext uri="{91240B29-F687-4f45-9708-019B960494DF}">
-                <a14:hiddenLine xmlns="" xmlns:p14="http://schemas.microsoft.com/office/powerpoint/2010/main" xmlns:dgm="http://schemas.openxmlformats.org/drawingml/2006/diagram" xmlns:a14="http://schemas.microsoft.com/office/drawing/2010/main" w="9525">
+                <a14:hiddenLine xmlns:a14="http://schemas.microsoft.com/office/drawing/2010/main" xmlns:dgm="http://schemas.openxmlformats.org/drawingml/2006/diagram" xmlns:p14="http://schemas.microsoft.com/office/powerpoint/2010/main" xmlns="" w="9525">
                   <a:solidFill>
                     <a:srgbClr val="000000"/>
                   </a:solidFill>
@@ -30960,7 +30961,7 @@
             </a:ln>
             <a:extLst>
               <a:ext uri="{91240B29-F687-4f45-9708-019B960494DF}">
-                <a14:hiddenLine xmlns="" xmlns:p14="http://schemas.microsoft.com/office/powerpoint/2010/main" xmlns:dgm="http://schemas.openxmlformats.org/drawingml/2006/diagram" xmlns:a14="http://schemas.microsoft.com/office/drawing/2010/main" w="9525">
+                <a14:hiddenLine xmlns:a14="http://schemas.microsoft.com/office/drawing/2010/main" xmlns:dgm="http://schemas.openxmlformats.org/drawingml/2006/diagram" xmlns:p14="http://schemas.microsoft.com/office/powerpoint/2010/main" xmlns="" w="9525">
                   <a:solidFill>
                     <a:srgbClr val="000000"/>
                   </a:solidFill>
@@ -31040,7 +31041,7 @@
             </a:ln>
             <a:extLst>
               <a:ext uri="{91240B29-F687-4f45-9708-019B960494DF}">
-                <a14:hiddenLine xmlns="" xmlns:p14="http://schemas.microsoft.com/office/powerpoint/2010/main" xmlns:dgm="http://schemas.openxmlformats.org/drawingml/2006/diagram" xmlns:a14="http://schemas.microsoft.com/office/drawing/2010/main" w="9525">
+                <a14:hiddenLine xmlns:a14="http://schemas.microsoft.com/office/drawing/2010/main" xmlns:dgm="http://schemas.openxmlformats.org/drawingml/2006/diagram" xmlns:p14="http://schemas.microsoft.com/office/powerpoint/2010/main" xmlns="" w="9525">
                   <a:solidFill>
                     <a:srgbClr val="000000"/>
                   </a:solidFill>
@@ -31142,7 +31143,7 @@
             </a:ln>
             <a:extLst>
               <a:ext uri="{91240B29-F687-4f45-9708-019B960494DF}">
-                <a14:hiddenLine xmlns="" xmlns:p14="http://schemas.microsoft.com/office/powerpoint/2010/main" xmlns:dgm="http://schemas.openxmlformats.org/drawingml/2006/diagram" xmlns:a14="http://schemas.microsoft.com/office/drawing/2010/main" w="9525">
+                <a14:hiddenLine xmlns:a14="http://schemas.microsoft.com/office/drawing/2010/main" xmlns:dgm="http://schemas.openxmlformats.org/drawingml/2006/diagram" xmlns:p14="http://schemas.microsoft.com/office/powerpoint/2010/main" xmlns="" w="9525">
                   <a:solidFill>
                     <a:srgbClr val="000000"/>
                   </a:solidFill>
@@ -31188,7 +31189,7 @@
             </a:ln>
             <a:extLst>
               <a:ext uri="{91240B29-F687-4f45-9708-019B960494DF}">
-                <a14:hiddenLine xmlns="" xmlns:p14="http://schemas.microsoft.com/office/powerpoint/2010/main" xmlns:dgm="http://schemas.openxmlformats.org/drawingml/2006/diagram" xmlns:a14="http://schemas.microsoft.com/office/drawing/2010/main" w="9525">
+                <a14:hiddenLine xmlns:a14="http://schemas.microsoft.com/office/drawing/2010/main" xmlns:dgm="http://schemas.openxmlformats.org/drawingml/2006/diagram" xmlns:p14="http://schemas.microsoft.com/office/powerpoint/2010/main" xmlns="" w="9525">
                   <a:solidFill>
                     <a:srgbClr val="000000"/>
                   </a:solidFill>
@@ -31440,7 +31441,7 @@
           <a:noFill/>
           <a:extLst>
             <a:ext uri="{909E8E84-426E-40dd-AFC4-6F175D3DCCD1}">
-              <a14:hiddenFill xmlns="" xmlns:p14="http://schemas.microsoft.com/office/powerpoint/2010/main" xmlns:a14="http://schemas.microsoft.com/office/drawing/2010/main">
+              <a14:hiddenFill xmlns:a14="http://schemas.microsoft.com/office/drawing/2010/main" xmlns:p14="http://schemas.microsoft.com/office/powerpoint/2010/main" xmlns="">
                 <a:solidFill>
                   <a:srgbClr val="FFFFFF"/>
                 </a:solidFill>
@@ -31526,7 +31527,7 @@
             </a:ln>
             <a:extLst>
               <a:ext uri="{91240B29-F687-4f45-9708-019B960494DF}">
-                <a14:hiddenLine xmlns="" xmlns:p14="http://schemas.microsoft.com/office/powerpoint/2010/main" xmlns:a14="http://schemas.microsoft.com/office/drawing/2010/main" w="9525">
+                <a14:hiddenLine xmlns:a14="http://schemas.microsoft.com/office/drawing/2010/main" xmlns:p14="http://schemas.microsoft.com/office/powerpoint/2010/main" xmlns="" w="9525">
                   <a:solidFill>
                     <a:srgbClr val="000000"/>
                   </a:solidFill>
@@ -31628,7 +31629,7 @@
             </a:ln>
             <a:extLst>
               <a:ext uri="{91240B29-F687-4f45-9708-019B960494DF}">
-                <a14:hiddenLine xmlns="" xmlns:p14="http://schemas.microsoft.com/office/powerpoint/2010/main" xmlns:a14="http://schemas.microsoft.com/office/drawing/2010/main" w="9525">
+                <a14:hiddenLine xmlns:a14="http://schemas.microsoft.com/office/drawing/2010/main" xmlns:p14="http://schemas.microsoft.com/office/powerpoint/2010/main" xmlns="" w="9525">
                   <a:solidFill>
                     <a:srgbClr val="000000"/>
                   </a:solidFill>
@@ -31730,7 +31731,7 @@
             </a:ln>
             <a:extLst>
               <a:ext uri="{91240B29-F687-4f45-9708-019B960494DF}">
-                <a14:hiddenLine xmlns="" xmlns:p14="http://schemas.microsoft.com/office/powerpoint/2010/main" xmlns:a14="http://schemas.microsoft.com/office/drawing/2010/main" w="9525">
+                <a14:hiddenLine xmlns:a14="http://schemas.microsoft.com/office/drawing/2010/main" xmlns:p14="http://schemas.microsoft.com/office/powerpoint/2010/main" xmlns="" w="9525">
                   <a:solidFill>
                     <a:srgbClr val="000000"/>
                   </a:solidFill>
@@ -31776,7 +31777,7 @@
             </a:ln>
             <a:extLst>
               <a:ext uri="{91240B29-F687-4f45-9708-019B960494DF}">
-                <a14:hiddenLine xmlns="" xmlns:p14="http://schemas.microsoft.com/office/powerpoint/2010/main" xmlns:a14="http://schemas.microsoft.com/office/drawing/2010/main" w="9525">
+                <a14:hiddenLine xmlns:a14="http://schemas.microsoft.com/office/drawing/2010/main" xmlns:p14="http://schemas.microsoft.com/office/powerpoint/2010/main" xmlns="" w="9525">
                   <a:solidFill>
                     <a:srgbClr val="000000"/>
                   </a:solidFill>
@@ -31878,7 +31879,7 @@
             </a:ln>
             <a:extLst>
               <a:ext uri="{91240B29-F687-4f45-9708-019B960494DF}">
-                <a14:hiddenLine xmlns="" xmlns:p14="http://schemas.microsoft.com/office/powerpoint/2010/main" xmlns:a14="http://schemas.microsoft.com/office/drawing/2010/main" w="9525">
+                <a14:hiddenLine xmlns:a14="http://schemas.microsoft.com/office/drawing/2010/main" xmlns:p14="http://schemas.microsoft.com/office/powerpoint/2010/main" xmlns="" w="9525">
                   <a:solidFill>
                     <a:srgbClr val="000000"/>
                   </a:solidFill>
@@ -31952,7 +31953,7 @@
             </a:ln>
             <a:extLst>
               <a:ext uri="{91240B29-F687-4f45-9708-019B960494DF}">
-                <a14:hiddenLine xmlns="" xmlns:p14="http://schemas.microsoft.com/office/powerpoint/2010/main" xmlns:a14="http://schemas.microsoft.com/office/drawing/2010/main" w="9525">
+                <a14:hiddenLine xmlns:a14="http://schemas.microsoft.com/office/drawing/2010/main" xmlns:p14="http://schemas.microsoft.com/office/powerpoint/2010/main" xmlns="" w="9525">
                   <a:solidFill>
                     <a:srgbClr val="000000"/>
                   </a:solidFill>
@@ -32026,7 +32027,7 @@
             </a:ln>
             <a:extLst>
               <a:ext uri="{91240B29-F687-4f45-9708-019B960494DF}">
-                <a14:hiddenLine xmlns="" xmlns:p14="http://schemas.microsoft.com/office/powerpoint/2010/main" xmlns:a14="http://schemas.microsoft.com/office/drawing/2010/main" w="9525">
+                <a14:hiddenLine xmlns:a14="http://schemas.microsoft.com/office/drawing/2010/main" xmlns:p14="http://schemas.microsoft.com/office/powerpoint/2010/main" xmlns="" w="9525">
                   <a:solidFill>
                     <a:srgbClr val="000000"/>
                   </a:solidFill>
@@ -32128,7 +32129,7 @@
             </a:ln>
             <a:extLst>
               <a:ext uri="{91240B29-F687-4f45-9708-019B960494DF}">
-                <a14:hiddenLine xmlns="" xmlns:p14="http://schemas.microsoft.com/office/powerpoint/2010/main" xmlns:a14="http://schemas.microsoft.com/office/drawing/2010/main" w="9525">
+                <a14:hiddenLine xmlns:a14="http://schemas.microsoft.com/office/drawing/2010/main" xmlns:p14="http://schemas.microsoft.com/office/powerpoint/2010/main" xmlns="" w="9525">
                   <a:solidFill>
                     <a:srgbClr val="000000"/>
                   </a:solidFill>
@@ -32202,7 +32203,7 @@
             </a:ln>
             <a:extLst>
               <a:ext uri="{91240B29-F687-4f45-9708-019B960494DF}">
-                <a14:hiddenLine xmlns="" xmlns:p14="http://schemas.microsoft.com/office/powerpoint/2010/main" xmlns:a14="http://schemas.microsoft.com/office/drawing/2010/main" w="9525">
+                <a14:hiddenLine xmlns:a14="http://schemas.microsoft.com/office/drawing/2010/main" xmlns:p14="http://schemas.microsoft.com/office/powerpoint/2010/main" xmlns="" w="9525">
                   <a:solidFill>
                     <a:srgbClr val="000000"/>
                   </a:solidFill>
@@ -32276,7 +32277,7 @@
             </a:ln>
             <a:extLst>
               <a:ext uri="{91240B29-F687-4f45-9708-019B960494DF}">
-                <a14:hiddenLine xmlns="" xmlns:p14="http://schemas.microsoft.com/office/powerpoint/2010/main" xmlns:a14="http://schemas.microsoft.com/office/drawing/2010/main" w="9525">
+                <a14:hiddenLine xmlns:a14="http://schemas.microsoft.com/office/drawing/2010/main" xmlns:p14="http://schemas.microsoft.com/office/powerpoint/2010/main" xmlns="" w="9525">
                   <a:solidFill>
                     <a:srgbClr val="000000"/>
                   </a:solidFill>
@@ -32378,7 +32379,7 @@
             </a:ln>
             <a:extLst>
               <a:ext uri="{91240B29-F687-4f45-9708-019B960494DF}">
-                <a14:hiddenLine xmlns="" xmlns:p14="http://schemas.microsoft.com/office/powerpoint/2010/main" xmlns:a14="http://schemas.microsoft.com/office/drawing/2010/main" w="9525">
+                <a14:hiddenLine xmlns:a14="http://schemas.microsoft.com/office/drawing/2010/main" xmlns:p14="http://schemas.microsoft.com/office/powerpoint/2010/main" xmlns="" w="9525">
                   <a:solidFill>
                     <a:srgbClr val="000000"/>
                   </a:solidFill>
@@ -32480,7 +32481,7 @@
             </a:ln>
             <a:extLst>
               <a:ext uri="{91240B29-F687-4f45-9708-019B960494DF}">
-                <a14:hiddenLine xmlns="" xmlns:p14="http://schemas.microsoft.com/office/powerpoint/2010/main" xmlns:a14="http://schemas.microsoft.com/office/drawing/2010/main" w="9525">
+                <a14:hiddenLine xmlns:a14="http://schemas.microsoft.com/office/drawing/2010/main" xmlns:p14="http://schemas.microsoft.com/office/powerpoint/2010/main" xmlns="" w="9525">
                   <a:solidFill>
                     <a:srgbClr val="000000"/>
                   </a:solidFill>
@@ -32554,7 +32555,7 @@
             </a:ln>
             <a:extLst>
               <a:ext uri="{91240B29-F687-4f45-9708-019B960494DF}">
-                <a14:hiddenLine xmlns="" xmlns:p14="http://schemas.microsoft.com/office/powerpoint/2010/main" xmlns:a14="http://schemas.microsoft.com/office/drawing/2010/main" w="9525">
+                <a14:hiddenLine xmlns:a14="http://schemas.microsoft.com/office/drawing/2010/main" xmlns:p14="http://schemas.microsoft.com/office/powerpoint/2010/main" xmlns="" w="9525">
                   <a:solidFill>
                     <a:srgbClr val="000000"/>
                   </a:solidFill>
@@ -32676,7 +32677,7 @@
             </a:ln>
             <a:extLst>
               <a:ext uri="{91240B29-F687-4f45-9708-019B960494DF}">
-                <a14:hiddenLine xmlns="" xmlns:p14="http://schemas.microsoft.com/office/powerpoint/2010/main" xmlns:a14="http://schemas.microsoft.com/office/drawing/2010/main" w="9525">
+                <a14:hiddenLine xmlns:a14="http://schemas.microsoft.com/office/drawing/2010/main" xmlns:p14="http://schemas.microsoft.com/office/powerpoint/2010/main" xmlns="" w="9525">
                   <a:solidFill>
                     <a:srgbClr val="000000"/>
                   </a:solidFill>
@@ -32750,7 +32751,7 @@
             </a:ln>
             <a:extLst>
               <a:ext uri="{91240B29-F687-4f45-9708-019B960494DF}">
-                <a14:hiddenLine xmlns="" xmlns:p14="http://schemas.microsoft.com/office/powerpoint/2010/main" xmlns:a14="http://schemas.microsoft.com/office/drawing/2010/main" w="9525">
+                <a14:hiddenLine xmlns:a14="http://schemas.microsoft.com/office/drawing/2010/main" xmlns:p14="http://schemas.microsoft.com/office/powerpoint/2010/main" xmlns="" w="9525">
                   <a:solidFill>
                     <a:srgbClr val="000000"/>
                   </a:solidFill>
@@ -32852,7 +32853,7 @@
             </a:ln>
             <a:extLst>
               <a:ext uri="{91240B29-F687-4f45-9708-019B960494DF}">
-                <a14:hiddenLine xmlns="" xmlns:p14="http://schemas.microsoft.com/office/powerpoint/2010/main" xmlns:a14="http://schemas.microsoft.com/office/drawing/2010/main" w="9525">
+                <a14:hiddenLine xmlns:a14="http://schemas.microsoft.com/office/drawing/2010/main" xmlns:p14="http://schemas.microsoft.com/office/powerpoint/2010/main" xmlns="" w="9525">
                   <a:solidFill>
                     <a:srgbClr val="000000"/>
                   </a:solidFill>
@@ -32954,7 +32955,7 @@
             </a:ln>
             <a:extLst>
               <a:ext uri="{91240B29-F687-4f45-9708-019B960494DF}">
-                <a14:hiddenLine xmlns="" xmlns:p14="http://schemas.microsoft.com/office/powerpoint/2010/main" xmlns:a14="http://schemas.microsoft.com/office/drawing/2010/main" w="9525">
+                <a14:hiddenLine xmlns:a14="http://schemas.microsoft.com/office/drawing/2010/main" xmlns:p14="http://schemas.microsoft.com/office/powerpoint/2010/main" xmlns="" w="9525">
                   <a:solidFill>
                     <a:srgbClr val="000000"/>
                   </a:solidFill>
@@ -33028,7 +33029,7 @@
             </a:ln>
             <a:extLst>
               <a:ext uri="{91240B29-F687-4f45-9708-019B960494DF}">
-                <a14:hiddenLine xmlns="" xmlns:p14="http://schemas.microsoft.com/office/powerpoint/2010/main" xmlns:a14="http://schemas.microsoft.com/office/drawing/2010/main" w="9525">
+                <a14:hiddenLine xmlns:a14="http://schemas.microsoft.com/office/drawing/2010/main" xmlns:p14="http://schemas.microsoft.com/office/powerpoint/2010/main" xmlns="" w="9525">
                   <a:solidFill>
                     <a:srgbClr val="000000"/>
                   </a:solidFill>
@@ -33130,7 +33131,7 @@
             </a:ln>
             <a:extLst>
               <a:ext uri="{91240B29-F687-4f45-9708-019B960494DF}">
-                <a14:hiddenLine xmlns="" xmlns:p14="http://schemas.microsoft.com/office/powerpoint/2010/main" xmlns:a14="http://schemas.microsoft.com/office/drawing/2010/main" w="9525">
+                <a14:hiddenLine xmlns:a14="http://schemas.microsoft.com/office/drawing/2010/main" xmlns:p14="http://schemas.microsoft.com/office/powerpoint/2010/main" xmlns="" w="9525">
                   <a:solidFill>
                     <a:srgbClr val="000000"/>
                   </a:solidFill>
@@ -33232,7 +33233,7 @@
             </a:ln>
             <a:extLst>
               <a:ext uri="{91240B29-F687-4f45-9708-019B960494DF}">
-                <a14:hiddenLine xmlns="" xmlns:p14="http://schemas.microsoft.com/office/powerpoint/2010/main" xmlns:a14="http://schemas.microsoft.com/office/drawing/2010/main" w="9525">
+                <a14:hiddenLine xmlns:a14="http://schemas.microsoft.com/office/drawing/2010/main" xmlns:p14="http://schemas.microsoft.com/office/powerpoint/2010/main" xmlns="" w="9525">
                   <a:solidFill>
                     <a:srgbClr val="000000"/>
                   </a:solidFill>
@@ -33300,7 +33301,7 @@
             </a:ln>
             <a:extLst>
               <a:ext uri="{91240B29-F687-4f45-9708-019B960494DF}">
-                <a14:hiddenLine xmlns="" xmlns:p14="http://schemas.microsoft.com/office/powerpoint/2010/main" xmlns:a14="http://schemas.microsoft.com/office/drawing/2010/main" w="9525">
+                <a14:hiddenLine xmlns:a14="http://schemas.microsoft.com/office/drawing/2010/main" xmlns:p14="http://schemas.microsoft.com/office/powerpoint/2010/main" xmlns="" w="9525">
                   <a:solidFill>
                     <a:srgbClr val="000000"/>
                   </a:solidFill>
@@ -33402,7 +33403,7 @@
             </a:ln>
             <a:extLst>
               <a:ext uri="{91240B29-F687-4f45-9708-019B960494DF}">
-                <a14:hiddenLine xmlns="" xmlns:p14="http://schemas.microsoft.com/office/powerpoint/2010/main" xmlns:a14="http://schemas.microsoft.com/office/drawing/2010/main" w="9525">
+                <a14:hiddenLine xmlns:a14="http://schemas.microsoft.com/office/drawing/2010/main" xmlns:p14="http://schemas.microsoft.com/office/powerpoint/2010/main" xmlns="" w="9525">
                   <a:solidFill>
                     <a:srgbClr val="000000"/>
                   </a:solidFill>
@@ -33470,7 +33471,7 @@
             </a:ln>
             <a:extLst>
               <a:ext uri="{91240B29-F687-4f45-9708-019B960494DF}">
-                <a14:hiddenLine xmlns="" xmlns:p14="http://schemas.microsoft.com/office/powerpoint/2010/main" xmlns:a14="http://schemas.microsoft.com/office/drawing/2010/main" w="9525">
+                <a14:hiddenLine xmlns:a14="http://schemas.microsoft.com/office/drawing/2010/main" xmlns:p14="http://schemas.microsoft.com/office/powerpoint/2010/main" xmlns="" w="9525">
                   <a:solidFill>
                     <a:srgbClr val="000000"/>
                   </a:solidFill>
@@ -33572,7 +33573,7 @@
             </a:ln>
             <a:extLst>
               <a:ext uri="{91240B29-F687-4f45-9708-019B960494DF}">
-                <a14:hiddenLine xmlns="" xmlns:p14="http://schemas.microsoft.com/office/powerpoint/2010/main" xmlns:a14="http://schemas.microsoft.com/office/drawing/2010/main" w="9525">
+                <a14:hiddenLine xmlns:a14="http://schemas.microsoft.com/office/drawing/2010/main" xmlns:p14="http://schemas.microsoft.com/office/powerpoint/2010/main" xmlns="" w="9525">
                   <a:solidFill>
                     <a:srgbClr val="000000"/>
                   </a:solidFill>
@@ -33652,7 +33653,7 @@
             </a:ln>
             <a:extLst>
               <a:ext uri="{91240B29-F687-4f45-9708-019B960494DF}">
-                <a14:hiddenLine xmlns="" xmlns:p14="http://schemas.microsoft.com/office/powerpoint/2010/main" xmlns:a14="http://schemas.microsoft.com/office/drawing/2010/main" w="9525">
+                <a14:hiddenLine xmlns:a14="http://schemas.microsoft.com/office/drawing/2010/main" xmlns:p14="http://schemas.microsoft.com/office/powerpoint/2010/main" xmlns="" w="9525">
                   <a:solidFill>
                     <a:srgbClr val="000000"/>
                   </a:solidFill>
@@ -33754,7 +33755,7 @@
             </a:ln>
             <a:extLst>
               <a:ext uri="{91240B29-F687-4f45-9708-019B960494DF}">
-                <a14:hiddenLine xmlns="" xmlns:p14="http://schemas.microsoft.com/office/powerpoint/2010/main" xmlns:a14="http://schemas.microsoft.com/office/drawing/2010/main" w="9525">
+                <a14:hiddenLine xmlns:a14="http://schemas.microsoft.com/office/drawing/2010/main" xmlns:p14="http://schemas.microsoft.com/office/powerpoint/2010/main" xmlns="" w="9525">
                   <a:solidFill>
                     <a:srgbClr val="000000"/>
                   </a:solidFill>
@@ -33834,7 +33835,7 @@
             </a:ln>
             <a:extLst>
               <a:ext uri="{91240B29-F687-4f45-9708-019B960494DF}">
-                <a14:hiddenLine xmlns="" xmlns:p14="http://schemas.microsoft.com/office/powerpoint/2010/main" xmlns:a14="http://schemas.microsoft.com/office/drawing/2010/main" w="9525">
+                <a14:hiddenLine xmlns:a14="http://schemas.microsoft.com/office/drawing/2010/main" xmlns:p14="http://schemas.microsoft.com/office/powerpoint/2010/main" xmlns="" w="9525">
                   <a:solidFill>
                     <a:srgbClr val="000000"/>
                   </a:solidFill>
@@ -33936,7 +33937,7 @@
             </a:ln>
             <a:extLst>
               <a:ext uri="{91240B29-F687-4f45-9708-019B960494DF}">
-                <a14:hiddenLine xmlns="" xmlns:p14="http://schemas.microsoft.com/office/powerpoint/2010/main" xmlns:a14="http://schemas.microsoft.com/office/drawing/2010/main" w="9525">
+                <a14:hiddenLine xmlns:a14="http://schemas.microsoft.com/office/drawing/2010/main" xmlns:p14="http://schemas.microsoft.com/office/powerpoint/2010/main" xmlns="" w="9525">
                   <a:solidFill>
                     <a:srgbClr val="000000"/>
                   </a:solidFill>
@@ -33982,7 +33983,7 @@
             </a:ln>
             <a:extLst>
               <a:ext uri="{91240B29-F687-4f45-9708-019B960494DF}">
-                <a14:hiddenLine xmlns="" xmlns:p14="http://schemas.microsoft.com/office/powerpoint/2010/main" xmlns:a14="http://schemas.microsoft.com/office/drawing/2010/main" w="9525">
+                <a14:hiddenLine xmlns:a14="http://schemas.microsoft.com/office/drawing/2010/main" xmlns:p14="http://schemas.microsoft.com/office/powerpoint/2010/main" xmlns="" w="9525">
                   <a:solidFill>
                     <a:srgbClr val="000000"/>
                   </a:solidFill>
@@ -34084,7 +34085,7 @@
             </a:ln>
             <a:extLst>
               <a:ext uri="{91240B29-F687-4f45-9708-019B960494DF}">
-                <a14:hiddenLine xmlns="" xmlns:p14="http://schemas.microsoft.com/office/powerpoint/2010/main" xmlns:a14="http://schemas.microsoft.com/office/drawing/2010/main" w="9525">
+                <a14:hiddenLine xmlns:a14="http://schemas.microsoft.com/office/drawing/2010/main" xmlns:p14="http://schemas.microsoft.com/office/powerpoint/2010/main" xmlns="" w="9525">
                   <a:solidFill>
                     <a:srgbClr val="000000"/>
                   </a:solidFill>
@@ -34158,7 +34159,7 @@
             </a:ln>
             <a:extLst>
               <a:ext uri="{91240B29-F687-4f45-9708-019B960494DF}">
-                <a14:hiddenLine xmlns="" xmlns:p14="http://schemas.microsoft.com/office/powerpoint/2010/main" xmlns:a14="http://schemas.microsoft.com/office/drawing/2010/main" w="9525">
+                <a14:hiddenLine xmlns:a14="http://schemas.microsoft.com/office/drawing/2010/main" xmlns:p14="http://schemas.microsoft.com/office/powerpoint/2010/main" xmlns="" w="9525">
                   <a:solidFill>
                     <a:srgbClr val="000000"/>
                   </a:solidFill>
@@ -34232,7 +34233,7 @@
             </a:ln>
             <a:extLst>
               <a:ext uri="{91240B29-F687-4f45-9708-019B960494DF}">
-                <a14:hiddenLine xmlns="" xmlns:p14="http://schemas.microsoft.com/office/powerpoint/2010/main" xmlns:a14="http://schemas.microsoft.com/office/drawing/2010/main" w="9525">
+                <a14:hiddenLine xmlns:a14="http://schemas.microsoft.com/office/drawing/2010/main" xmlns:p14="http://schemas.microsoft.com/office/powerpoint/2010/main" xmlns="" w="9525">
                   <a:solidFill>
                     <a:srgbClr val="000000"/>
                   </a:solidFill>
@@ -34334,7 +34335,7 @@
             </a:ln>
             <a:extLst>
               <a:ext uri="{91240B29-F687-4f45-9708-019B960494DF}">
-                <a14:hiddenLine xmlns="" xmlns:p14="http://schemas.microsoft.com/office/powerpoint/2010/main" xmlns:a14="http://schemas.microsoft.com/office/drawing/2010/main" w="9525">
+                <a14:hiddenLine xmlns:a14="http://schemas.microsoft.com/office/drawing/2010/main" xmlns:p14="http://schemas.microsoft.com/office/powerpoint/2010/main" xmlns="" w="9525">
                   <a:solidFill>
                     <a:srgbClr val="000000"/>
                   </a:solidFill>
@@ -34414,7 +34415,7 @@
             </a:ln>
             <a:extLst>
               <a:ext uri="{91240B29-F687-4f45-9708-019B960494DF}">
-                <a14:hiddenLine xmlns="" xmlns:p14="http://schemas.microsoft.com/office/powerpoint/2010/main" xmlns:a14="http://schemas.microsoft.com/office/drawing/2010/main" w="9525">
+                <a14:hiddenLine xmlns:a14="http://schemas.microsoft.com/office/drawing/2010/main" xmlns:p14="http://schemas.microsoft.com/office/powerpoint/2010/main" xmlns="" w="9525">
                   <a:solidFill>
                     <a:srgbClr val="000000"/>
                   </a:solidFill>
@@ -34488,7 +34489,7 @@
             </a:ln>
             <a:extLst>
               <a:ext uri="{91240B29-F687-4f45-9708-019B960494DF}">
-                <a14:hiddenLine xmlns="" xmlns:p14="http://schemas.microsoft.com/office/powerpoint/2010/main" xmlns:a14="http://schemas.microsoft.com/office/drawing/2010/main" w="9525">
+                <a14:hiddenLine xmlns:a14="http://schemas.microsoft.com/office/drawing/2010/main" xmlns:p14="http://schemas.microsoft.com/office/powerpoint/2010/main" xmlns="" w="9525">
                   <a:solidFill>
                     <a:srgbClr val="000000"/>
                   </a:solidFill>
@@ -34590,7 +34591,7 @@
             </a:ln>
             <a:extLst>
               <a:ext uri="{91240B29-F687-4f45-9708-019B960494DF}">
-                <a14:hiddenLine xmlns="" xmlns:p14="http://schemas.microsoft.com/office/powerpoint/2010/main" xmlns:a14="http://schemas.microsoft.com/office/drawing/2010/main" w="9525">
+                <a14:hiddenLine xmlns:a14="http://schemas.microsoft.com/office/drawing/2010/main" xmlns:p14="http://schemas.microsoft.com/office/powerpoint/2010/main" xmlns="" w="9525">
                   <a:solidFill>
                     <a:srgbClr val="000000"/>
                   </a:solidFill>
@@ -34664,7 +34665,7 @@
             </a:ln>
             <a:extLst>
               <a:ext uri="{91240B29-F687-4f45-9708-019B960494DF}">
-                <a14:hiddenLine xmlns="" xmlns:p14="http://schemas.microsoft.com/office/powerpoint/2010/main" xmlns:a14="http://schemas.microsoft.com/office/drawing/2010/main" w="9525">
+                <a14:hiddenLine xmlns:a14="http://schemas.microsoft.com/office/drawing/2010/main" xmlns:p14="http://schemas.microsoft.com/office/powerpoint/2010/main" xmlns="" w="9525">
                   <a:solidFill>
                     <a:srgbClr val="000000"/>
                   </a:solidFill>
@@ -34766,7 +34767,7 @@
             </a:ln>
             <a:extLst>
               <a:ext uri="{91240B29-F687-4f45-9708-019B960494DF}">
-                <a14:hiddenLine xmlns="" xmlns:p14="http://schemas.microsoft.com/office/powerpoint/2010/main" xmlns:a14="http://schemas.microsoft.com/office/drawing/2010/main" w="9525">
+                <a14:hiddenLine xmlns:a14="http://schemas.microsoft.com/office/drawing/2010/main" xmlns:p14="http://schemas.microsoft.com/office/powerpoint/2010/main" xmlns="" w="9525">
                   <a:solidFill>
                     <a:srgbClr val="000000"/>
                   </a:solidFill>
@@ -34840,7 +34841,7 @@
             </a:ln>
             <a:extLst>
               <a:ext uri="{91240B29-F687-4f45-9708-019B960494DF}">
-                <a14:hiddenLine xmlns="" xmlns:p14="http://schemas.microsoft.com/office/powerpoint/2010/main" xmlns:a14="http://schemas.microsoft.com/office/drawing/2010/main" w="9525">
+                <a14:hiddenLine xmlns:a14="http://schemas.microsoft.com/office/drawing/2010/main" xmlns:p14="http://schemas.microsoft.com/office/powerpoint/2010/main" xmlns="" w="9525">
                   <a:solidFill>
                     <a:srgbClr val="000000"/>
                   </a:solidFill>
@@ -34942,7 +34943,7 @@
             </a:ln>
             <a:extLst>
               <a:ext uri="{91240B29-F687-4f45-9708-019B960494DF}">
-                <a14:hiddenLine xmlns="" xmlns:p14="http://schemas.microsoft.com/office/powerpoint/2010/main" xmlns:a14="http://schemas.microsoft.com/office/drawing/2010/main" w="9525">
+                <a14:hiddenLine xmlns:a14="http://schemas.microsoft.com/office/drawing/2010/main" xmlns:p14="http://schemas.microsoft.com/office/powerpoint/2010/main" xmlns="" w="9525">
                   <a:solidFill>
                     <a:srgbClr val="000000"/>
                   </a:solidFill>
@@ -34988,7 +34989,7 @@
             </a:ln>
             <a:extLst>
               <a:ext uri="{91240B29-F687-4f45-9708-019B960494DF}">
-                <a14:hiddenLine xmlns="" xmlns:p14="http://schemas.microsoft.com/office/powerpoint/2010/main" xmlns:a14="http://schemas.microsoft.com/office/drawing/2010/main" w="9525">
+                <a14:hiddenLine xmlns:a14="http://schemas.microsoft.com/office/drawing/2010/main" xmlns:p14="http://schemas.microsoft.com/office/powerpoint/2010/main" xmlns="" w="9525">
                   <a:solidFill>
                     <a:srgbClr val="000000"/>
                   </a:solidFill>
@@ -35065,7 +35066,7 @@
             </a:ln>
             <a:extLst>
               <a:ext uri="{91240B29-F687-4f45-9708-019B960494DF}">
-                <a14:hiddenLine xmlns="" xmlns:p14="http://schemas.microsoft.com/office/powerpoint/2010/main" xmlns:a14="http://schemas.microsoft.com/office/drawing/2010/main" w="9525">
+                <a14:hiddenLine xmlns:a14="http://schemas.microsoft.com/office/drawing/2010/main" xmlns:p14="http://schemas.microsoft.com/office/powerpoint/2010/main" xmlns="" w="9525">
                   <a:solidFill>
                     <a:srgbClr val="000000"/>
                   </a:solidFill>
@@ -35167,7 +35168,7 @@
             </a:ln>
             <a:extLst>
               <a:ext uri="{91240B29-F687-4f45-9708-019B960494DF}">
-                <a14:hiddenLine xmlns="" xmlns:p14="http://schemas.microsoft.com/office/powerpoint/2010/main" xmlns:a14="http://schemas.microsoft.com/office/drawing/2010/main" w="9525">
+                <a14:hiddenLine xmlns:a14="http://schemas.microsoft.com/office/drawing/2010/main" xmlns:p14="http://schemas.microsoft.com/office/powerpoint/2010/main" xmlns="" w="9525">
                   <a:solidFill>
                     <a:srgbClr val="000000"/>
                   </a:solidFill>
@@ -35241,7 +35242,7 @@
             </a:ln>
             <a:extLst>
               <a:ext uri="{91240B29-F687-4f45-9708-019B960494DF}">
-                <a14:hiddenLine xmlns="" xmlns:p14="http://schemas.microsoft.com/office/powerpoint/2010/main" xmlns:a14="http://schemas.microsoft.com/office/drawing/2010/main" w="9525">
+                <a14:hiddenLine xmlns:a14="http://schemas.microsoft.com/office/drawing/2010/main" xmlns:p14="http://schemas.microsoft.com/office/powerpoint/2010/main" xmlns="" w="9525">
                   <a:solidFill>
                     <a:srgbClr val="000000"/>
                   </a:solidFill>
@@ -35343,7 +35344,7 @@
             </a:ln>
             <a:extLst>
               <a:ext uri="{91240B29-F687-4f45-9708-019B960494DF}">
-                <a14:hiddenLine xmlns="" xmlns:p14="http://schemas.microsoft.com/office/powerpoint/2010/main" xmlns:a14="http://schemas.microsoft.com/office/drawing/2010/main" w="9525">
+                <a14:hiddenLine xmlns:a14="http://schemas.microsoft.com/office/drawing/2010/main" xmlns:p14="http://schemas.microsoft.com/office/powerpoint/2010/main" xmlns="" w="9525">
                   <a:solidFill>
                     <a:srgbClr val="000000"/>
                   </a:solidFill>
@@ -35445,7 +35446,7 @@
             </a:ln>
             <a:extLst>
               <a:ext uri="{91240B29-F687-4f45-9708-019B960494DF}">
-                <a14:hiddenLine xmlns="" xmlns:p14="http://schemas.microsoft.com/office/powerpoint/2010/main" xmlns:a14="http://schemas.microsoft.com/office/drawing/2010/main" w="9525">
+                <a14:hiddenLine xmlns:a14="http://schemas.microsoft.com/office/drawing/2010/main" xmlns:p14="http://schemas.microsoft.com/office/powerpoint/2010/main" xmlns="" w="9525">
                   <a:solidFill>
                     <a:srgbClr val="000000"/>
                   </a:solidFill>
@@ -35522,7 +35523,7 @@
             </a:ln>
             <a:extLst>
               <a:ext uri="{91240B29-F687-4f45-9708-019B960494DF}">
-                <a14:hiddenLine xmlns="" xmlns:p14="http://schemas.microsoft.com/office/powerpoint/2010/main" xmlns:a14="http://schemas.microsoft.com/office/drawing/2010/main" w="9525">
+                <a14:hiddenLine xmlns:a14="http://schemas.microsoft.com/office/drawing/2010/main" xmlns:p14="http://schemas.microsoft.com/office/powerpoint/2010/main" xmlns="" w="9525">
                   <a:solidFill>
                     <a:srgbClr val="000000"/>
                   </a:solidFill>
@@ -35596,7 +35597,7 @@
             </a:ln>
             <a:extLst>
               <a:ext uri="{91240B29-F687-4f45-9708-019B960494DF}">
-                <a14:hiddenLine xmlns="" xmlns:p14="http://schemas.microsoft.com/office/powerpoint/2010/main" xmlns:a14="http://schemas.microsoft.com/office/drawing/2010/main" w="9525">
+                <a14:hiddenLine xmlns:a14="http://schemas.microsoft.com/office/drawing/2010/main" xmlns:p14="http://schemas.microsoft.com/office/powerpoint/2010/main" xmlns="" w="9525">
                   <a:solidFill>
                     <a:srgbClr val="000000"/>
                   </a:solidFill>
@@ -35698,7 +35699,7 @@
             </a:ln>
             <a:extLst>
               <a:ext uri="{91240B29-F687-4f45-9708-019B960494DF}">
-                <a14:hiddenLine xmlns="" xmlns:p14="http://schemas.microsoft.com/office/powerpoint/2010/main" xmlns:a14="http://schemas.microsoft.com/office/drawing/2010/main" w="9525">
+                <a14:hiddenLine xmlns:a14="http://schemas.microsoft.com/office/drawing/2010/main" xmlns:p14="http://schemas.microsoft.com/office/powerpoint/2010/main" xmlns="" w="9525">
                   <a:solidFill>
                     <a:srgbClr val="000000"/>
                   </a:solidFill>
@@ -35800,7 +35801,7 @@
             </a:ln>
             <a:extLst>
               <a:ext uri="{91240B29-F687-4f45-9708-019B960494DF}">
-                <a14:hiddenLine xmlns="" xmlns:p14="http://schemas.microsoft.com/office/powerpoint/2010/main" xmlns:a14="http://schemas.microsoft.com/office/drawing/2010/main" w="9525">
+                <a14:hiddenLine xmlns:a14="http://schemas.microsoft.com/office/drawing/2010/main" xmlns:p14="http://schemas.microsoft.com/office/powerpoint/2010/main" xmlns="" w="9525">
                   <a:solidFill>
                     <a:srgbClr val="000000"/>
                   </a:solidFill>
@@ -35874,7 +35875,7 @@
             </a:ln>
             <a:extLst>
               <a:ext uri="{91240B29-F687-4f45-9708-019B960494DF}">
-                <a14:hiddenLine xmlns="" xmlns:p14="http://schemas.microsoft.com/office/powerpoint/2010/main" xmlns:a14="http://schemas.microsoft.com/office/drawing/2010/main" w="9525">
+                <a14:hiddenLine xmlns:a14="http://schemas.microsoft.com/office/drawing/2010/main" xmlns:p14="http://schemas.microsoft.com/office/powerpoint/2010/main" xmlns="" w="9525">
                   <a:solidFill>
                     <a:srgbClr val="000000"/>
                   </a:solidFill>
@@ -36006,7 +36007,7 @@
             </a:ln>
             <a:extLst>
               <a:ext uri="{91240B29-F687-4f45-9708-019B960494DF}">
-                <a14:hiddenLine xmlns="" xmlns:p14="http://schemas.microsoft.com/office/powerpoint/2010/main" xmlns:a14="http://schemas.microsoft.com/office/drawing/2010/main" w="9525">
+                <a14:hiddenLine xmlns:a14="http://schemas.microsoft.com/office/drawing/2010/main" xmlns:p14="http://schemas.microsoft.com/office/powerpoint/2010/main" xmlns="" w="9525">
                   <a:solidFill>
                     <a:srgbClr val="000000"/>
                   </a:solidFill>
@@ -36086,7 +36087,7 @@
             </a:ln>
             <a:extLst>
               <a:ext uri="{91240B29-F687-4f45-9708-019B960494DF}">
-                <a14:hiddenLine xmlns="" xmlns:p14="http://schemas.microsoft.com/office/powerpoint/2010/main" xmlns:a14="http://schemas.microsoft.com/office/drawing/2010/main" w="9525">
+                <a14:hiddenLine xmlns:a14="http://schemas.microsoft.com/office/drawing/2010/main" xmlns:p14="http://schemas.microsoft.com/office/powerpoint/2010/main" xmlns="" w="9525">
                   <a:solidFill>
                     <a:srgbClr val="000000"/>
                   </a:solidFill>
@@ -36188,7 +36189,7 @@
             </a:ln>
             <a:extLst>
               <a:ext uri="{91240B29-F687-4f45-9708-019B960494DF}">
-                <a14:hiddenLine xmlns="" xmlns:p14="http://schemas.microsoft.com/office/powerpoint/2010/main" xmlns:a14="http://schemas.microsoft.com/office/drawing/2010/main" w="9525">
+                <a14:hiddenLine xmlns:a14="http://schemas.microsoft.com/office/drawing/2010/main" xmlns:p14="http://schemas.microsoft.com/office/powerpoint/2010/main" xmlns="" w="9525">
                   <a:solidFill>
                     <a:srgbClr val="000000"/>
                   </a:solidFill>
@@ -36528,7 +36529,7 @@
             </a:ln>
             <a:extLst>
               <a:ext uri="{91240B29-F687-4f45-9708-019B960494DF}">
-                <a14:hiddenLine xmlns:a14="http://schemas.microsoft.com/office/drawing/2010/main" xmlns:dgm="http://schemas.openxmlformats.org/drawingml/2006/diagram" xmlns:p14="http://schemas.microsoft.com/office/powerpoint/2010/main" xmlns="" w="9525">
+                <a14:hiddenLine xmlns="" xmlns:p14="http://schemas.microsoft.com/office/powerpoint/2010/main" xmlns:dgm="http://schemas.openxmlformats.org/drawingml/2006/diagram" xmlns:a14="http://schemas.microsoft.com/office/drawing/2010/main" w="9525">
                   <a:solidFill>
                     <a:srgbClr val="000000"/>
                   </a:solidFill>
@@ -36630,7 +36631,7 @@
             </a:ln>
             <a:extLst>
               <a:ext uri="{91240B29-F687-4f45-9708-019B960494DF}">
-                <a14:hiddenLine xmlns:a14="http://schemas.microsoft.com/office/drawing/2010/main" xmlns:dgm="http://schemas.openxmlformats.org/drawingml/2006/diagram" xmlns:p14="http://schemas.microsoft.com/office/powerpoint/2010/main" xmlns="" w="9525">
+                <a14:hiddenLine xmlns="" xmlns:p14="http://schemas.microsoft.com/office/powerpoint/2010/main" xmlns:dgm="http://schemas.openxmlformats.org/drawingml/2006/diagram" xmlns:a14="http://schemas.microsoft.com/office/drawing/2010/main" w="9525">
                   <a:solidFill>
                     <a:srgbClr val="000000"/>
                   </a:solidFill>
@@ -36732,7 +36733,7 @@
             </a:ln>
             <a:extLst>
               <a:ext uri="{91240B29-F687-4f45-9708-019B960494DF}">
-                <a14:hiddenLine xmlns:a14="http://schemas.microsoft.com/office/drawing/2010/main" xmlns:dgm="http://schemas.openxmlformats.org/drawingml/2006/diagram" xmlns:p14="http://schemas.microsoft.com/office/powerpoint/2010/main" xmlns="" w="9525">
+                <a14:hiddenLine xmlns="" xmlns:p14="http://schemas.microsoft.com/office/powerpoint/2010/main" xmlns:dgm="http://schemas.openxmlformats.org/drawingml/2006/diagram" xmlns:a14="http://schemas.microsoft.com/office/drawing/2010/main" w="9525">
                   <a:solidFill>
                     <a:srgbClr val="000000"/>
                   </a:solidFill>
@@ -36806,7 +36807,7 @@
             </a:ln>
             <a:extLst>
               <a:ext uri="{91240B29-F687-4f45-9708-019B960494DF}">
-                <a14:hiddenLine xmlns:a14="http://schemas.microsoft.com/office/drawing/2010/main" xmlns:dgm="http://schemas.openxmlformats.org/drawingml/2006/diagram" xmlns:p14="http://schemas.microsoft.com/office/powerpoint/2010/main" xmlns="" w="9525">
+                <a14:hiddenLine xmlns="" xmlns:p14="http://schemas.microsoft.com/office/powerpoint/2010/main" xmlns:dgm="http://schemas.openxmlformats.org/drawingml/2006/diagram" xmlns:a14="http://schemas.microsoft.com/office/drawing/2010/main" w="9525">
                   <a:solidFill>
                     <a:srgbClr val="000000"/>
                   </a:solidFill>
@@ -36908,7 +36909,7 @@
             </a:ln>
             <a:extLst>
               <a:ext uri="{91240B29-F687-4f45-9708-019B960494DF}">
-                <a14:hiddenLine xmlns:a14="http://schemas.microsoft.com/office/drawing/2010/main" xmlns:dgm="http://schemas.openxmlformats.org/drawingml/2006/diagram" xmlns:p14="http://schemas.microsoft.com/office/powerpoint/2010/main" xmlns="" w="9525">
+                <a14:hiddenLine xmlns="" xmlns:p14="http://schemas.microsoft.com/office/powerpoint/2010/main" xmlns:dgm="http://schemas.openxmlformats.org/drawingml/2006/diagram" xmlns:a14="http://schemas.microsoft.com/office/drawing/2010/main" w="9525">
                   <a:solidFill>
                     <a:srgbClr val="000000"/>
                   </a:solidFill>
@@ -36982,7 +36983,7 @@
             </a:ln>
             <a:extLst>
               <a:ext uri="{91240B29-F687-4f45-9708-019B960494DF}">
-                <a14:hiddenLine xmlns:a14="http://schemas.microsoft.com/office/drawing/2010/main" xmlns:dgm="http://schemas.openxmlformats.org/drawingml/2006/diagram" xmlns:p14="http://schemas.microsoft.com/office/powerpoint/2010/main" xmlns="" w="9525">
+                <a14:hiddenLine xmlns="" xmlns:p14="http://schemas.microsoft.com/office/powerpoint/2010/main" xmlns:dgm="http://schemas.openxmlformats.org/drawingml/2006/diagram" xmlns:a14="http://schemas.microsoft.com/office/drawing/2010/main" w="9525">
                   <a:solidFill>
                     <a:srgbClr val="000000"/>
                   </a:solidFill>
@@ -37056,7 +37057,7 @@
             </a:ln>
             <a:extLst>
               <a:ext uri="{91240B29-F687-4f45-9708-019B960494DF}">
-                <a14:hiddenLine xmlns:a14="http://schemas.microsoft.com/office/drawing/2010/main" xmlns:dgm="http://schemas.openxmlformats.org/drawingml/2006/diagram" xmlns:p14="http://schemas.microsoft.com/office/powerpoint/2010/main" xmlns="" w="9525">
+                <a14:hiddenLine xmlns="" xmlns:p14="http://schemas.microsoft.com/office/powerpoint/2010/main" xmlns:dgm="http://schemas.openxmlformats.org/drawingml/2006/diagram" xmlns:a14="http://schemas.microsoft.com/office/drawing/2010/main" w="9525">
                   <a:solidFill>
                     <a:srgbClr val="000000"/>
                   </a:solidFill>
@@ -37158,7 +37159,7 @@
             </a:ln>
             <a:extLst>
               <a:ext uri="{91240B29-F687-4f45-9708-019B960494DF}">
-                <a14:hiddenLine xmlns:a14="http://schemas.microsoft.com/office/drawing/2010/main" xmlns:dgm="http://schemas.openxmlformats.org/drawingml/2006/diagram" xmlns:p14="http://schemas.microsoft.com/office/powerpoint/2010/main" xmlns="" w="9525">
+                <a14:hiddenLine xmlns="" xmlns:p14="http://schemas.microsoft.com/office/powerpoint/2010/main" xmlns:dgm="http://schemas.openxmlformats.org/drawingml/2006/diagram" xmlns:a14="http://schemas.microsoft.com/office/drawing/2010/main" w="9525">
                   <a:solidFill>
                     <a:srgbClr val="000000"/>
                   </a:solidFill>
@@ -37260,7 +37261,7 @@
             </a:ln>
             <a:extLst>
               <a:ext uri="{91240B29-F687-4f45-9708-019B960494DF}">
-                <a14:hiddenLine xmlns:a14="http://schemas.microsoft.com/office/drawing/2010/main" xmlns:dgm="http://schemas.openxmlformats.org/drawingml/2006/diagram" xmlns:p14="http://schemas.microsoft.com/office/powerpoint/2010/main" xmlns="" w="9525">
+                <a14:hiddenLine xmlns="" xmlns:p14="http://schemas.microsoft.com/office/powerpoint/2010/main" xmlns:dgm="http://schemas.openxmlformats.org/drawingml/2006/diagram" xmlns:a14="http://schemas.microsoft.com/office/drawing/2010/main" w="9525">
                   <a:solidFill>
                     <a:srgbClr val="000000"/>
                   </a:solidFill>
@@ -37334,7 +37335,7 @@
             </a:ln>
             <a:extLst>
               <a:ext uri="{91240B29-F687-4f45-9708-019B960494DF}">
-                <a14:hiddenLine xmlns:a14="http://schemas.microsoft.com/office/drawing/2010/main" xmlns:dgm="http://schemas.openxmlformats.org/drawingml/2006/diagram" xmlns:p14="http://schemas.microsoft.com/office/powerpoint/2010/main" xmlns="" w="9525">
+                <a14:hiddenLine xmlns="" xmlns:p14="http://schemas.microsoft.com/office/powerpoint/2010/main" xmlns:dgm="http://schemas.openxmlformats.org/drawingml/2006/diagram" xmlns:a14="http://schemas.microsoft.com/office/drawing/2010/main" w="9525">
                   <a:solidFill>
                     <a:srgbClr val="000000"/>
                   </a:solidFill>
@@ -37456,7 +37457,7 @@
             </a:ln>
             <a:extLst>
               <a:ext uri="{91240B29-F687-4f45-9708-019B960494DF}">
-                <a14:hiddenLine xmlns:a14="http://schemas.microsoft.com/office/drawing/2010/main" xmlns:dgm="http://schemas.openxmlformats.org/drawingml/2006/diagram" xmlns:p14="http://schemas.microsoft.com/office/powerpoint/2010/main" xmlns="" w="9525">
+                <a14:hiddenLine xmlns="" xmlns:p14="http://schemas.microsoft.com/office/powerpoint/2010/main" xmlns:dgm="http://schemas.openxmlformats.org/drawingml/2006/diagram" xmlns:a14="http://schemas.microsoft.com/office/drawing/2010/main" w="9525">
                   <a:solidFill>
                     <a:srgbClr val="000000"/>
                   </a:solidFill>
@@ -37564,7 +37565,7 @@
             </a:ln>
             <a:extLst>
               <a:ext uri="{91240B29-F687-4f45-9708-019B960494DF}">
-                <a14:hiddenLine xmlns:a14="http://schemas.microsoft.com/office/drawing/2010/main" xmlns:dgm="http://schemas.openxmlformats.org/drawingml/2006/diagram" xmlns:p14="http://schemas.microsoft.com/office/powerpoint/2010/main" xmlns="" w="9525">
+                <a14:hiddenLine xmlns="" xmlns:p14="http://schemas.microsoft.com/office/powerpoint/2010/main" xmlns:dgm="http://schemas.openxmlformats.org/drawingml/2006/diagram" xmlns:a14="http://schemas.microsoft.com/office/drawing/2010/main" w="9525">
                   <a:solidFill>
                     <a:srgbClr val="000000"/>
                   </a:solidFill>
@@ -37638,7 +37639,7 @@
             </a:ln>
             <a:extLst>
               <a:ext uri="{91240B29-F687-4f45-9708-019B960494DF}">
-                <a14:hiddenLine xmlns:a14="http://schemas.microsoft.com/office/drawing/2010/main" xmlns:dgm="http://schemas.openxmlformats.org/drawingml/2006/diagram" xmlns:p14="http://schemas.microsoft.com/office/powerpoint/2010/main" xmlns="" w="9525">
+                <a14:hiddenLine xmlns="" xmlns:p14="http://schemas.microsoft.com/office/powerpoint/2010/main" xmlns:dgm="http://schemas.openxmlformats.org/drawingml/2006/diagram" xmlns:a14="http://schemas.microsoft.com/office/drawing/2010/main" w="9525">
                   <a:solidFill>
                     <a:srgbClr val="000000"/>
                   </a:solidFill>
@@ -37712,7 +37713,7 @@
             </a:ln>
             <a:extLst>
               <a:ext uri="{91240B29-F687-4f45-9708-019B960494DF}">
-                <a14:hiddenLine xmlns:a14="http://schemas.microsoft.com/office/drawing/2010/main" xmlns:dgm="http://schemas.openxmlformats.org/drawingml/2006/diagram" xmlns:p14="http://schemas.microsoft.com/office/powerpoint/2010/main" xmlns="" w="9525">
+                <a14:hiddenLine xmlns="" xmlns:p14="http://schemas.microsoft.com/office/powerpoint/2010/main" xmlns:dgm="http://schemas.openxmlformats.org/drawingml/2006/diagram" xmlns:a14="http://schemas.microsoft.com/office/drawing/2010/main" w="9525">
                   <a:solidFill>
                     <a:srgbClr val="000000"/>
                   </a:solidFill>
@@ -37814,7 +37815,7 @@
             </a:ln>
             <a:extLst>
               <a:ext uri="{91240B29-F687-4f45-9708-019B960494DF}">
-                <a14:hiddenLine xmlns:a14="http://schemas.microsoft.com/office/drawing/2010/main" xmlns:dgm="http://schemas.openxmlformats.org/drawingml/2006/diagram" xmlns:p14="http://schemas.microsoft.com/office/powerpoint/2010/main" xmlns="" w="9525">
+                <a14:hiddenLine xmlns="" xmlns:p14="http://schemas.microsoft.com/office/powerpoint/2010/main" xmlns:dgm="http://schemas.openxmlformats.org/drawingml/2006/diagram" xmlns:a14="http://schemas.microsoft.com/office/drawing/2010/main" w="9525">
                   <a:solidFill>
                     <a:srgbClr val="000000"/>
                   </a:solidFill>
@@ -37860,7 +37861,7 @@
             </a:ln>
             <a:extLst>
               <a:ext uri="{91240B29-F687-4f45-9708-019B960494DF}">
-                <a14:hiddenLine xmlns:a14="http://schemas.microsoft.com/office/drawing/2010/main" xmlns:dgm="http://schemas.openxmlformats.org/drawingml/2006/diagram" xmlns:p14="http://schemas.microsoft.com/office/powerpoint/2010/main" xmlns="" w="9525">
+                <a14:hiddenLine xmlns="" xmlns:p14="http://schemas.microsoft.com/office/powerpoint/2010/main" xmlns:dgm="http://schemas.openxmlformats.org/drawingml/2006/diagram" xmlns:a14="http://schemas.microsoft.com/office/drawing/2010/main" w="9525">
                   <a:solidFill>
                     <a:srgbClr val="000000"/>
                   </a:solidFill>
@@ -37937,7 +37938,7 @@
             </a:ln>
             <a:extLst>
               <a:ext uri="{91240B29-F687-4f45-9708-019B960494DF}">
-                <a14:hiddenLine xmlns:a14="http://schemas.microsoft.com/office/drawing/2010/main" xmlns:dgm="http://schemas.openxmlformats.org/drawingml/2006/diagram" xmlns:p14="http://schemas.microsoft.com/office/powerpoint/2010/main" xmlns="" w="9525">
+                <a14:hiddenLine xmlns="" xmlns:p14="http://schemas.microsoft.com/office/powerpoint/2010/main" xmlns:dgm="http://schemas.openxmlformats.org/drawingml/2006/diagram" xmlns:a14="http://schemas.microsoft.com/office/drawing/2010/main" w="9525">
                   <a:solidFill>
                     <a:srgbClr val="000000"/>
                   </a:solidFill>
@@ -38039,7 +38040,7 @@
             </a:ln>
             <a:extLst>
               <a:ext uri="{91240B29-F687-4f45-9708-019B960494DF}">
-                <a14:hiddenLine xmlns:a14="http://schemas.microsoft.com/office/drawing/2010/main" xmlns:dgm="http://schemas.openxmlformats.org/drawingml/2006/diagram" xmlns:p14="http://schemas.microsoft.com/office/powerpoint/2010/main" xmlns="" w="9525">
+                <a14:hiddenLine xmlns="" xmlns:p14="http://schemas.microsoft.com/office/powerpoint/2010/main" xmlns:dgm="http://schemas.openxmlformats.org/drawingml/2006/diagram" xmlns:a14="http://schemas.microsoft.com/office/drawing/2010/main" w="9525">
                   <a:solidFill>
                     <a:srgbClr val="000000"/>
                   </a:solidFill>
@@ -38113,7 +38114,7 @@
             </a:ln>
             <a:extLst>
               <a:ext uri="{91240B29-F687-4f45-9708-019B960494DF}">
-                <a14:hiddenLine xmlns:a14="http://schemas.microsoft.com/office/drawing/2010/main" xmlns:dgm="http://schemas.openxmlformats.org/drawingml/2006/diagram" xmlns:p14="http://schemas.microsoft.com/office/powerpoint/2010/main" xmlns="" w="9525">
+                <a14:hiddenLine xmlns="" xmlns:p14="http://schemas.microsoft.com/office/powerpoint/2010/main" xmlns:dgm="http://schemas.openxmlformats.org/drawingml/2006/diagram" xmlns:a14="http://schemas.microsoft.com/office/drawing/2010/main" w="9525">
                   <a:solidFill>
                     <a:srgbClr val="000000"/>
                   </a:solidFill>
@@ -38215,7 +38216,7 @@
             </a:ln>
             <a:extLst>
               <a:ext uri="{91240B29-F687-4f45-9708-019B960494DF}">
-                <a14:hiddenLine xmlns:a14="http://schemas.microsoft.com/office/drawing/2010/main" xmlns:dgm="http://schemas.openxmlformats.org/drawingml/2006/diagram" xmlns:p14="http://schemas.microsoft.com/office/powerpoint/2010/main" xmlns="" w="9525">
+                <a14:hiddenLine xmlns="" xmlns:p14="http://schemas.microsoft.com/office/powerpoint/2010/main" xmlns:dgm="http://schemas.openxmlformats.org/drawingml/2006/diagram" xmlns:a14="http://schemas.microsoft.com/office/drawing/2010/main" w="9525">
                   <a:solidFill>
                     <a:srgbClr val="000000"/>
                   </a:solidFill>
@@ -38292,7 +38293,7 @@
             </a:ln>
             <a:extLst>
               <a:ext uri="{91240B29-F687-4f45-9708-019B960494DF}">
-                <a14:hiddenLine xmlns:a14="http://schemas.microsoft.com/office/drawing/2010/main" xmlns:dgm="http://schemas.openxmlformats.org/drawingml/2006/diagram" xmlns:p14="http://schemas.microsoft.com/office/powerpoint/2010/main" xmlns="" w="9525">
+                <a14:hiddenLine xmlns="" xmlns:p14="http://schemas.microsoft.com/office/powerpoint/2010/main" xmlns:dgm="http://schemas.openxmlformats.org/drawingml/2006/diagram" xmlns:a14="http://schemas.microsoft.com/office/drawing/2010/main" w="9525">
                   <a:solidFill>
                     <a:srgbClr val="000000"/>
                   </a:solidFill>
@@ -38366,7 +38367,7 @@
             </a:ln>
             <a:extLst>
               <a:ext uri="{91240B29-F687-4f45-9708-019B960494DF}">
-                <a14:hiddenLine xmlns:a14="http://schemas.microsoft.com/office/drawing/2010/main" xmlns:dgm="http://schemas.openxmlformats.org/drawingml/2006/diagram" xmlns:p14="http://schemas.microsoft.com/office/powerpoint/2010/main" xmlns="" w="9525">
+                <a14:hiddenLine xmlns="" xmlns:p14="http://schemas.microsoft.com/office/powerpoint/2010/main" xmlns:dgm="http://schemas.openxmlformats.org/drawingml/2006/diagram" xmlns:a14="http://schemas.microsoft.com/office/drawing/2010/main" w="9525">
                   <a:solidFill>
                     <a:srgbClr val="000000"/>
                   </a:solidFill>
@@ -38468,7 +38469,7 @@
             </a:ln>
             <a:extLst>
               <a:ext uri="{91240B29-F687-4f45-9708-019B960494DF}">
-                <a14:hiddenLine xmlns:a14="http://schemas.microsoft.com/office/drawing/2010/main" xmlns:dgm="http://schemas.openxmlformats.org/drawingml/2006/diagram" xmlns:p14="http://schemas.microsoft.com/office/powerpoint/2010/main" xmlns="" w="9525">
+                <a14:hiddenLine xmlns="" xmlns:p14="http://schemas.microsoft.com/office/powerpoint/2010/main" xmlns:dgm="http://schemas.openxmlformats.org/drawingml/2006/diagram" xmlns:a14="http://schemas.microsoft.com/office/drawing/2010/main" w="9525">
                   <a:solidFill>
                     <a:srgbClr val="000000"/>
                   </a:solidFill>
@@ -38570,7 +38571,7 @@
             </a:ln>
             <a:extLst>
               <a:ext uri="{91240B29-F687-4f45-9708-019B960494DF}">
-                <a14:hiddenLine xmlns:a14="http://schemas.microsoft.com/office/drawing/2010/main" xmlns:dgm="http://schemas.openxmlformats.org/drawingml/2006/diagram" xmlns:p14="http://schemas.microsoft.com/office/powerpoint/2010/main" xmlns="" w="9525">
+                <a14:hiddenLine xmlns="" xmlns:p14="http://schemas.microsoft.com/office/powerpoint/2010/main" xmlns:dgm="http://schemas.openxmlformats.org/drawingml/2006/diagram" xmlns:a14="http://schemas.microsoft.com/office/drawing/2010/main" w="9525">
                   <a:solidFill>
                     <a:srgbClr val="000000"/>
                   </a:solidFill>
@@ -38647,7 +38648,7 @@
             </a:ln>
             <a:extLst>
               <a:ext uri="{91240B29-F687-4f45-9708-019B960494DF}">
-                <a14:hiddenLine xmlns:a14="http://schemas.microsoft.com/office/drawing/2010/main" xmlns:dgm="http://schemas.openxmlformats.org/drawingml/2006/diagram" xmlns:p14="http://schemas.microsoft.com/office/powerpoint/2010/main" xmlns="" w="9525">
+                <a14:hiddenLine xmlns="" xmlns:p14="http://schemas.microsoft.com/office/powerpoint/2010/main" xmlns:dgm="http://schemas.openxmlformats.org/drawingml/2006/diagram" xmlns:a14="http://schemas.microsoft.com/office/drawing/2010/main" w="9525">
                   <a:solidFill>
                     <a:srgbClr val="000000"/>
                   </a:solidFill>
@@ -38779,7 +38780,7 @@
             </a:ln>
             <a:extLst>
               <a:ext uri="{91240B29-F687-4f45-9708-019B960494DF}">
-                <a14:hiddenLine xmlns:a14="http://schemas.microsoft.com/office/drawing/2010/main" xmlns:dgm="http://schemas.openxmlformats.org/drawingml/2006/diagram" xmlns:p14="http://schemas.microsoft.com/office/powerpoint/2010/main" xmlns="" w="9525">
+                <a14:hiddenLine xmlns="" xmlns:p14="http://schemas.microsoft.com/office/powerpoint/2010/main" xmlns:dgm="http://schemas.openxmlformats.org/drawingml/2006/diagram" xmlns:a14="http://schemas.microsoft.com/office/drawing/2010/main" w="9525">
                   <a:solidFill>
                     <a:srgbClr val="000000"/>
                   </a:solidFill>
@@ -38835,7 +38836,7 @@
           </a:prstGeom>
           <a:extLst>
             <a:ext uri="{909E8E84-426E-40dd-AFC4-6F175D3DCCD1}">
-              <a14:hiddenFill xmlns:a14="http://schemas.microsoft.com/office/drawing/2010/main" xmlns:dgm="http://schemas.openxmlformats.org/drawingml/2006/diagram" xmlns:p14="http://schemas.microsoft.com/office/powerpoint/2010/main" xmlns="">
+              <a14:hiddenFill xmlns="" xmlns:p14="http://schemas.microsoft.com/office/powerpoint/2010/main" xmlns:dgm="http://schemas.openxmlformats.org/drawingml/2006/diagram" xmlns:a14="http://schemas.microsoft.com/office/drawing/2010/main">
                 <a:solidFill>
                   <a:srgbClr val="FFFFFF"/>
                 </a:solidFill>
@@ -38985,7 +38986,7 @@
             </a:ln>
             <a:extLst>
               <a:ext uri="{91240B29-F687-4f45-9708-019B960494DF}">
-                <a14:hiddenLine xmlns:a14="http://schemas.microsoft.com/office/drawing/2010/main" xmlns:dgm="http://schemas.openxmlformats.org/drawingml/2006/diagram" xmlns:p14="http://schemas.microsoft.com/office/powerpoint/2010/main" xmlns="" w="9525">
+                <a14:hiddenLine xmlns="" xmlns:p14="http://schemas.microsoft.com/office/powerpoint/2010/main" xmlns:dgm="http://schemas.openxmlformats.org/drawingml/2006/diagram" xmlns:a14="http://schemas.microsoft.com/office/drawing/2010/main" w="9525">
                   <a:solidFill>
                     <a:srgbClr val="000000"/>
                   </a:solidFill>
@@ -39087,7 +39088,7 @@
             </a:ln>
             <a:extLst>
               <a:ext uri="{91240B29-F687-4f45-9708-019B960494DF}">
-                <a14:hiddenLine xmlns:a14="http://schemas.microsoft.com/office/drawing/2010/main" xmlns:dgm="http://schemas.openxmlformats.org/drawingml/2006/diagram" xmlns:p14="http://schemas.microsoft.com/office/powerpoint/2010/main" xmlns="" w="9525">
+                <a14:hiddenLine xmlns="" xmlns:p14="http://schemas.microsoft.com/office/powerpoint/2010/main" xmlns:dgm="http://schemas.openxmlformats.org/drawingml/2006/diagram" xmlns:a14="http://schemas.microsoft.com/office/drawing/2010/main" w="9525">
                   <a:solidFill>
                     <a:srgbClr val="000000"/>
                   </a:solidFill>
@@ -39189,7 +39190,7 @@
             </a:ln>
             <a:extLst>
               <a:ext uri="{91240B29-F687-4f45-9708-019B960494DF}">
-                <a14:hiddenLine xmlns:a14="http://schemas.microsoft.com/office/drawing/2010/main" xmlns:dgm="http://schemas.openxmlformats.org/drawingml/2006/diagram" xmlns:p14="http://schemas.microsoft.com/office/powerpoint/2010/main" xmlns="" w="9525">
+                <a14:hiddenLine xmlns="" xmlns:p14="http://schemas.microsoft.com/office/powerpoint/2010/main" xmlns:dgm="http://schemas.openxmlformats.org/drawingml/2006/diagram" xmlns:a14="http://schemas.microsoft.com/office/drawing/2010/main" w="9525">
                   <a:solidFill>
                     <a:srgbClr val="000000"/>
                   </a:solidFill>
@@ -39263,7 +39264,7 @@
             </a:ln>
             <a:extLst>
               <a:ext uri="{91240B29-F687-4f45-9708-019B960494DF}">
-                <a14:hiddenLine xmlns:a14="http://schemas.microsoft.com/office/drawing/2010/main" xmlns:dgm="http://schemas.openxmlformats.org/drawingml/2006/diagram" xmlns:p14="http://schemas.microsoft.com/office/powerpoint/2010/main" xmlns="" w="9525">
+                <a14:hiddenLine xmlns="" xmlns:p14="http://schemas.microsoft.com/office/powerpoint/2010/main" xmlns:dgm="http://schemas.openxmlformats.org/drawingml/2006/diagram" xmlns:a14="http://schemas.microsoft.com/office/drawing/2010/main" w="9525">
                   <a:solidFill>
                     <a:srgbClr val="000000"/>
                   </a:solidFill>
@@ -39365,7 +39366,7 @@
             </a:ln>
             <a:extLst>
               <a:ext uri="{91240B29-F687-4f45-9708-019B960494DF}">
-                <a14:hiddenLine xmlns:a14="http://schemas.microsoft.com/office/drawing/2010/main" xmlns:dgm="http://schemas.openxmlformats.org/drawingml/2006/diagram" xmlns:p14="http://schemas.microsoft.com/office/powerpoint/2010/main" xmlns="" w="9525">
+                <a14:hiddenLine xmlns="" xmlns:p14="http://schemas.microsoft.com/office/powerpoint/2010/main" xmlns:dgm="http://schemas.openxmlformats.org/drawingml/2006/diagram" xmlns:a14="http://schemas.microsoft.com/office/drawing/2010/main" w="9525">
                   <a:solidFill>
                     <a:srgbClr val="000000"/>
                   </a:solidFill>
@@ -39439,7 +39440,7 @@
             </a:ln>
             <a:extLst>
               <a:ext uri="{91240B29-F687-4f45-9708-019B960494DF}">
-                <a14:hiddenLine xmlns:a14="http://schemas.microsoft.com/office/drawing/2010/main" xmlns:dgm="http://schemas.openxmlformats.org/drawingml/2006/diagram" xmlns:p14="http://schemas.microsoft.com/office/powerpoint/2010/main" xmlns="" w="9525">
+                <a14:hiddenLine xmlns="" xmlns:p14="http://schemas.microsoft.com/office/powerpoint/2010/main" xmlns:dgm="http://schemas.openxmlformats.org/drawingml/2006/diagram" xmlns:a14="http://schemas.microsoft.com/office/drawing/2010/main" w="9525">
                   <a:solidFill>
                     <a:srgbClr val="000000"/>
                   </a:solidFill>
@@ -39513,7 +39514,7 @@
             </a:ln>
             <a:extLst>
               <a:ext uri="{91240B29-F687-4f45-9708-019B960494DF}">
-                <a14:hiddenLine xmlns:a14="http://schemas.microsoft.com/office/drawing/2010/main" xmlns:dgm="http://schemas.openxmlformats.org/drawingml/2006/diagram" xmlns:p14="http://schemas.microsoft.com/office/powerpoint/2010/main" xmlns="" w="9525">
+                <a14:hiddenLine xmlns="" xmlns:p14="http://schemas.microsoft.com/office/powerpoint/2010/main" xmlns:dgm="http://schemas.openxmlformats.org/drawingml/2006/diagram" xmlns:a14="http://schemas.microsoft.com/office/drawing/2010/main" w="9525">
                   <a:solidFill>
                     <a:srgbClr val="000000"/>
                   </a:solidFill>
@@ -39615,7 +39616,7 @@
             </a:ln>
             <a:extLst>
               <a:ext uri="{91240B29-F687-4f45-9708-019B960494DF}">
-                <a14:hiddenLine xmlns:a14="http://schemas.microsoft.com/office/drawing/2010/main" xmlns:dgm="http://schemas.openxmlformats.org/drawingml/2006/diagram" xmlns:p14="http://schemas.microsoft.com/office/powerpoint/2010/main" xmlns="" w="9525">
+                <a14:hiddenLine xmlns="" xmlns:p14="http://schemas.microsoft.com/office/powerpoint/2010/main" xmlns:dgm="http://schemas.openxmlformats.org/drawingml/2006/diagram" xmlns:a14="http://schemas.microsoft.com/office/drawing/2010/main" w="9525">
                   <a:solidFill>
                     <a:srgbClr val="000000"/>
                   </a:solidFill>
@@ -39717,7 +39718,7 @@
             </a:ln>
             <a:extLst>
               <a:ext uri="{91240B29-F687-4f45-9708-019B960494DF}">
-                <a14:hiddenLine xmlns:a14="http://schemas.microsoft.com/office/drawing/2010/main" xmlns:dgm="http://schemas.openxmlformats.org/drawingml/2006/diagram" xmlns:p14="http://schemas.microsoft.com/office/powerpoint/2010/main" xmlns="" w="9525">
+                <a14:hiddenLine xmlns="" xmlns:p14="http://schemas.microsoft.com/office/powerpoint/2010/main" xmlns:dgm="http://schemas.openxmlformats.org/drawingml/2006/diagram" xmlns:a14="http://schemas.microsoft.com/office/drawing/2010/main" w="9525">
                   <a:solidFill>
                     <a:srgbClr val="000000"/>
                   </a:solidFill>
@@ -39791,7 +39792,7 @@
             </a:ln>
             <a:extLst>
               <a:ext uri="{91240B29-F687-4f45-9708-019B960494DF}">
-                <a14:hiddenLine xmlns:a14="http://schemas.microsoft.com/office/drawing/2010/main" xmlns:dgm="http://schemas.openxmlformats.org/drawingml/2006/diagram" xmlns:p14="http://schemas.microsoft.com/office/powerpoint/2010/main" xmlns="" w="9525">
+                <a14:hiddenLine xmlns="" xmlns:p14="http://schemas.microsoft.com/office/powerpoint/2010/main" xmlns:dgm="http://schemas.openxmlformats.org/drawingml/2006/diagram" xmlns:a14="http://schemas.microsoft.com/office/drawing/2010/main" w="9525">
                   <a:solidFill>
                     <a:srgbClr val="000000"/>
                   </a:solidFill>
@@ -39913,7 +39914,7 @@
             </a:ln>
             <a:extLst>
               <a:ext uri="{91240B29-F687-4f45-9708-019B960494DF}">
-                <a14:hiddenLine xmlns:a14="http://schemas.microsoft.com/office/drawing/2010/main" xmlns:dgm="http://schemas.openxmlformats.org/drawingml/2006/diagram" xmlns:p14="http://schemas.microsoft.com/office/powerpoint/2010/main" xmlns="" w="9525">
+                <a14:hiddenLine xmlns="" xmlns:p14="http://schemas.microsoft.com/office/powerpoint/2010/main" xmlns:dgm="http://schemas.openxmlformats.org/drawingml/2006/diagram" xmlns:a14="http://schemas.microsoft.com/office/drawing/2010/main" w="9525">
                   <a:solidFill>
                     <a:srgbClr val="000000"/>
                   </a:solidFill>
@@ -40021,7 +40022,7 @@
             </a:ln>
             <a:extLst>
               <a:ext uri="{91240B29-F687-4f45-9708-019B960494DF}">
-                <a14:hiddenLine xmlns:a14="http://schemas.microsoft.com/office/drawing/2010/main" xmlns:dgm="http://schemas.openxmlformats.org/drawingml/2006/diagram" xmlns:p14="http://schemas.microsoft.com/office/powerpoint/2010/main" xmlns="" w="9525">
+                <a14:hiddenLine xmlns="" xmlns:p14="http://schemas.microsoft.com/office/powerpoint/2010/main" xmlns:dgm="http://schemas.openxmlformats.org/drawingml/2006/diagram" xmlns:a14="http://schemas.microsoft.com/office/drawing/2010/main" w="9525">
                   <a:solidFill>
                     <a:srgbClr val="000000"/>
                   </a:solidFill>
@@ -40095,7 +40096,7 @@
             </a:ln>
             <a:extLst>
               <a:ext uri="{91240B29-F687-4f45-9708-019B960494DF}">
-                <a14:hiddenLine xmlns:a14="http://schemas.microsoft.com/office/drawing/2010/main" xmlns:dgm="http://schemas.openxmlformats.org/drawingml/2006/diagram" xmlns:p14="http://schemas.microsoft.com/office/powerpoint/2010/main" xmlns="" w="9525">
+                <a14:hiddenLine xmlns="" xmlns:p14="http://schemas.microsoft.com/office/powerpoint/2010/main" xmlns:dgm="http://schemas.openxmlformats.org/drawingml/2006/diagram" xmlns:a14="http://schemas.microsoft.com/office/drawing/2010/main" w="9525">
                   <a:solidFill>
                     <a:srgbClr val="000000"/>
                   </a:solidFill>
@@ -40169,7 +40170,7 @@
             </a:ln>
             <a:extLst>
               <a:ext uri="{91240B29-F687-4f45-9708-019B960494DF}">
-                <a14:hiddenLine xmlns:a14="http://schemas.microsoft.com/office/drawing/2010/main" xmlns:dgm="http://schemas.openxmlformats.org/drawingml/2006/diagram" xmlns:p14="http://schemas.microsoft.com/office/powerpoint/2010/main" xmlns="" w="9525">
+                <a14:hiddenLine xmlns="" xmlns:p14="http://schemas.microsoft.com/office/powerpoint/2010/main" xmlns:dgm="http://schemas.openxmlformats.org/drawingml/2006/diagram" xmlns:a14="http://schemas.microsoft.com/office/drawing/2010/main" w="9525">
                   <a:solidFill>
                     <a:srgbClr val="000000"/>
                   </a:solidFill>
@@ -40271,7 +40272,7 @@
             </a:ln>
             <a:extLst>
               <a:ext uri="{91240B29-F687-4f45-9708-019B960494DF}">
-                <a14:hiddenLine xmlns:a14="http://schemas.microsoft.com/office/drawing/2010/main" xmlns:dgm="http://schemas.openxmlformats.org/drawingml/2006/diagram" xmlns:p14="http://schemas.microsoft.com/office/powerpoint/2010/main" xmlns="" w="9525">
+                <a14:hiddenLine xmlns="" xmlns:p14="http://schemas.microsoft.com/office/powerpoint/2010/main" xmlns:dgm="http://schemas.openxmlformats.org/drawingml/2006/diagram" xmlns:a14="http://schemas.microsoft.com/office/drawing/2010/main" w="9525">
                   <a:solidFill>
                     <a:srgbClr val="000000"/>
                   </a:solidFill>
@@ -40317,7 +40318,7 @@
             </a:ln>
             <a:extLst>
               <a:ext uri="{91240B29-F687-4f45-9708-019B960494DF}">
-                <a14:hiddenLine xmlns:a14="http://schemas.microsoft.com/office/drawing/2010/main" xmlns:dgm="http://schemas.openxmlformats.org/drawingml/2006/diagram" xmlns:p14="http://schemas.microsoft.com/office/powerpoint/2010/main" xmlns="" w="9525">
+                <a14:hiddenLine xmlns="" xmlns:p14="http://schemas.microsoft.com/office/powerpoint/2010/main" xmlns:dgm="http://schemas.openxmlformats.org/drawingml/2006/diagram" xmlns:a14="http://schemas.microsoft.com/office/drawing/2010/main" w="9525">
                   <a:solidFill>
                     <a:srgbClr val="000000"/>
                   </a:solidFill>
@@ -40394,7 +40395,7 @@
             </a:ln>
             <a:extLst>
               <a:ext uri="{91240B29-F687-4f45-9708-019B960494DF}">
-                <a14:hiddenLine xmlns:a14="http://schemas.microsoft.com/office/drawing/2010/main" xmlns:dgm="http://schemas.openxmlformats.org/drawingml/2006/diagram" xmlns:p14="http://schemas.microsoft.com/office/powerpoint/2010/main" xmlns="" w="9525">
+                <a14:hiddenLine xmlns="" xmlns:p14="http://schemas.microsoft.com/office/powerpoint/2010/main" xmlns:dgm="http://schemas.openxmlformats.org/drawingml/2006/diagram" xmlns:a14="http://schemas.microsoft.com/office/drawing/2010/main" w="9525">
                   <a:solidFill>
                     <a:srgbClr val="000000"/>
                   </a:solidFill>
@@ -40496,7 +40497,7 @@
             </a:ln>
             <a:extLst>
               <a:ext uri="{91240B29-F687-4f45-9708-019B960494DF}">
-                <a14:hiddenLine xmlns:a14="http://schemas.microsoft.com/office/drawing/2010/main" xmlns:dgm="http://schemas.openxmlformats.org/drawingml/2006/diagram" xmlns:p14="http://schemas.microsoft.com/office/powerpoint/2010/main" xmlns="" w="9525">
+                <a14:hiddenLine xmlns="" xmlns:p14="http://schemas.microsoft.com/office/powerpoint/2010/main" xmlns:dgm="http://schemas.openxmlformats.org/drawingml/2006/diagram" xmlns:a14="http://schemas.microsoft.com/office/drawing/2010/main" w="9525">
                   <a:solidFill>
                     <a:srgbClr val="000000"/>
                   </a:solidFill>
@@ -40570,7 +40571,7 @@
             </a:ln>
             <a:extLst>
               <a:ext uri="{91240B29-F687-4f45-9708-019B960494DF}">
-                <a14:hiddenLine xmlns:a14="http://schemas.microsoft.com/office/drawing/2010/main" xmlns:dgm="http://schemas.openxmlformats.org/drawingml/2006/diagram" xmlns:p14="http://schemas.microsoft.com/office/powerpoint/2010/main" xmlns="" w="9525">
+                <a14:hiddenLine xmlns="" xmlns:p14="http://schemas.microsoft.com/office/powerpoint/2010/main" xmlns:dgm="http://schemas.openxmlformats.org/drawingml/2006/diagram" xmlns:a14="http://schemas.microsoft.com/office/drawing/2010/main" w="9525">
                   <a:solidFill>
                     <a:srgbClr val="000000"/>
                   </a:solidFill>
@@ -40672,7 +40673,7 @@
             </a:ln>
             <a:extLst>
               <a:ext uri="{91240B29-F687-4f45-9708-019B960494DF}">
-                <a14:hiddenLine xmlns:a14="http://schemas.microsoft.com/office/drawing/2010/main" xmlns:dgm="http://schemas.openxmlformats.org/drawingml/2006/diagram" xmlns:p14="http://schemas.microsoft.com/office/powerpoint/2010/main" xmlns="" w="9525">
+                <a14:hiddenLine xmlns="" xmlns:p14="http://schemas.microsoft.com/office/powerpoint/2010/main" xmlns:dgm="http://schemas.openxmlformats.org/drawingml/2006/diagram" xmlns:a14="http://schemas.microsoft.com/office/drawing/2010/main" w="9525">
                   <a:solidFill>
                     <a:srgbClr val="000000"/>
                   </a:solidFill>
@@ -40749,7 +40750,7 @@
             </a:ln>
             <a:extLst>
               <a:ext uri="{91240B29-F687-4f45-9708-019B960494DF}">
-                <a14:hiddenLine xmlns:a14="http://schemas.microsoft.com/office/drawing/2010/main" xmlns:dgm="http://schemas.openxmlformats.org/drawingml/2006/diagram" xmlns:p14="http://schemas.microsoft.com/office/powerpoint/2010/main" xmlns="" w="9525">
+                <a14:hiddenLine xmlns="" xmlns:p14="http://schemas.microsoft.com/office/powerpoint/2010/main" xmlns:dgm="http://schemas.openxmlformats.org/drawingml/2006/diagram" xmlns:a14="http://schemas.microsoft.com/office/drawing/2010/main" w="9525">
                   <a:solidFill>
                     <a:srgbClr val="000000"/>
                   </a:solidFill>
@@ -40823,7 +40824,7 @@
             </a:ln>
             <a:extLst>
               <a:ext uri="{91240B29-F687-4f45-9708-019B960494DF}">
-                <a14:hiddenLine xmlns:a14="http://schemas.microsoft.com/office/drawing/2010/main" xmlns:dgm="http://schemas.openxmlformats.org/drawingml/2006/diagram" xmlns:p14="http://schemas.microsoft.com/office/powerpoint/2010/main" xmlns="" w="9525">
+                <a14:hiddenLine xmlns="" xmlns:p14="http://schemas.microsoft.com/office/powerpoint/2010/main" xmlns:dgm="http://schemas.openxmlformats.org/drawingml/2006/diagram" xmlns:a14="http://schemas.microsoft.com/office/drawing/2010/main" w="9525">
                   <a:solidFill>
                     <a:srgbClr val="000000"/>
                   </a:solidFill>
@@ -40925,7 +40926,7 @@
             </a:ln>
             <a:extLst>
               <a:ext uri="{91240B29-F687-4f45-9708-019B960494DF}">
-                <a14:hiddenLine xmlns:a14="http://schemas.microsoft.com/office/drawing/2010/main" xmlns:dgm="http://schemas.openxmlformats.org/drawingml/2006/diagram" xmlns:p14="http://schemas.microsoft.com/office/powerpoint/2010/main" xmlns="" w="9525">
+                <a14:hiddenLine xmlns="" xmlns:p14="http://schemas.microsoft.com/office/powerpoint/2010/main" xmlns:dgm="http://schemas.openxmlformats.org/drawingml/2006/diagram" xmlns:a14="http://schemas.microsoft.com/office/drawing/2010/main" w="9525">
                   <a:solidFill>
                     <a:srgbClr val="000000"/>
                   </a:solidFill>
@@ -41027,7 +41028,7 @@
             </a:ln>
             <a:extLst>
               <a:ext uri="{91240B29-F687-4f45-9708-019B960494DF}">
-                <a14:hiddenLine xmlns:a14="http://schemas.microsoft.com/office/drawing/2010/main" xmlns:dgm="http://schemas.openxmlformats.org/drawingml/2006/diagram" xmlns:p14="http://schemas.microsoft.com/office/powerpoint/2010/main" xmlns="" w="9525">
+                <a14:hiddenLine xmlns="" xmlns:p14="http://schemas.microsoft.com/office/powerpoint/2010/main" xmlns:dgm="http://schemas.openxmlformats.org/drawingml/2006/diagram" xmlns:a14="http://schemas.microsoft.com/office/drawing/2010/main" w="9525">
                   <a:solidFill>
                     <a:srgbClr val="000000"/>
                   </a:solidFill>
@@ -41104,7 +41105,7 @@
             </a:ln>
             <a:extLst>
               <a:ext uri="{91240B29-F687-4f45-9708-019B960494DF}">
-                <a14:hiddenLine xmlns:a14="http://schemas.microsoft.com/office/drawing/2010/main" xmlns:dgm="http://schemas.openxmlformats.org/drawingml/2006/diagram" xmlns:p14="http://schemas.microsoft.com/office/powerpoint/2010/main" xmlns="" w="9525">
+                <a14:hiddenLine xmlns="" xmlns:p14="http://schemas.microsoft.com/office/powerpoint/2010/main" xmlns:dgm="http://schemas.openxmlformats.org/drawingml/2006/diagram" xmlns:a14="http://schemas.microsoft.com/office/drawing/2010/main" w="9525">
                   <a:solidFill>
                     <a:srgbClr val="000000"/>
                   </a:solidFill>
@@ -41236,7 +41237,7 @@
             </a:ln>
             <a:extLst>
               <a:ext uri="{91240B29-F687-4f45-9708-019B960494DF}">
-                <a14:hiddenLine xmlns:a14="http://schemas.microsoft.com/office/drawing/2010/main" xmlns:dgm="http://schemas.openxmlformats.org/drawingml/2006/diagram" xmlns:p14="http://schemas.microsoft.com/office/powerpoint/2010/main" xmlns="" w="9525">
+                <a14:hiddenLine xmlns="" xmlns:p14="http://schemas.microsoft.com/office/powerpoint/2010/main" xmlns:dgm="http://schemas.openxmlformats.org/drawingml/2006/diagram" xmlns:a14="http://schemas.microsoft.com/office/drawing/2010/main" w="9525">
                   <a:solidFill>
                     <a:srgbClr val="000000"/>
                   </a:solidFill>
@@ -41294,7 +41295,7 @@
           <a:noFill/>
           <a:extLst>
             <a:ext uri="{909E8E84-426E-40dd-AFC4-6F175D3DCCD1}">
-              <a14:hiddenFill xmlns:a14="http://schemas.microsoft.com/office/drawing/2010/main" xmlns:dgm="http://schemas.openxmlformats.org/drawingml/2006/diagram" xmlns:p14="http://schemas.microsoft.com/office/powerpoint/2010/main" xmlns="">
+              <a14:hiddenFill xmlns="" xmlns:p14="http://schemas.microsoft.com/office/powerpoint/2010/main" xmlns:dgm="http://schemas.openxmlformats.org/drawingml/2006/diagram" xmlns:a14="http://schemas.microsoft.com/office/drawing/2010/main">
                 <a:solidFill>
                   <a:srgbClr val="FFFFFF"/>
                 </a:solidFill>
@@ -41492,6 +41493,65 @@
     <p:extLst>
       <p:ext uri="{BB962C8B-B14F-4D97-AF65-F5344CB8AC3E}">
         <p14:creationId xmlns:p14="http://schemas.microsoft.com/office/powerpoint/2010/main" val="1513357570"/>
+      </p:ext>
+    </p:extLst>
+  </p:cSld>
+  <p:clrMapOvr>
+    <a:masterClrMapping/>
+  </p:clrMapOvr>
+</p:sld>
+</file>
+
+<file path=ppt/slides/slide8.xml><?xml version="1.0" encoding="utf-8"?>
+<p:sld xmlns:a="http://schemas.openxmlformats.org/drawingml/2006/main" xmlns:r="http://schemas.openxmlformats.org/officeDocument/2006/relationships" xmlns:p="http://schemas.openxmlformats.org/presentationml/2006/main">
+  <p:cSld>
+    <p:spTree>
+      <p:nvGrpSpPr>
+        <p:cNvPr id="1" name=""/>
+        <p:cNvGrpSpPr/>
+        <p:nvPr/>
+      </p:nvGrpSpPr>
+      <p:grpSpPr>
+        <a:xfrm>
+          <a:off x="0" y="0"/>
+          <a:ext cx="0" cy="0"/>
+          <a:chOff x="0" y="0"/>
+          <a:chExt cx="0" cy="0"/>
+        </a:xfrm>
+      </p:grpSpPr>
+      <p:pic>
+        <p:nvPicPr>
+          <p:cNvPr id="5" name="Content Placeholder 4" descr="A picture containing linedrawing&#10;&#10;Description generated with high confidence">
+            <a:extLst>
+              <a:ext uri="{FF2B5EF4-FFF2-40B4-BE49-F238E27FC236}">
+                <a16:creationId xmlns:a16="http://schemas.microsoft.com/office/drawing/2014/main" id="{9DDC4091-A076-4263-8EA1-076FB52DE077}"/>
+              </a:ext>
+            </a:extLst>
+          </p:cNvPr>
+          <p:cNvPicPr>
+            <a:picLocks noGrp="1" noChangeAspect="1"/>
+          </p:cNvPicPr>
+          <p:nvPr>
+            <p:ph idx="1"/>
+          </p:nvPr>
+        </p:nvPicPr>
+        <p:blipFill>
+          <a:blip r:embed="rId2"/>
+          <a:stretch>
+            <a:fillRect/>
+          </a:stretch>
+        </p:blipFill>
+        <p:spPr>
+          <a:xfrm>
+            <a:off x="2179864" y="155122"/>
+            <a:ext cx="6833507" cy="6583838"/>
+          </a:xfrm>
+        </p:spPr>
+      </p:pic>
+    </p:spTree>
+    <p:extLst>
+      <p:ext uri="{BB962C8B-B14F-4D97-AF65-F5344CB8AC3E}">
+        <p14:creationId xmlns:p14="http://schemas.microsoft.com/office/powerpoint/2010/main" val="1498725336"/>
       </p:ext>
     </p:extLst>
   </p:cSld>
